--- a/draft/chapter5.pptx
+++ b/draft/chapter5.pptx
@@ -6,6 +6,8 @@
   </p:sldMasterIdLst>
   <p:sldIdLst>
     <p:sldId id="256" r:id="rId2"/>
+    <p:sldId id="257" r:id="rId3"/>
+    <p:sldId id="258" r:id="rId4"/>
   </p:sldIdLst>
   <p:sldSz cx="12192000" cy="6858000"/>
   <p:notesSz cx="6858000" cy="9144000"/>
@@ -104,6 +106,11 @@
       </a:defRPr>
     </a:lvl9pPr>
   </p:defaultTextStyle>
+  <p:extLst>
+    <p:ext uri="{EFAFB233-063F-42B5-8137-9DF3F51BA10A}">
+      <p15:sldGuideLst xmlns:p15="http://schemas.microsoft.com/office/powerpoint/2012/main"/>
+    </p:ext>
+  </p:extLst>
 </p:presentation>
 </file>
 
@@ -238,7 +245,7 @@
           <a:p>
             <a:fld id="{133C0493-C6ED-4B14-9A77-884F95215A8F}" type="datetimeFigureOut">
               <a:rPr lang="ko-KR" altLang="en-US" smtClean="0"/>
-              <a:t>2021-06-04</a:t>
+              <a:t>2021-07-07</a:t>
             </a:fld>
             <a:endParaRPr lang="ko-KR" altLang="en-US"/>
           </a:p>
@@ -408,7 +415,7 @@
           <a:p>
             <a:fld id="{133C0493-C6ED-4B14-9A77-884F95215A8F}" type="datetimeFigureOut">
               <a:rPr lang="ko-KR" altLang="en-US" smtClean="0"/>
-              <a:t>2021-06-04</a:t>
+              <a:t>2021-07-07</a:t>
             </a:fld>
             <a:endParaRPr lang="ko-KR" altLang="en-US"/>
           </a:p>
@@ -588,7 +595,7 @@
           <a:p>
             <a:fld id="{133C0493-C6ED-4B14-9A77-884F95215A8F}" type="datetimeFigureOut">
               <a:rPr lang="ko-KR" altLang="en-US" smtClean="0"/>
-              <a:t>2021-06-04</a:t>
+              <a:t>2021-07-07</a:t>
             </a:fld>
             <a:endParaRPr lang="ko-KR" altLang="en-US"/>
           </a:p>
@@ -758,7 +765,7 @@
           <a:p>
             <a:fld id="{133C0493-C6ED-4B14-9A77-884F95215A8F}" type="datetimeFigureOut">
               <a:rPr lang="ko-KR" altLang="en-US" smtClean="0"/>
-              <a:t>2021-06-04</a:t>
+              <a:t>2021-07-07</a:t>
             </a:fld>
             <a:endParaRPr lang="ko-KR" altLang="en-US"/>
           </a:p>
@@ -1004,7 +1011,7 @@
           <a:p>
             <a:fld id="{133C0493-C6ED-4B14-9A77-884F95215A8F}" type="datetimeFigureOut">
               <a:rPr lang="ko-KR" altLang="en-US" smtClean="0"/>
-              <a:t>2021-06-04</a:t>
+              <a:t>2021-07-07</a:t>
             </a:fld>
             <a:endParaRPr lang="ko-KR" altLang="en-US"/>
           </a:p>
@@ -1236,7 +1243,7 @@
           <a:p>
             <a:fld id="{133C0493-C6ED-4B14-9A77-884F95215A8F}" type="datetimeFigureOut">
               <a:rPr lang="ko-KR" altLang="en-US" smtClean="0"/>
-              <a:t>2021-06-04</a:t>
+              <a:t>2021-07-07</a:t>
             </a:fld>
             <a:endParaRPr lang="ko-KR" altLang="en-US"/>
           </a:p>
@@ -1603,7 +1610,7 @@
           <a:p>
             <a:fld id="{133C0493-C6ED-4B14-9A77-884F95215A8F}" type="datetimeFigureOut">
               <a:rPr lang="ko-KR" altLang="en-US" smtClean="0"/>
-              <a:t>2021-06-04</a:t>
+              <a:t>2021-07-07</a:t>
             </a:fld>
             <a:endParaRPr lang="ko-KR" altLang="en-US"/>
           </a:p>
@@ -1721,7 +1728,7 @@
           <a:p>
             <a:fld id="{133C0493-C6ED-4B14-9A77-884F95215A8F}" type="datetimeFigureOut">
               <a:rPr lang="ko-KR" altLang="en-US" smtClean="0"/>
-              <a:t>2021-06-04</a:t>
+              <a:t>2021-07-07</a:t>
             </a:fld>
             <a:endParaRPr lang="ko-KR" altLang="en-US"/>
           </a:p>
@@ -1816,7 +1823,7 @@
           <a:p>
             <a:fld id="{133C0493-C6ED-4B14-9A77-884F95215A8F}" type="datetimeFigureOut">
               <a:rPr lang="ko-KR" altLang="en-US" smtClean="0"/>
-              <a:t>2021-06-04</a:t>
+              <a:t>2021-07-07</a:t>
             </a:fld>
             <a:endParaRPr lang="ko-KR" altLang="en-US"/>
           </a:p>
@@ -2093,7 +2100,7 @@
           <a:p>
             <a:fld id="{133C0493-C6ED-4B14-9A77-884F95215A8F}" type="datetimeFigureOut">
               <a:rPr lang="ko-KR" altLang="en-US" smtClean="0"/>
-              <a:t>2021-06-04</a:t>
+              <a:t>2021-07-07</a:t>
             </a:fld>
             <a:endParaRPr lang="ko-KR" altLang="en-US"/>
           </a:p>
@@ -2346,7 +2353,7 @@
           <a:p>
             <a:fld id="{133C0493-C6ED-4B14-9A77-884F95215A8F}" type="datetimeFigureOut">
               <a:rPr lang="ko-KR" altLang="en-US" smtClean="0"/>
-              <a:t>2021-06-04</a:t>
+              <a:t>2021-07-07</a:t>
             </a:fld>
             <a:endParaRPr lang="ko-KR" altLang="en-US"/>
           </a:p>
@@ -2559,7 +2566,7 @@
           <a:p>
             <a:fld id="{133C0493-C6ED-4B14-9A77-884F95215A8F}" type="datetimeFigureOut">
               <a:rPr lang="ko-KR" altLang="en-US" smtClean="0"/>
-              <a:t>2021-06-04</a:t>
+              <a:t>2021-07-07</a:t>
             </a:fld>
             <a:endParaRPr lang="ko-KR" altLang="en-US"/>
           </a:p>
@@ -3171,7 +3178,11 @@
             <a:pPr algn="ctr"/>
             <a:r>
               <a:rPr lang="ko-KR" altLang="en-US" sz="1200" smtClean="0"/>
-              <a:t>문서 요약 레이어</a:t>
+              <a:t>질의응답 </a:t>
+            </a:r>
+            <a:r>
+              <a:rPr lang="ko-KR" altLang="en-US" sz="1200" smtClean="0"/>
+              <a:t>레이어</a:t>
             </a:r>
             <a:endParaRPr lang="ko-KR" altLang="en-US" sz="1200"/>
           </a:p>
@@ -3235,7 +3246,7 @@
         <p:spPr>
           <a:xfrm>
             <a:off x="6211494" y="4975654"/>
-            <a:ext cx="5614037" cy="830997"/>
+            <a:ext cx="5614037" cy="1384995"/>
           </a:xfrm>
           <a:prstGeom prst="rect">
             <a:avLst/>
@@ -3284,15 +3295,34 @@
           <a:p>
             <a:r>
               <a:rPr lang="en-US" altLang="ko-KR" sz="1200" smtClean="0"/>
-              <a:t>Label: </a:t>
-            </a:r>
+              <a:t>Question:</a:t>
+            </a:r>
+          </a:p>
+          <a:p>
             <a:r>
               <a:rPr lang="ko-KR" altLang="en-US" sz="1200" smtClean="0"/>
-              <a:t>정부는 빅데이터와 헬스케어 등의 사업에 신규 투자하기로 결정했다</a:t>
+              <a:t>정부가 투자하기로 한 사업은 무엇인가</a:t>
             </a:r>
             <a:r>
               <a:rPr lang="en-US" altLang="ko-KR" sz="1200" smtClean="0"/>
-              <a:t>.</a:t>
+              <a:t>?</a:t>
+            </a:r>
+            <a:endParaRPr lang="en-US" altLang="ko-KR" sz="1200" smtClean="0"/>
+          </a:p>
+          <a:p>
+            <a:r>
+              <a:rPr lang="en-US" altLang="ko-KR" sz="1200" smtClean="0"/>
+              <a:t>Label</a:t>
+            </a:r>
+            <a:r>
+              <a:rPr lang="en-US" altLang="ko-KR" sz="1200" smtClean="0"/>
+              <a:t>:</a:t>
+            </a:r>
+          </a:p>
+          <a:p>
+            <a:r>
+              <a:rPr lang="ko-KR" altLang="en-US" sz="1200" smtClean="0"/>
+              <a:t>빅데이터와 헬스케어</a:t>
             </a:r>
             <a:endParaRPr lang="ko-KR" altLang="en-US" sz="1200"/>
           </a:p>
@@ -3336,6 +3366,236 @@
     <p:extLst>
       <p:ext uri="{BB962C8B-B14F-4D97-AF65-F5344CB8AC3E}">
         <p14:creationId xmlns:p14="http://schemas.microsoft.com/office/powerpoint/2010/main" val="3156165366"/>
+      </p:ext>
+    </p:extLst>
+  </p:cSld>
+  <p:clrMapOvr>
+    <a:masterClrMapping/>
+  </p:clrMapOvr>
+</p:sld>
+</file>
+
+<file path=ppt/slides/slide2.xml><?xml version="1.0" encoding="utf-8"?>
+<p:sld xmlns:a="http://schemas.openxmlformats.org/drawingml/2006/main" xmlns:r="http://schemas.openxmlformats.org/officeDocument/2006/relationships" xmlns:p="http://schemas.openxmlformats.org/presentationml/2006/main">
+  <p:cSld>
+    <p:spTree>
+      <p:nvGrpSpPr>
+        <p:cNvPr id="1" name=""/>
+        <p:cNvGrpSpPr/>
+        <p:nvPr/>
+      </p:nvGrpSpPr>
+      <p:grpSpPr>
+        <a:xfrm>
+          <a:off x="0" y="0"/>
+          <a:ext cx="0" cy="0"/>
+          <a:chOff x="0" y="0"/>
+          <a:chExt cx="0" cy="0"/>
+        </a:xfrm>
+      </p:grpSpPr>
+      <p:pic>
+        <p:nvPicPr>
+          <p:cNvPr id="2" name="그림 1"/>
+          <p:cNvPicPr>
+            <a:picLocks noChangeAspect="1"/>
+          </p:cNvPicPr>
+          <p:nvPr/>
+        </p:nvPicPr>
+        <p:blipFill>
+          <a:blip r:embed="rId2"/>
+          <a:stretch>
+            <a:fillRect/>
+          </a:stretch>
+        </p:blipFill>
+        <p:spPr>
+          <a:xfrm>
+            <a:off x="0" y="2052865"/>
+            <a:ext cx="12192000" cy="2752269"/>
+          </a:xfrm>
+          <a:prstGeom prst="rect">
+            <a:avLst/>
+          </a:prstGeom>
+        </p:spPr>
+      </p:pic>
+      <p:sp>
+        <p:nvSpPr>
+          <p:cNvPr id="11" name="TextBox 10"/>
+          <p:cNvSpPr txBox="1"/>
+          <p:nvPr/>
+        </p:nvSpPr>
+        <p:spPr>
+          <a:xfrm>
+            <a:off x="59177" y="84986"/>
+            <a:ext cx="577402" cy="276999"/>
+          </a:xfrm>
+          <a:prstGeom prst="rect">
+            <a:avLst/>
+          </a:prstGeom>
+          <a:noFill/>
+        </p:spPr>
+        <p:txBody>
+          <a:bodyPr wrap="none" rtlCol="0">
+            <a:spAutoFit/>
+          </a:bodyPr>
+          <a:lstStyle/>
+          <a:p>
+            <a:r>
+              <a:rPr lang="ko-KR" altLang="en-US" sz="1200" smtClean="0"/>
+              <a:t>그림</a:t>
+            </a:r>
+            <a:r>
+              <a:rPr lang="en-US" altLang="ko-KR" sz="1200"/>
+              <a:t>2</a:t>
+            </a:r>
+            <a:endParaRPr lang="ko-KR" altLang="en-US" sz="1200"/>
+          </a:p>
+        </p:txBody>
+      </p:sp>
+    </p:spTree>
+    <p:extLst>
+      <p:ext uri="{BB962C8B-B14F-4D97-AF65-F5344CB8AC3E}">
+        <p14:creationId xmlns:p14="http://schemas.microsoft.com/office/powerpoint/2010/main" val="3547818004"/>
+      </p:ext>
+    </p:extLst>
+  </p:cSld>
+  <p:clrMapOvr>
+    <a:masterClrMapping/>
+  </p:clrMapOvr>
+</p:sld>
+</file>
+
+<file path=ppt/slides/slide3.xml><?xml version="1.0" encoding="utf-8"?>
+<p:sld xmlns:a="http://schemas.openxmlformats.org/drawingml/2006/main" xmlns:r="http://schemas.openxmlformats.org/officeDocument/2006/relationships" xmlns:p="http://schemas.openxmlformats.org/presentationml/2006/main">
+  <p:cSld>
+    <p:spTree>
+      <p:nvGrpSpPr>
+        <p:cNvPr id="1" name=""/>
+        <p:cNvGrpSpPr/>
+        <p:nvPr/>
+      </p:nvGrpSpPr>
+      <p:grpSpPr>
+        <a:xfrm>
+          <a:off x="0" y="0"/>
+          <a:ext cx="0" cy="0"/>
+          <a:chOff x="0" y="0"/>
+          <a:chExt cx="0" cy="0"/>
+        </a:xfrm>
+      </p:grpSpPr>
+      <p:pic>
+        <p:nvPicPr>
+          <p:cNvPr id="3" name="그림 2"/>
+          <p:cNvPicPr>
+            <a:picLocks noChangeAspect="1"/>
+          </p:cNvPicPr>
+          <p:nvPr/>
+        </p:nvPicPr>
+        <p:blipFill>
+          <a:blip r:embed="rId2"/>
+          <a:stretch>
+            <a:fillRect/>
+          </a:stretch>
+        </p:blipFill>
+        <p:spPr>
+          <a:xfrm>
+            <a:off x="3364771" y="-278341"/>
+            <a:ext cx="5260246" cy="4148324"/>
+          </a:xfrm>
+          <a:prstGeom prst="rect">
+            <a:avLst/>
+          </a:prstGeom>
+        </p:spPr>
+      </p:pic>
+      <p:pic>
+        <p:nvPicPr>
+          <p:cNvPr id="4" name="그림 3"/>
+          <p:cNvPicPr>
+            <a:picLocks noChangeAspect="1"/>
+          </p:cNvPicPr>
+          <p:nvPr/>
+        </p:nvPicPr>
+        <p:blipFill>
+          <a:blip r:embed="rId3"/>
+          <a:stretch>
+            <a:fillRect/>
+          </a:stretch>
+        </p:blipFill>
+        <p:spPr>
+          <a:xfrm>
+            <a:off x="3447148" y="4531517"/>
+            <a:ext cx="5405651" cy="2326483"/>
+          </a:xfrm>
+          <a:prstGeom prst="rect">
+            <a:avLst/>
+          </a:prstGeom>
+        </p:spPr>
+      </p:pic>
+      <p:sp>
+        <p:nvSpPr>
+          <p:cNvPr id="5" name="TextBox 4"/>
+          <p:cNvSpPr txBox="1"/>
+          <p:nvPr/>
+        </p:nvSpPr>
+        <p:spPr>
+          <a:xfrm>
+            <a:off x="6083553" y="3933703"/>
+            <a:ext cx="377428" cy="461665"/>
+          </a:xfrm>
+          <a:prstGeom prst="rect">
+            <a:avLst/>
+          </a:prstGeom>
+          <a:noFill/>
+        </p:spPr>
+        <p:txBody>
+          <a:bodyPr wrap="square" rtlCol="0">
+            <a:spAutoFit/>
+          </a:bodyPr>
+          <a:lstStyle/>
+          <a:p>
+            <a:r>
+              <a:rPr lang="en-US" altLang="ko-KR" sz="1200" smtClean="0"/>
+              <a:t>.......</a:t>
+            </a:r>
+            <a:endParaRPr lang="ko-KR" altLang="en-US" sz="1200"/>
+          </a:p>
+        </p:txBody>
+      </p:sp>
+      <p:sp>
+        <p:nvSpPr>
+          <p:cNvPr id="6" name="TextBox 5"/>
+          <p:cNvSpPr txBox="1"/>
+          <p:nvPr/>
+        </p:nvSpPr>
+        <p:spPr>
+          <a:xfrm>
+            <a:off x="59177" y="84986"/>
+            <a:ext cx="577402" cy="276999"/>
+          </a:xfrm>
+          <a:prstGeom prst="rect">
+            <a:avLst/>
+          </a:prstGeom>
+          <a:noFill/>
+        </p:spPr>
+        <p:txBody>
+          <a:bodyPr wrap="none" rtlCol="0">
+            <a:spAutoFit/>
+          </a:bodyPr>
+          <a:lstStyle/>
+          <a:p>
+            <a:r>
+              <a:rPr lang="ko-KR" altLang="en-US" sz="1200" smtClean="0"/>
+              <a:t>그림</a:t>
+            </a:r>
+            <a:r>
+              <a:rPr lang="en-US" altLang="ko-KR" sz="1200"/>
+              <a:t>3</a:t>
+            </a:r>
+            <a:endParaRPr lang="ko-KR" altLang="en-US" sz="1200"/>
+          </a:p>
+        </p:txBody>
+      </p:sp>
+    </p:spTree>
+    <p:extLst>
+      <p:ext uri="{BB962C8B-B14F-4D97-AF65-F5344CB8AC3E}">
+        <p14:creationId xmlns:p14="http://schemas.microsoft.com/office/powerpoint/2010/main" val="1633500803"/>
       </p:ext>
     </p:extLst>
   </p:cSld>

--- a/draft/chapter5.pptx
+++ b/draft/chapter5.pptx
@@ -8,6 +8,8 @@
     <p:sldId id="256" r:id="rId2"/>
     <p:sldId id="257" r:id="rId3"/>
     <p:sldId id="258" r:id="rId4"/>
+    <p:sldId id="259" r:id="rId5"/>
+    <p:sldId id="260" r:id="rId6"/>
   </p:sldIdLst>
   <p:sldSz cx="12192000" cy="6858000"/>
   <p:notesSz cx="6858000" cy="9144000"/>
@@ -245,7 +247,7 @@
           <a:p>
             <a:fld id="{133C0493-C6ED-4B14-9A77-884F95215A8F}" type="datetimeFigureOut">
               <a:rPr lang="ko-KR" altLang="en-US" smtClean="0"/>
-              <a:t>2021-07-07</a:t>
+              <a:t>2021-08-11</a:t>
             </a:fld>
             <a:endParaRPr lang="ko-KR" altLang="en-US"/>
           </a:p>
@@ -415,7 +417,7 @@
           <a:p>
             <a:fld id="{133C0493-C6ED-4B14-9A77-884F95215A8F}" type="datetimeFigureOut">
               <a:rPr lang="ko-KR" altLang="en-US" smtClean="0"/>
-              <a:t>2021-07-07</a:t>
+              <a:t>2021-08-11</a:t>
             </a:fld>
             <a:endParaRPr lang="ko-KR" altLang="en-US"/>
           </a:p>
@@ -595,7 +597,7 @@
           <a:p>
             <a:fld id="{133C0493-C6ED-4B14-9A77-884F95215A8F}" type="datetimeFigureOut">
               <a:rPr lang="ko-KR" altLang="en-US" smtClean="0"/>
-              <a:t>2021-07-07</a:t>
+              <a:t>2021-08-11</a:t>
             </a:fld>
             <a:endParaRPr lang="ko-KR" altLang="en-US"/>
           </a:p>
@@ -765,7 +767,7 @@
           <a:p>
             <a:fld id="{133C0493-C6ED-4B14-9A77-884F95215A8F}" type="datetimeFigureOut">
               <a:rPr lang="ko-KR" altLang="en-US" smtClean="0"/>
-              <a:t>2021-07-07</a:t>
+              <a:t>2021-08-11</a:t>
             </a:fld>
             <a:endParaRPr lang="ko-KR" altLang="en-US"/>
           </a:p>
@@ -1011,7 +1013,7 @@
           <a:p>
             <a:fld id="{133C0493-C6ED-4B14-9A77-884F95215A8F}" type="datetimeFigureOut">
               <a:rPr lang="ko-KR" altLang="en-US" smtClean="0"/>
-              <a:t>2021-07-07</a:t>
+              <a:t>2021-08-11</a:t>
             </a:fld>
             <a:endParaRPr lang="ko-KR" altLang="en-US"/>
           </a:p>
@@ -1243,7 +1245,7 @@
           <a:p>
             <a:fld id="{133C0493-C6ED-4B14-9A77-884F95215A8F}" type="datetimeFigureOut">
               <a:rPr lang="ko-KR" altLang="en-US" smtClean="0"/>
-              <a:t>2021-07-07</a:t>
+              <a:t>2021-08-11</a:t>
             </a:fld>
             <a:endParaRPr lang="ko-KR" altLang="en-US"/>
           </a:p>
@@ -1610,7 +1612,7 @@
           <a:p>
             <a:fld id="{133C0493-C6ED-4B14-9A77-884F95215A8F}" type="datetimeFigureOut">
               <a:rPr lang="ko-KR" altLang="en-US" smtClean="0"/>
-              <a:t>2021-07-07</a:t>
+              <a:t>2021-08-11</a:t>
             </a:fld>
             <a:endParaRPr lang="ko-KR" altLang="en-US"/>
           </a:p>
@@ -1728,7 +1730,7 @@
           <a:p>
             <a:fld id="{133C0493-C6ED-4B14-9A77-884F95215A8F}" type="datetimeFigureOut">
               <a:rPr lang="ko-KR" altLang="en-US" smtClean="0"/>
-              <a:t>2021-07-07</a:t>
+              <a:t>2021-08-11</a:t>
             </a:fld>
             <a:endParaRPr lang="ko-KR" altLang="en-US"/>
           </a:p>
@@ -1823,7 +1825,7 @@
           <a:p>
             <a:fld id="{133C0493-C6ED-4B14-9A77-884F95215A8F}" type="datetimeFigureOut">
               <a:rPr lang="ko-KR" altLang="en-US" smtClean="0"/>
-              <a:t>2021-07-07</a:t>
+              <a:t>2021-08-11</a:t>
             </a:fld>
             <a:endParaRPr lang="ko-KR" altLang="en-US"/>
           </a:p>
@@ -2100,7 +2102,7 @@
           <a:p>
             <a:fld id="{133C0493-C6ED-4B14-9A77-884F95215A8F}" type="datetimeFigureOut">
               <a:rPr lang="ko-KR" altLang="en-US" smtClean="0"/>
-              <a:t>2021-07-07</a:t>
+              <a:t>2021-08-11</a:t>
             </a:fld>
             <a:endParaRPr lang="ko-KR" altLang="en-US"/>
           </a:p>
@@ -2353,7 +2355,7 @@
           <a:p>
             <a:fld id="{133C0493-C6ED-4B14-9A77-884F95215A8F}" type="datetimeFigureOut">
               <a:rPr lang="ko-KR" altLang="en-US" smtClean="0"/>
-              <a:t>2021-07-07</a:t>
+              <a:t>2021-08-11</a:t>
             </a:fld>
             <a:endParaRPr lang="ko-KR" altLang="en-US"/>
           </a:p>
@@ -2566,7 +2568,7 @@
           <a:p>
             <a:fld id="{133C0493-C6ED-4B14-9A77-884F95215A8F}" type="datetimeFigureOut">
               <a:rPr lang="ko-KR" altLang="en-US" smtClean="0"/>
-              <a:t>2021-07-07</a:t>
+              <a:t>2021-08-11</a:t>
             </a:fld>
             <a:endParaRPr lang="ko-KR" altLang="en-US"/>
           </a:p>
@@ -3178,11 +3180,7 @@
             <a:pPr algn="ctr"/>
             <a:r>
               <a:rPr lang="ko-KR" altLang="en-US" sz="1200" smtClean="0"/>
-              <a:t>질의응답 </a:t>
-            </a:r>
-            <a:r>
-              <a:rPr lang="ko-KR" altLang="en-US" sz="1200" smtClean="0"/>
-              <a:t>레이어</a:t>
+              <a:t>질의응답 레이어</a:t>
             </a:r>
             <a:endParaRPr lang="ko-KR" altLang="en-US" sz="1200"/>
           </a:p>
@@ -3307,16 +3305,11 @@
               <a:rPr lang="en-US" altLang="ko-KR" sz="1200" smtClean="0"/>
               <a:t>?</a:t>
             </a:r>
-            <a:endParaRPr lang="en-US" altLang="ko-KR" sz="1200" smtClean="0"/>
           </a:p>
           <a:p>
             <a:r>
               <a:rPr lang="en-US" altLang="ko-KR" sz="1200" smtClean="0"/>
-              <a:t>Label</a:t>
-            </a:r>
-            <a:r>
-              <a:rPr lang="en-US" altLang="ko-KR" sz="1200" smtClean="0"/>
-              <a:t>:</a:t>
+              <a:t>Label:</a:t>
             </a:r>
           </a:p>
           <a:p>
@@ -3596,6 +3589,750 @@
     <p:extLst>
       <p:ext uri="{BB962C8B-B14F-4D97-AF65-F5344CB8AC3E}">
         <p14:creationId xmlns:p14="http://schemas.microsoft.com/office/powerpoint/2010/main" val="1633500803"/>
+      </p:ext>
+    </p:extLst>
+  </p:cSld>
+  <p:clrMapOvr>
+    <a:masterClrMapping/>
+  </p:clrMapOvr>
+</p:sld>
+</file>
+
+<file path=ppt/slides/slide4.xml><?xml version="1.0" encoding="utf-8"?>
+<p:sld xmlns:a="http://schemas.openxmlformats.org/drawingml/2006/main" xmlns:r="http://schemas.openxmlformats.org/officeDocument/2006/relationships" xmlns:p="http://schemas.openxmlformats.org/presentationml/2006/main">
+  <p:cSld>
+    <p:spTree>
+      <p:nvGrpSpPr>
+        <p:cNvPr id="1" name=""/>
+        <p:cNvGrpSpPr/>
+        <p:nvPr/>
+      </p:nvGrpSpPr>
+      <p:grpSpPr>
+        <a:xfrm>
+          <a:off x="0" y="0"/>
+          <a:ext cx="0" cy="0"/>
+          <a:chOff x="0" y="0"/>
+          <a:chExt cx="0" cy="0"/>
+        </a:xfrm>
+      </p:grpSpPr>
+      <p:sp>
+        <p:nvSpPr>
+          <p:cNvPr id="6" name="TextBox 5"/>
+          <p:cNvSpPr txBox="1"/>
+          <p:nvPr/>
+        </p:nvSpPr>
+        <p:spPr>
+          <a:xfrm>
+            <a:off x="59177" y="84986"/>
+            <a:ext cx="577402" cy="276999"/>
+          </a:xfrm>
+          <a:prstGeom prst="rect">
+            <a:avLst/>
+          </a:prstGeom>
+          <a:noFill/>
+        </p:spPr>
+        <p:txBody>
+          <a:bodyPr wrap="none" rtlCol="0">
+            <a:spAutoFit/>
+          </a:bodyPr>
+          <a:lstStyle/>
+          <a:p>
+            <a:r>
+              <a:rPr lang="ko-KR" altLang="en-US" sz="1200" smtClean="0"/>
+              <a:t>그림</a:t>
+            </a:r>
+            <a:r>
+              <a:rPr lang="en-US" altLang="ko-KR" sz="1200"/>
+              <a:t>4</a:t>
+            </a:r>
+            <a:endParaRPr lang="ko-KR" altLang="en-US" sz="1200"/>
+          </a:p>
+        </p:txBody>
+      </p:sp>
+    </p:spTree>
+    <p:extLst>
+      <p:ext uri="{BB962C8B-B14F-4D97-AF65-F5344CB8AC3E}">
+        <p14:creationId xmlns:p14="http://schemas.microsoft.com/office/powerpoint/2010/main" val="197918181"/>
+      </p:ext>
+    </p:extLst>
+  </p:cSld>
+  <p:clrMapOvr>
+    <a:masterClrMapping/>
+  </p:clrMapOvr>
+</p:sld>
+</file>
+
+<file path=ppt/slides/slide5.xml><?xml version="1.0" encoding="utf-8"?>
+<p:sld xmlns:a="http://schemas.openxmlformats.org/drawingml/2006/main" xmlns:r="http://schemas.openxmlformats.org/officeDocument/2006/relationships" xmlns:p="http://schemas.openxmlformats.org/presentationml/2006/main">
+  <p:cSld>
+    <p:spTree>
+      <p:nvGrpSpPr>
+        <p:cNvPr id="1" name=""/>
+        <p:cNvGrpSpPr/>
+        <p:nvPr/>
+      </p:nvGrpSpPr>
+      <p:grpSpPr>
+        <a:xfrm>
+          <a:off x="0" y="0"/>
+          <a:ext cx="0" cy="0"/>
+          <a:chOff x="0" y="0"/>
+          <a:chExt cx="0" cy="0"/>
+        </a:xfrm>
+      </p:grpSpPr>
+      <p:sp>
+        <p:nvSpPr>
+          <p:cNvPr id="6" name="TextBox 5"/>
+          <p:cNvSpPr txBox="1"/>
+          <p:nvPr/>
+        </p:nvSpPr>
+        <p:spPr>
+          <a:xfrm>
+            <a:off x="59177" y="84986"/>
+            <a:ext cx="577402" cy="276999"/>
+          </a:xfrm>
+          <a:prstGeom prst="rect">
+            <a:avLst/>
+          </a:prstGeom>
+          <a:noFill/>
+        </p:spPr>
+        <p:txBody>
+          <a:bodyPr wrap="none" rtlCol="0">
+            <a:spAutoFit/>
+          </a:bodyPr>
+          <a:lstStyle/>
+          <a:p>
+            <a:r>
+              <a:rPr lang="ko-KR" altLang="en-US" sz="1200" smtClean="0"/>
+              <a:t>그림</a:t>
+            </a:r>
+            <a:r>
+              <a:rPr lang="en-US" altLang="ko-KR" sz="1200" smtClean="0"/>
+              <a:t>5</a:t>
+            </a:r>
+            <a:endParaRPr lang="ko-KR" altLang="en-US" sz="1200"/>
+          </a:p>
+        </p:txBody>
+      </p:sp>
+      <p:sp>
+        <p:nvSpPr>
+          <p:cNvPr id="2" name="직사각형 1"/>
+          <p:cNvSpPr/>
+          <p:nvPr/>
+        </p:nvSpPr>
+        <p:spPr>
+          <a:xfrm>
+            <a:off x="1968843" y="452732"/>
+            <a:ext cx="6096000" cy="2862322"/>
+          </a:xfrm>
+          <a:prstGeom prst="rect">
+            <a:avLst/>
+          </a:prstGeom>
+        </p:spPr>
+        <p:txBody>
+          <a:bodyPr>
+            <a:spAutoFit/>
+          </a:bodyPr>
+          <a:lstStyle/>
+          <a:p>
+            <a:r>
+              <a:rPr lang="ko-KR" altLang="en-US" smtClean="0"/>
+              <a:t>예시문</a:t>
+            </a:r>
+            <a:r>
+              <a:rPr lang="en-US" altLang="ko-KR" smtClean="0"/>
+              <a:t>:</a:t>
+            </a:r>
+          </a:p>
+          <a:p>
+            <a:r>
+              <a:rPr lang="en-US" altLang="ko-KR" smtClean="0"/>
+              <a:t>DOC1: </a:t>
+            </a:r>
+            <a:r>
+              <a:rPr lang="ko-KR" altLang="en-US" smtClean="0"/>
+              <a:t>아침에 </a:t>
+            </a:r>
+            <a:r>
+              <a:rPr lang="ko-KR" altLang="en-US"/>
+              <a:t>일어났다</a:t>
+            </a:r>
+            <a:r>
+              <a:rPr lang="en-US" altLang="ko-KR"/>
+              <a:t>. </a:t>
+            </a:r>
+            <a:r>
+              <a:rPr lang="ko-KR" altLang="en-US"/>
+              <a:t>이상하게 배가 아팠다</a:t>
+            </a:r>
+            <a:r>
+              <a:rPr lang="en-US" altLang="ko-KR"/>
+              <a:t>. </a:t>
+            </a:r>
+            <a:r>
+              <a:rPr lang="ko-KR" altLang="en-US"/>
+              <a:t>그래서 병원에 </a:t>
+            </a:r>
+            <a:r>
+              <a:rPr lang="ko-KR" altLang="en-US"/>
+              <a:t>갔다</a:t>
+            </a:r>
+            <a:r>
+              <a:rPr lang="en-US" altLang="ko-KR" smtClean="0"/>
+              <a:t>. </a:t>
+            </a:r>
+            <a:r>
+              <a:rPr lang="ko-KR" altLang="en-US" smtClean="0"/>
+              <a:t>병원은 너무 멀었다</a:t>
+            </a:r>
+            <a:r>
+              <a:rPr lang="en-US" altLang="ko-KR" smtClean="0"/>
+              <a:t>. </a:t>
+            </a:r>
+            <a:r>
+              <a:rPr lang="ko-KR" altLang="en-US" smtClean="0"/>
+              <a:t>차로 한참을 가다가 나는 잠이 들고 말았다</a:t>
+            </a:r>
+            <a:r>
+              <a:rPr lang="en-US" altLang="ko-KR" smtClean="0"/>
+              <a:t>.</a:t>
+            </a:r>
+          </a:p>
+          <a:p>
+            <a:endParaRPr lang="en-US" altLang="ko-KR"/>
+          </a:p>
+          <a:p>
+            <a:r>
+              <a:rPr lang="en-US" altLang="ko-KR" smtClean="0"/>
+              <a:t>DOC2: </a:t>
+            </a:r>
+            <a:r>
+              <a:rPr lang="ko-KR" altLang="en-US" smtClean="0"/>
+              <a:t>오늘은 왠지 술을 한 잔 하고 싶다</a:t>
+            </a:r>
+            <a:r>
+              <a:rPr lang="en-US" altLang="ko-KR" smtClean="0"/>
+              <a:t>. </a:t>
+            </a:r>
+            <a:r>
+              <a:rPr lang="ko-KR" altLang="en-US" smtClean="0"/>
+              <a:t>비도 오고 일도 잘 안된다</a:t>
+            </a:r>
+            <a:r>
+              <a:rPr lang="en-US" altLang="ko-KR" smtClean="0"/>
+              <a:t>. </a:t>
+            </a:r>
+            <a:r>
+              <a:rPr lang="ko-KR" altLang="en-US" smtClean="0"/>
+              <a:t>왠지 모르게 다 내려놓고 놀고 싶은 날이다</a:t>
+            </a:r>
+            <a:r>
+              <a:rPr lang="en-US" altLang="ko-KR" smtClean="0"/>
+              <a:t>.</a:t>
+            </a:r>
+          </a:p>
+          <a:p>
+            <a:endParaRPr lang="en-US" altLang="ko-KR"/>
+          </a:p>
+          <a:p>
+            <a:r>
+              <a:rPr lang="en-US" altLang="ko-KR" smtClean="0"/>
+              <a:t>DOC3: </a:t>
+            </a:r>
+            <a:r>
+              <a:rPr lang="ko-KR" altLang="en-US" smtClean="0"/>
+              <a:t>우와 엄마가 선물 줬다</a:t>
+            </a:r>
+            <a:r>
+              <a:rPr lang="en-US" altLang="ko-KR" smtClean="0"/>
+              <a:t>. </a:t>
+            </a:r>
+            <a:r>
+              <a:rPr lang="ko-KR" altLang="en-US" smtClean="0"/>
+              <a:t>태권</a:t>
+            </a:r>
+            <a:r>
+              <a:rPr lang="en-US" altLang="ko-KR" smtClean="0"/>
+              <a:t>V </a:t>
+            </a:r>
+            <a:r>
+              <a:rPr lang="ko-KR" altLang="en-US" smtClean="0"/>
+              <a:t>장난감이다</a:t>
+            </a:r>
+            <a:r>
+              <a:rPr lang="en-US" altLang="ko-KR" smtClean="0"/>
+              <a:t>. </a:t>
+            </a:r>
+            <a:r>
+              <a:rPr lang="ko-KR" altLang="en-US" smtClean="0"/>
+              <a:t>내가 제일 갖고 싶었던 장난감인데</a:t>
+            </a:r>
+            <a:endParaRPr lang="ko-KR" altLang="en-US"/>
+          </a:p>
+        </p:txBody>
+      </p:sp>
+      <p:sp>
+        <p:nvSpPr>
+          <p:cNvPr id="3" name="직사각형 2"/>
+          <p:cNvSpPr/>
+          <p:nvPr/>
+        </p:nvSpPr>
+        <p:spPr>
+          <a:xfrm>
+            <a:off x="216359" y="3352887"/>
+            <a:ext cx="10956846" cy="646331"/>
+          </a:xfrm>
+          <a:prstGeom prst="rect">
+            <a:avLst/>
+          </a:prstGeom>
+        </p:spPr>
+        <p:txBody>
+          <a:bodyPr wrap="none">
+            <a:spAutoFit/>
+          </a:bodyPr>
+          <a:lstStyle/>
+          <a:p>
+            <a:r>
+              <a:rPr lang="en-US" altLang="ko-KR" smtClean="0"/>
+              <a:t># </a:t>
+            </a:r>
+            <a:r>
+              <a:rPr lang="ko-KR" altLang="en-US" smtClean="0"/>
+              <a:t>SEGMENT-PAIR+NSP</a:t>
+            </a:r>
+            <a:endParaRPr lang="en-US" altLang="ko-KR" smtClean="0"/>
+          </a:p>
+          <a:p>
+            <a:r>
+              <a:rPr lang="en-US" altLang="ko-KR" smtClean="0"/>
+              <a:t>-&gt;</a:t>
+            </a:r>
+            <a:r>
+              <a:rPr lang="en-US" altLang="ko-KR" smtClean="0">
+                <a:solidFill>
+                  <a:srgbClr val="FF0000"/>
+                </a:solidFill>
+              </a:rPr>
+              <a:t> </a:t>
+            </a:r>
+            <a:r>
+              <a:rPr lang="ko-KR" altLang="en-US" smtClean="0">
+                <a:solidFill>
+                  <a:srgbClr val="FF0000"/>
+                </a:solidFill>
+              </a:rPr>
+              <a:t>아침에 </a:t>
+            </a:r>
+            <a:r>
+              <a:rPr lang="ko-KR" altLang="en-US">
+                <a:solidFill>
+                  <a:srgbClr val="FF0000"/>
+                </a:solidFill>
+              </a:rPr>
+              <a:t>일어났다</a:t>
+            </a:r>
+            <a:r>
+              <a:rPr lang="en-US" altLang="ko-KR">
+                <a:solidFill>
+                  <a:srgbClr val="FF0000"/>
+                </a:solidFill>
+              </a:rPr>
+              <a:t>. </a:t>
+            </a:r>
+            <a:r>
+              <a:rPr lang="ko-KR" altLang="en-US">
+                <a:solidFill>
+                  <a:srgbClr val="FF0000"/>
+                </a:solidFill>
+              </a:rPr>
+              <a:t>이상하게 배가 </a:t>
+            </a:r>
+            <a:r>
+              <a:rPr lang="ko-KR" altLang="en-US">
+                <a:solidFill>
+                  <a:srgbClr val="FF0000"/>
+                </a:solidFill>
+              </a:rPr>
+              <a:t>아팠다</a:t>
+            </a:r>
+            <a:r>
+              <a:rPr lang="en-US" altLang="ko-KR" smtClean="0">
+                <a:solidFill>
+                  <a:srgbClr val="FF0000"/>
+                </a:solidFill>
+              </a:rPr>
+              <a:t>. </a:t>
+            </a:r>
+            <a:r>
+              <a:rPr lang="ko-KR" altLang="en-US">
+                <a:solidFill>
+                  <a:srgbClr val="0070C0"/>
+                </a:solidFill>
+              </a:rPr>
+              <a:t>오늘은 왠지 술을 한 잔 하고 싶다</a:t>
+            </a:r>
+            <a:r>
+              <a:rPr lang="en-US" altLang="ko-KR">
+                <a:solidFill>
+                  <a:srgbClr val="0070C0"/>
+                </a:solidFill>
+              </a:rPr>
+              <a:t>. </a:t>
+            </a:r>
+            <a:r>
+              <a:rPr lang="ko-KR" altLang="en-US">
+                <a:solidFill>
+                  <a:srgbClr val="0070C0"/>
+                </a:solidFill>
+              </a:rPr>
+              <a:t>비도 오고 일도 잘 </a:t>
+            </a:r>
+            <a:r>
+              <a:rPr lang="ko-KR" altLang="en-US">
+                <a:solidFill>
+                  <a:srgbClr val="0070C0"/>
+                </a:solidFill>
+              </a:rPr>
+              <a:t>안된다</a:t>
+            </a:r>
+            <a:r>
+              <a:rPr lang="en-US" altLang="ko-KR" smtClean="0">
+                <a:solidFill>
+                  <a:srgbClr val="0070C0"/>
+                </a:solidFill>
+              </a:rPr>
+              <a:t>.</a:t>
+            </a:r>
+            <a:endParaRPr lang="ko-KR" altLang="en-US">
+              <a:solidFill>
+                <a:srgbClr val="0070C0"/>
+              </a:solidFill>
+            </a:endParaRPr>
+          </a:p>
+        </p:txBody>
+      </p:sp>
+      <p:sp>
+        <p:nvSpPr>
+          <p:cNvPr id="7" name="직사각형 6"/>
+          <p:cNvSpPr/>
+          <p:nvPr/>
+        </p:nvSpPr>
+        <p:spPr>
+          <a:xfrm>
+            <a:off x="216359" y="4053718"/>
+            <a:ext cx="4932761" cy="646331"/>
+          </a:xfrm>
+          <a:prstGeom prst="rect">
+            <a:avLst/>
+          </a:prstGeom>
+        </p:spPr>
+        <p:txBody>
+          <a:bodyPr wrap="none">
+            <a:spAutoFit/>
+          </a:bodyPr>
+          <a:lstStyle/>
+          <a:p>
+            <a:r>
+              <a:rPr lang="en-US" altLang="ko-KR" smtClean="0"/>
+              <a:t># SENTENCE</a:t>
+            </a:r>
+            <a:r>
+              <a:rPr lang="ko-KR" altLang="en-US" smtClean="0"/>
+              <a:t>-PAIR+NSP</a:t>
+            </a:r>
+            <a:endParaRPr lang="en-US" altLang="ko-KR" smtClean="0"/>
+          </a:p>
+          <a:p>
+            <a:r>
+              <a:rPr lang="en-US" altLang="ko-KR" smtClean="0"/>
+              <a:t>-&gt;</a:t>
+            </a:r>
+            <a:r>
+              <a:rPr lang="en-US" altLang="ko-KR" smtClean="0">
+                <a:solidFill>
+                  <a:srgbClr val="FF0000"/>
+                </a:solidFill>
+              </a:rPr>
+              <a:t> </a:t>
+            </a:r>
+            <a:r>
+              <a:rPr lang="ko-KR" altLang="en-US" smtClean="0">
+                <a:solidFill>
+                  <a:srgbClr val="FF0000"/>
+                </a:solidFill>
+              </a:rPr>
+              <a:t>아침에 </a:t>
+            </a:r>
+            <a:r>
+              <a:rPr lang="ko-KR" altLang="en-US">
+                <a:solidFill>
+                  <a:srgbClr val="FF0000"/>
+                </a:solidFill>
+              </a:rPr>
+              <a:t>일어났다</a:t>
+            </a:r>
+            <a:r>
+              <a:rPr lang="en-US" altLang="ko-KR">
+                <a:solidFill>
+                  <a:srgbClr val="FF0000"/>
+                </a:solidFill>
+              </a:rPr>
+              <a:t>. </a:t>
+            </a:r>
+            <a:r>
+              <a:rPr lang="ko-KR" altLang="en-US">
+                <a:solidFill>
+                  <a:srgbClr val="0070C0"/>
+                </a:solidFill>
+              </a:rPr>
+              <a:t>이상하게 배가 </a:t>
+            </a:r>
+            <a:r>
+              <a:rPr lang="ko-KR" altLang="en-US">
+                <a:solidFill>
+                  <a:srgbClr val="0070C0"/>
+                </a:solidFill>
+              </a:rPr>
+              <a:t>아팠다</a:t>
+            </a:r>
+            <a:r>
+              <a:rPr lang="en-US" altLang="ko-KR" smtClean="0">
+                <a:solidFill>
+                  <a:srgbClr val="0070C0"/>
+                </a:solidFill>
+              </a:rPr>
+              <a:t>. ....</a:t>
+            </a:r>
+          </a:p>
+        </p:txBody>
+      </p:sp>
+      <p:sp>
+        <p:nvSpPr>
+          <p:cNvPr id="9" name="직사각형 8"/>
+          <p:cNvSpPr/>
+          <p:nvPr/>
+        </p:nvSpPr>
+        <p:spPr>
+          <a:xfrm>
+            <a:off x="216359" y="4842283"/>
+            <a:ext cx="7362913" cy="646331"/>
+          </a:xfrm>
+          <a:prstGeom prst="rect">
+            <a:avLst/>
+          </a:prstGeom>
+        </p:spPr>
+        <p:txBody>
+          <a:bodyPr wrap="none">
+            <a:spAutoFit/>
+          </a:bodyPr>
+          <a:lstStyle/>
+          <a:p>
+            <a:r>
+              <a:rPr lang="en-US" altLang="ko-KR" smtClean="0"/>
+              <a:t># FULL-SENTENCES (NO MSG)</a:t>
+            </a:r>
+          </a:p>
+          <a:p>
+            <a:r>
+              <a:rPr lang="en-US" altLang="ko-KR" smtClean="0"/>
+              <a:t>-&gt;</a:t>
+            </a:r>
+            <a:r>
+              <a:rPr lang="en-US" altLang="ko-KR" smtClean="0">
+                <a:solidFill>
+                  <a:srgbClr val="FF0000"/>
+                </a:solidFill>
+              </a:rPr>
+              <a:t> </a:t>
+            </a:r>
+            <a:r>
+              <a:rPr lang="ko-KR" altLang="en-US" smtClean="0">
+                <a:solidFill>
+                  <a:srgbClr val="FF0000"/>
+                </a:solidFill>
+              </a:rPr>
+              <a:t>아침에 </a:t>
+            </a:r>
+            <a:r>
+              <a:rPr lang="ko-KR" altLang="en-US">
+                <a:solidFill>
+                  <a:srgbClr val="FF0000"/>
+                </a:solidFill>
+              </a:rPr>
+              <a:t>일어났다</a:t>
+            </a:r>
+            <a:r>
+              <a:rPr lang="en-US" altLang="ko-KR">
+                <a:solidFill>
+                  <a:srgbClr val="FF0000"/>
+                </a:solidFill>
+              </a:rPr>
+              <a:t>.</a:t>
+            </a:r>
+            <a:r>
+              <a:rPr lang="en-US" altLang="ko-KR">
+                <a:solidFill>
+                  <a:schemeClr val="accent5"/>
+                </a:solidFill>
+              </a:rPr>
+              <a:t> </a:t>
+            </a:r>
+            <a:r>
+              <a:rPr lang="ko-KR" altLang="en-US">
+                <a:solidFill>
+                  <a:schemeClr val="accent5"/>
+                </a:solidFill>
+              </a:rPr>
+              <a:t>병원은 너무 멀었다</a:t>
+            </a:r>
+            <a:r>
+              <a:rPr lang="en-US" altLang="ko-KR">
+                <a:solidFill>
+                  <a:schemeClr val="accent5"/>
+                </a:solidFill>
+              </a:rPr>
+              <a:t>. </a:t>
+            </a:r>
+            <a:r>
+              <a:rPr lang="ko-KR" altLang="en-US" smtClean="0">
+                <a:solidFill>
+                  <a:schemeClr val="accent6">
+                    <a:lumMod val="75000"/>
+                  </a:schemeClr>
+                </a:solidFill>
+              </a:rPr>
+              <a:t>비도 오고 일도 잘 안된다</a:t>
+            </a:r>
+            <a:r>
+              <a:rPr lang="en-US" altLang="ko-KR" smtClean="0">
+                <a:solidFill>
+                  <a:schemeClr val="accent6">
+                    <a:lumMod val="75000"/>
+                  </a:schemeClr>
+                </a:solidFill>
+              </a:rPr>
+              <a:t>.</a:t>
+            </a:r>
+            <a:endParaRPr lang="en-US" altLang="ko-KR">
+              <a:solidFill>
+                <a:schemeClr val="accent6">
+                  <a:lumMod val="75000"/>
+                </a:schemeClr>
+              </a:solidFill>
+            </a:endParaRPr>
+          </a:p>
+        </p:txBody>
+      </p:sp>
+      <p:sp>
+        <p:nvSpPr>
+          <p:cNvPr id="11" name="직사각형 10"/>
+          <p:cNvSpPr/>
+          <p:nvPr/>
+        </p:nvSpPr>
+        <p:spPr>
+          <a:xfrm>
+            <a:off x="216359" y="5513593"/>
+            <a:ext cx="6506909" cy="646331"/>
+          </a:xfrm>
+          <a:prstGeom prst="rect">
+            <a:avLst/>
+          </a:prstGeom>
+        </p:spPr>
+        <p:txBody>
+          <a:bodyPr wrap="none">
+            <a:spAutoFit/>
+          </a:bodyPr>
+          <a:lstStyle/>
+          <a:p>
+            <a:r>
+              <a:rPr lang="en-US" altLang="ko-KR" smtClean="0"/>
+              <a:t># DOC-SENTENCES (NO MSG)</a:t>
+            </a:r>
+          </a:p>
+          <a:p>
+            <a:r>
+              <a:rPr lang="en-US" altLang="ko-KR" smtClean="0"/>
+              <a:t>-&gt; </a:t>
+            </a:r>
+            <a:r>
+              <a:rPr lang="ko-KR" altLang="en-US">
+                <a:solidFill>
+                  <a:srgbClr val="FF0000"/>
+                </a:solidFill>
+              </a:rPr>
+              <a:t>아침에 </a:t>
+            </a:r>
+            <a:r>
+              <a:rPr lang="ko-KR" altLang="en-US">
+                <a:solidFill>
+                  <a:srgbClr val="FF0000"/>
+                </a:solidFill>
+              </a:rPr>
+              <a:t>일어났다</a:t>
+            </a:r>
+            <a:r>
+              <a:rPr lang="en-US" altLang="ko-KR" smtClean="0">
+                <a:solidFill>
+                  <a:srgbClr val="FF0000"/>
+                </a:solidFill>
+              </a:rPr>
+              <a:t>. </a:t>
+            </a:r>
+            <a:r>
+              <a:rPr lang="ko-KR" altLang="en-US" smtClean="0">
+                <a:solidFill>
+                  <a:schemeClr val="accent4">
+                    <a:lumMod val="75000"/>
+                  </a:schemeClr>
+                </a:solidFill>
+              </a:rPr>
+              <a:t>그래서 병원에 갔다</a:t>
+            </a:r>
+            <a:r>
+              <a:rPr lang="en-US" altLang="ko-KR" smtClean="0">
+                <a:solidFill>
+                  <a:schemeClr val="accent4">
+                    <a:lumMod val="75000"/>
+                  </a:schemeClr>
+                </a:solidFill>
+              </a:rPr>
+              <a:t>.</a:t>
+            </a:r>
+            <a:r>
+              <a:rPr lang="en-US" altLang="ko-KR" smtClean="0">
+                <a:solidFill>
+                  <a:srgbClr val="FF0000"/>
+                </a:solidFill>
+              </a:rPr>
+              <a:t> </a:t>
+            </a:r>
+            <a:r>
+              <a:rPr lang="ko-KR" altLang="en-US" smtClean="0">
+                <a:solidFill>
+                  <a:srgbClr val="FF0000"/>
+                </a:solidFill>
+              </a:rPr>
+              <a:t>병원은 너무 멀었다</a:t>
+            </a:r>
+            <a:r>
+              <a:rPr lang="en-US" altLang="ko-KR" smtClean="0">
+                <a:solidFill>
+                  <a:srgbClr val="FF0000"/>
+                </a:solidFill>
+              </a:rPr>
+              <a:t>.</a:t>
+            </a:r>
+            <a:endParaRPr lang="en-US" altLang="ko-KR">
+              <a:solidFill>
+                <a:srgbClr val="FF0000"/>
+              </a:solidFill>
+            </a:endParaRPr>
+          </a:p>
+        </p:txBody>
+      </p:sp>
+    </p:spTree>
+    <p:extLst>
+      <p:ext uri="{BB962C8B-B14F-4D97-AF65-F5344CB8AC3E}">
+        <p14:creationId xmlns:p14="http://schemas.microsoft.com/office/powerpoint/2010/main" val="2311083656"/>
       </p:ext>
     </p:extLst>
   </p:cSld>

--- a/draft/chapter5.pptx
+++ b/draft/chapter5.pptx
@@ -14,6 +14,13 @@
     <p:sldId id="262" r:id="rId8"/>
     <p:sldId id="263" r:id="rId9"/>
     <p:sldId id="264" r:id="rId10"/>
+    <p:sldId id="265" r:id="rId11"/>
+    <p:sldId id="266" r:id="rId12"/>
+    <p:sldId id="267" r:id="rId13"/>
+    <p:sldId id="268" r:id="rId14"/>
+    <p:sldId id="269" r:id="rId15"/>
+    <p:sldId id="270" r:id="rId16"/>
+    <p:sldId id="271" r:id="rId17"/>
   </p:sldIdLst>
   <p:sldSz cx="12192000" cy="6858000"/>
   <p:notesSz cx="6858000" cy="9144000"/>
@@ -251,7 +258,7 @@
           <a:p>
             <a:fld id="{133C0493-C6ED-4B14-9A77-884F95215A8F}" type="datetimeFigureOut">
               <a:rPr lang="ko-KR" altLang="en-US" smtClean="0"/>
-              <a:t>2021-08-15</a:t>
+              <a:t>2021-08-18</a:t>
             </a:fld>
             <a:endParaRPr lang="ko-KR" altLang="en-US"/>
           </a:p>
@@ -421,7 +428,7 @@
           <a:p>
             <a:fld id="{133C0493-C6ED-4B14-9A77-884F95215A8F}" type="datetimeFigureOut">
               <a:rPr lang="ko-KR" altLang="en-US" smtClean="0"/>
-              <a:t>2021-08-15</a:t>
+              <a:t>2021-08-18</a:t>
             </a:fld>
             <a:endParaRPr lang="ko-KR" altLang="en-US"/>
           </a:p>
@@ -601,7 +608,7 @@
           <a:p>
             <a:fld id="{133C0493-C6ED-4B14-9A77-884F95215A8F}" type="datetimeFigureOut">
               <a:rPr lang="ko-KR" altLang="en-US" smtClean="0"/>
-              <a:t>2021-08-15</a:t>
+              <a:t>2021-08-18</a:t>
             </a:fld>
             <a:endParaRPr lang="ko-KR" altLang="en-US"/>
           </a:p>
@@ -771,7 +778,7 @@
           <a:p>
             <a:fld id="{133C0493-C6ED-4B14-9A77-884F95215A8F}" type="datetimeFigureOut">
               <a:rPr lang="ko-KR" altLang="en-US" smtClean="0"/>
-              <a:t>2021-08-15</a:t>
+              <a:t>2021-08-18</a:t>
             </a:fld>
             <a:endParaRPr lang="ko-KR" altLang="en-US"/>
           </a:p>
@@ -1017,7 +1024,7 @@
           <a:p>
             <a:fld id="{133C0493-C6ED-4B14-9A77-884F95215A8F}" type="datetimeFigureOut">
               <a:rPr lang="ko-KR" altLang="en-US" smtClean="0"/>
-              <a:t>2021-08-15</a:t>
+              <a:t>2021-08-18</a:t>
             </a:fld>
             <a:endParaRPr lang="ko-KR" altLang="en-US"/>
           </a:p>
@@ -1249,7 +1256,7 @@
           <a:p>
             <a:fld id="{133C0493-C6ED-4B14-9A77-884F95215A8F}" type="datetimeFigureOut">
               <a:rPr lang="ko-KR" altLang="en-US" smtClean="0"/>
-              <a:t>2021-08-15</a:t>
+              <a:t>2021-08-18</a:t>
             </a:fld>
             <a:endParaRPr lang="ko-KR" altLang="en-US"/>
           </a:p>
@@ -1616,7 +1623,7 @@
           <a:p>
             <a:fld id="{133C0493-C6ED-4B14-9A77-884F95215A8F}" type="datetimeFigureOut">
               <a:rPr lang="ko-KR" altLang="en-US" smtClean="0"/>
-              <a:t>2021-08-15</a:t>
+              <a:t>2021-08-18</a:t>
             </a:fld>
             <a:endParaRPr lang="ko-KR" altLang="en-US"/>
           </a:p>
@@ -1734,7 +1741,7 @@
           <a:p>
             <a:fld id="{133C0493-C6ED-4B14-9A77-884F95215A8F}" type="datetimeFigureOut">
               <a:rPr lang="ko-KR" altLang="en-US" smtClean="0"/>
-              <a:t>2021-08-15</a:t>
+              <a:t>2021-08-18</a:t>
             </a:fld>
             <a:endParaRPr lang="ko-KR" altLang="en-US"/>
           </a:p>
@@ -1829,7 +1836,7 @@
           <a:p>
             <a:fld id="{133C0493-C6ED-4B14-9A77-884F95215A8F}" type="datetimeFigureOut">
               <a:rPr lang="ko-KR" altLang="en-US" smtClean="0"/>
-              <a:t>2021-08-15</a:t>
+              <a:t>2021-08-18</a:t>
             </a:fld>
             <a:endParaRPr lang="ko-KR" altLang="en-US"/>
           </a:p>
@@ -2106,7 +2113,7 @@
           <a:p>
             <a:fld id="{133C0493-C6ED-4B14-9A77-884F95215A8F}" type="datetimeFigureOut">
               <a:rPr lang="ko-KR" altLang="en-US" smtClean="0"/>
-              <a:t>2021-08-15</a:t>
+              <a:t>2021-08-18</a:t>
             </a:fld>
             <a:endParaRPr lang="ko-KR" altLang="en-US"/>
           </a:p>
@@ -2359,7 +2366,7 @@
           <a:p>
             <a:fld id="{133C0493-C6ED-4B14-9A77-884F95215A8F}" type="datetimeFigureOut">
               <a:rPr lang="ko-KR" altLang="en-US" smtClean="0"/>
-              <a:t>2021-08-15</a:t>
+              <a:t>2021-08-18</a:t>
             </a:fld>
             <a:endParaRPr lang="ko-KR" altLang="en-US"/>
           </a:p>
@@ -2572,7 +2579,7 @@
           <a:p>
             <a:fld id="{133C0493-C6ED-4B14-9A77-884F95215A8F}" type="datetimeFigureOut">
               <a:rPr lang="ko-KR" altLang="en-US" smtClean="0"/>
-              <a:t>2021-08-15</a:t>
+              <a:t>2021-08-18</a:t>
             </a:fld>
             <a:endParaRPr lang="ko-KR" altLang="en-US"/>
           </a:p>
@@ -3369,6 +3376,2322 @@
   <p:clrMapOvr>
     <a:masterClrMapping/>
   </p:clrMapOvr>
+</p:sld>
+</file>
+
+<file path=ppt/slides/slide10.xml><?xml version="1.0" encoding="utf-8"?>
+<p:sld xmlns:a="http://schemas.openxmlformats.org/drawingml/2006/main" xmlns:r="http://schemas.openxmlformats.org/officeDocument/2006/relationships" xmlns:p="http://schemas.openxmlformats.org/presentationml/2006/main">
+  <p:cSld>
+    <p:spTree>
+      <p:nvGrpSpPr>
+        <p:cNvPr id="1" name=""/>
+        <p:cNvGrpSpPr/>
+        <p:nvPr/>
+      </p:nvGrpSpPr>
+      <p:grpSpPr>
+        <a:xfrm>
+          <a:off x="0" y="0"/>
+          <a:ext cx="0" cy="0"/>
+          <a:chOff x="0" y="0"/>
+          <a:chExt cx="0" cy="0"/>
+        </a:xfrm>
+      </p:grpSpPr>
+      <p:sp>
+        <p:nvSpPr>
+          <p:cNvPr id="6" name="TextBox 5"/>
+          <p:cNvSpPr txBox="1"/>
+          <p:nvPr/>
+        </p:nvSpPr>
+        <p:spPr>
+          <a:xfrm>
+            <a:off x="59177" y="84986"/>
+            <a:ext cx="577402" cy="276999"/>
+          </a:xfrm>
+          <a:prstGeom prst="rect">
+            <a:avLst/>
+          </a:prstGeom>
+          <a:noFill/>
+        </p:spPr>
+        <p:txBody>
+          <a:bodyPr wrap="none" rtlCol="0">
+            <a:spAutoFit/>
+          </a:bodyPr>
+          <a:lstStyle/>
+          <a:p>
+            <a:r>
+              <a:rPr lang="ko-KR" altLang="en-US" sz="1200" smtClean="0"/>
+              <a:t>그림</a:t>
+            </a:r>
+            <a:r>
+              <a:rPr lang="en-US" altLang="ko-KR" sz="1200"/>
+              <a:t>7</a:t>
+            </a:r>
+            <a:endParaRPr lang="ko-KR" altLang="en-US" sz="1200"/>
+          </a:p>
+        </p:txBody>
+      </p:sp>
+      <p:sp>
+        <p:nvSpPr>
+          <p:cNvPr id="56" name="모서리가 둥근 직사각형 55"/>
+          <p:cNvSpPr/>
+          <p:nvPr/>
+        </p:nvSpPr>
+        <p:spPr>
+          <a:xfrm>
+            <a:off x="2118636" y="1856897"/>
+            <a:ext cx="723418" cy="403655"/>
+          </a:xfrm>
+          <a:prstGeom prst="roundRect">
+            <a:avLst/>
+          </a:prstGeom>
+          <a:solidFill>
+            <a:schemeClr val="bg2">
+              <a:lumMod val="50000"/>
+            </a:schemeClr>
+          </a:solidFill>
+        </p:spPr>
+        <p:style>
+          <a:lnRef idx="2">
+            <a:schemeClr val="accent1">
+              <a:shade val="50000"/>
+            </a:schemeClr>
+          </a:lnRef>
+          <a:fillRef idx="1">
+            <a:schemeClr val="accent1"/>
+          </a:fillRef>
+          <a:effectRef idx="0">
+            <a:schemeClr val="accent1"/>
+          </a:effectRef>
+          <a:fontRef idx="minor">
+            <a:schemeClr val="lt1"/>
+          </a:fontRef>
+        </p:style>
+        <p:txBody>
+          <a:bodyPr rtlCol="0" anchor="ctr"/>
+          <a:lstStyle/>
+          <a:p>
+            <a:pPr algn="ctr"/>
+            <a:r>
+              <a:rPr lang="en-US" altLang="ko-KR" sz="1200" smtClean="0"/>
+              <a:t>i11</a:t>
+            </a:r>
+            <a:endParaRPr lang="ko-KR" altLang="en-US" sz="1200"/>
+          </a:p>
+        </p:txBody>
+      </p:sp>
+      <p:sp>
+        <p:nvSpPr>
+          <p:cNvPr id="57" name="모서리가 둥근 직사각형 56"/>
+          <p:cNvSpPr/>
+          <p:nvPr/>
+        </p:nvSpPr>
+        <p:spPr>
+          <a:xfrm>
+            <a:off x="2942419" y="1856897"/>
+            <a:ext cx="723418" cy="403655"/>
+          </a:xfrm>
+          <a:prstGeom prst="roundRect">
+            <a:avLst/>
+          </a:prstGeom>
+          <a:solidFill>
+            <a:schemeClr val="bg2">
+              <a:lumMod val="50000"/>
+            </a:schemeClr>
+          </a:solidFill>
+        </p:spPr>
+        <p:style>
+          <a:lnRef idx="2">
+            <a:schemeClr val="accent1">
+              <a:shade val="50000"/>
+            </a:schemeClr>
+          </a:lnRef>
+          <a:fillRef idx="1">
+            <a:schemeClr val="accent1"/>
+          </a:fillRef>
+          <a:effectRef idx="0">
+            <a:schemeClr val="accent1"/>
+          </a:effectRef>
+          <a:fontRef idx="minor">
+            <a:schemeClr val="lt1"/>
+          </a:fontRef>
+        </p:style>
+        <p:txBody>
+          <a:bodyPr rtlCol="0" anchor="ctr"/>
+          <a:lstStyle/>
+          <a:p>
+            <a:pPr algn="ctr"/>
+            <a:r>
+              <a:rPr lang="en-US" altLang="ko-KR" sz="1200" smtClean="0"/>
+              <a:t>i12</a:t>
+            </a:r>
+            <a:endParaRPr lang="ko-KR" altLang="en-US" sz="1200"/>
+          </a:p>
+        </p:txBody>
+      </p:sp>
+      <p:sp>
+        <p:nvSpPr>
+          <p:cNvPr id="58" name="모서리가 둥근 직사각형 57"/>
+          <p:cNvSpPr/>
+          <p:nvPr/>
+        </p:nvSpPr>
+        <p:spPr>
+          <a:xfrm>
+            <a:off x="3766202" y="1856897"/>
+            <a:ext cx="723418" cy="403655"/>
+          </a:xfrm>
+          <a:prstGeom prst="roundRect">
+            <a:avLst/>
+          </a:prstGeom>
+          <a:solidFill>
+            <a:schemeClr val="bg2">
+              <a:lumMod val="50000"/>
+            </a:schemeClr>
+          </a:solidFill>
+        </p:spPr>
+        <p:style>
+          <a:lnRef idx="2">
+            <a:schemeClr val="accent1">
+              <a:shade val="50000"/>
+            </a:schemeClr>
+          </a:lnRef>
+          <a:fillRef idx="1">
+            <a:schemeClr val="accent1"/>
+          </a:fillRef>
+          <a:effectRef idx="0">
+            <a:schemeClr val="accent1"/>
+          </a:effectRef>
+          <a:fontRef idx="minor">
+            <a:schemeClr val="lt1"/>
+          </a:fontRef>
+        </p:style>
+        <p:txBody>
+          <a:bodyPr rtlCol="0" anchor="ctr"/>
+          <a:lstStyle/>
+          <a:p>
+            <a:pPr algn="ctr"/>
+            <a:r>
+              <a:rPr lang="en-US" altLang="ko-KR" sz="1200" smtClean="0"/>
+              <a:t>i13</a:t>
+            </a:r>
+            <a:endParaRPr lang="ko-KR" altLang="en-US" sz="1200"/>
+          </a:p>
+        </p:txBody>
+      </p:sp>
+      <p:sp>
+        <p:nvSpPr>
+          <p:cNvPr id="59" name="모서리가 둥근 직사각형 58"/>
+          <p:cNvSpPr/>
+          <p:nvPr/>
+        </p:nvSpPr>
+        <p:spPr>
+          <a:xfrm>
+            <a:off x="4589985" y="1856897"/>
+            <a:ext cx="723418" cy="403655"/>
+          </a:xfrm>
+          <a:prstGeom prst="roundRect">
+            <a:avLst/>
+          </a:prstGeom>
+          <a:solidFill>
+            <a:schemeClr val="bg2">
+              <a:lumMod val="50000"/>
+            </a:schemeClr>
+          </a:solidFill>
+        </p:spPr>
+        <p:style>
+          <a:lnRef idx="2">
+            <a:schemeClr val="accent1">
+              <a:shade val="50000"/>
+            </a:schemeClr>
+          </a:lnRef>
+          <a:fillRef idx="1">
+            <a:schemeClr val="accent1"/>
+          </a:fillRef>
+          <a:effectRef idx="0">
+            <a:schemeClr val="accent1"/>
+          </a:effectRef>
+          <a:fontRef idx="minor">
+            <a:schemeClr val="lt1"/>
+          </a:fontRef>
+        </p:style>
+        <p:txBody>
+          <a:bodyPr rtlCol="0" anchor="ctr"/>
+          <a:lstStyle/>
+          <a:p>
+            <a:pPr algn="ctr"/>
+            <a:r>
+              <a:rPr lang="en-US" altLang="ko-KR" sz="1200" smtClean="0"/>
+              <a:t>...</a:t>
+            </a:r>
+            <a:endParaRPr lang="ko-KR" altLang="en-US" sz="1200"/>
+          </a:p>
+        </p:txBody>
+      </p:sp>
+      <p:sp>
+        <p:nvSpPr>
+          <p:cNvPr id="60" name="모서리가 둥근 직사각형 59"/>
+          <p:cNvSpPr/>
+          <p:nvPr/>
+        </p:nvSpPr>
+        <p:spPr>
+          <a:xfrm>
+            <a:off x="5413768" y="1856897"/>
+            <a:ext cx="723418" cy="403655"/>
+          </a:xfrm>
+          <a:prstGeom prst="roundRect">
+            <a:avLst/>
+          </a:prstGeom>
+          <a:solidFill>
+            <a:schemeClr val="bg2">
+              <a:lumMod val="50000"/>
+            </a:schemeClr>
+          </a:solidFill>
+        </p:spPr>
+        <p:style>
+          <a:lnRef idx="2">
+            <a:schemeClr val="accent1">
+              <a:shade val="50000"/>
+            </a:schemeClr>
+          </a:lnRef>
+          <a:fillRef idx="1">
+            <a:schemeClr val="accent1"/>
+          </a:fillRef>
+          <a:effectRef idx="0">
+            <a:schemeClr val="accent1"/>
+          </a:effectRef>
+          <a:fontRef idx="minor">
+            <a:schemeClr val="lt1"/>
+          </a:fontRef>
+        </p:style>
+        <p:txBody>
+          <a:bodyPr rtlCol="0" anchor="ctr"/>
+          <a:lstStyle/>
+          <a:p>
+            <a:pPr algn="ctr"/>
+            <a:r>
+              <a:rPr lang="en-US" altLang="ko-KR" sz="1200" smtClean="0"/>
+              <a:t>i1M</a:t>
+            </a:r>
+            <a:endParaRPr lang="ko-KR" altLang="en-US" sz="1200"/>
+          </a:p>
+        </p:txBody>
+      </p:sp>
+      <p:sp>
+        <p:nvSpPr>
+          <p:cNvPr id="67" name="TextBox 66"/>
+          <p:cNvSpPr txBox="1"/>
+          <p:nvPr/>
+        </p:nvSpPr>
+        <p:spPr>
+          <a:xfrm>
+            <a:off x="1366195" y="1920224"/>
+            <a:ext cx="688009" cy="276999"/>
+          </a:xfrm>
+          <a:prstGeom prst="rect">
+            <a:avLst/>
+          </a:prstGeom>
+          <a:noFill/>
+        </p:spPr>
+        <p:txBody>
+          <a:bodyPr wrap="none" rtlCol="0">
+            <a:spAutoFit/>
+          </a:bodyPr>
+          <a:lstStyle/>
+          <a:p>
+            <a:r>
+              <a:rPr lang="en-US" altLang="ko-KR" sz="1200" smtClean="0"/>
+              <a:t>input 1</a:t>
+            </a:r>
+            <a:endParaRPr lang="ko-KR" altLang="en-US" sz="1200"/>
+          </a:p>
+        </p:txBody>
+      </p:sp>
+      <p:sp>
+        <p:nvSpPr>
+          <p:cNvPr id="68" name="모서리가 둥근 직사각형 67"/>
+          <p:cNvSpPr/>
+          <p:nvPr/>
+        </p:nvSpPr>
+        <p:spPr>
+          <a:xfrm>
+            <a:off x="2118636" y="2400595"/>
+            <a:ext cx="723418" cy="403655"/>
+          </a:xfrm>
+          <a:prstGeom prst="roundRect">
+            <a:avLst/>
+          </a:prstGeom>
+          <a:solidFill>
+            <a:schemeClr val="bg2">
+              <a:lumMod val="50000"/>
+            </a:schemeClr>
+          </a:solidFill>
+        </p:spPr>
+        <p:style>
+          <a:lnRef idx="2">
+            <a:schemeClr val="accent1">
+              <a:shade val="50000"/>
+            </a:schemeClr>
+          </a:lnRef>
+          <a:fillRef idx="1">
+            <a:schemeClr val="accent1"/>
+          </a:fillRef>
+          <a:effectRef idx="0">
+            <a:schemeClr val="accent1"/>
+          </a:effectRef>
+          <a:fontRef idx="minor">
+            <a:schemeClr val="lt1"/>
+          </a:fontRef>
+        </p:style>
+        <p:txBody>
+          <a:bodyPr rtlCol="0" anchor="ctr"/>
+          <a:lstStyle/>
+          <a:p>
+            <a:pPr algn="ctr"/>
+            <a:r>
+              <a:rPr lang="en-US" altLang="ko-KR" sz="1200" smtClean="0"/>
+              <a:t>i21</a:t>
+            </a:r>
+            <a:endParaRPr lang="ko-KR" altLang="en-US" sz="1200"/>
+          </a:p>
+        </p:txBody>
+      </p:sp>
+      <p:sp>
+        <p:nvSpPr>
+          <p:cNvPr id="69" name="모서리가 둥근 직사각형 68"/>
+          <p:cNvSpPr/>
+          <p:nvPr/>
+        </p:nvSpPr>
+        <p:spPr>
+          <a:xfrm>
+            <a:off x="2942419" y="2400595"/>
+            <a:ext cx="723418" cy="403655"/>
+          </a:xfrm>
+          <a:prstGeom prst="roundRect">
+            <a:avLst/>
+          </a:prstGeom>
+          <a:solidFill>
+            <a:schemeClr val="bg2">
+              <a:lumMod val="50000"/>
+            </a:schemeClr>
+          </a:solidFill>
+        </p:spPr>
+        <p:style>
+          <a:lnRef idx="2">
+            <a:schemeClr val="accent1">
+              <a:shade val="50000"/>
+            </a:schemeClr>
+          </a:lnRef>
+          <a:fillRef idx="1">
+            <a:schemeClr val="accent1"/>
+          </a:fillRef>
+          <a:effectRef idx="0">
+            <a:schemeClr val="accent1"/>
+          </a:effectRef>
+          <a:fontRef idx="minor">
+            <a:schemeClr val="lt1"/>
+          </a:fontRef>
+        </p:style>
+        <p:txBody>
+          <a:bodyPr rtlCol="0" anchor="ctr"/>
+          <a:lstStyle/>
+          <a:p>
+            <a:pPr algn="ctr"/>
+            <a:r>
+              <a:rPr lang="en-US" altLang="ko-KR" sz="1200" smtClean="0"/>
+              <a:t>i22</a:t>
+            </a:r>
+            <a:endParaRPr lang="ko-KR" altLang="en-US" sz="1200"/>
+          </a:p>
+        </p:txBody>
+      </p:sp>
+      <p:sp>
+        <p:nvSpPr>
+          <p:cNvPr id="70" name="모서리가 둥근 직사각형 69"/>
+          <p:cNvSpPr/>
+          <p:nvPr/>
+        </p:nvSpPr>
+        <p:spPr>
+          <a:xfrm>
+            <a:off x="3766202" y="2400595"/>
+            <a:ext cx="723418" cy="403655"/>
+          </a:xfrm>
+          <a:prstGeom prst="roundRect">
+            <a:avLst/>
+          </a:prstGeom>
+          <a:solidFill>
+            <a:schemeClr val="bg2">
+              <a:lumMod val="50000"/>
+            </a:schemeClr>
+          </a:solidFill>
+        </p:spPr>
+        <p:style>
+          <a:lnRef idx="2">
+            <a:schemeClr val="accent1">
+              <a:shade val="50000"/>
+            </a:schemeClr>
+          </a:lnRef>
+          <a:fillRef idx="1">
+            <a:schemeClr val="accent1"/>
+          </a:fillRef>
+          <a:effectRef idx="0">
+            <a:schemeClr val="accent1"/>
+          </a:effectRef>
+          <a:fontRef idx="minor">
+            <a:schemeClr val="lt1"/>
+          </a:fontRef>
+        </p:style>
+        <p:txBody>
+          <a:bodyPr rtlCol="0" anchor="ctr"/>
+          <a:lstStyle/>
+          <a:p>
+            <a:pPr algn="ctr"/>
+            <a:r>
+              <a:rPr lang="en-US" altLang="ko-KR" sz="1200" smtClean="0"/>
+              <a:t>i23</a:t>
+            </a:r>
+            <a:endParaRPr lang="ko-KR" altLang="en-US" sz="1200"/>
+          </a:p>
+        </p:txBody>
+      </p:sp>
+      <p:sp>
+        <p:nvSpPr>
+          <p:cNvPr id="71" name="모서리가 둥근 직사각형 70"/>
+          <p:cNvSpPr/>
+          <p:nvPr/>
+        </p:nvSpPr>
+        <p:spPr>
+          <a:xfrm>
+            <a:off x="4589985" y="2400595"/>
+            <a:ext cx="723418" cy="403655"/>
+          </a:xfrm>
+          <a:prstGeom prst="roundRect">
+            <a:avLst/>
+          </a:prstGeom>
+          <a:solidFill>
+            <a:schemeClr val="bg2">
+              <a:lumMod val="50000"/>
+            </a:schemeClr>
+          </a:solidFill>
+        </p:spPr>
+        <p:style>
+          <a:lnRef idx="2">
+            <a:schemeClr val="accent1">
+              <a:shade val="50000"/>
+            </a:schemeClr>
+          </a:lnRef>
+          <a:fillRef idx="1">
+            <a:schemeClr val="accent1"/>
+          </a:fillRef>
+          <a:effectRef idx="0">
+            <a:schemeClr val="accent1"/>
+          </a:effectRef>
+          <a:fontRef idx="minor">
+            <a:schemeClr val="lt1"/>
+          </a:fontRef>
+        </p:style>
+        <p:txBody>
+          <a:bodyPr rtlCol="0" anchor="ctr"/>
+          <a:lstStyle/>
+          <a:p>
+            <a:pPr algn="ctr"/>
+            <a:r>
+              <a:rPr lang="en-US" altLang="ko-KR" sz="1200" smtClean="0"/>
+              <a:t>...</a:t>
+            </a:r>
+            <a:endParaRPr lang="ko-KR" altLang="en-US" sz="1200"/>
+          </a:p>
+        </p:txBody>
+      </p:sp>
+      <p:sp>
+        <p:nvSpPr>
+          <p:cNvPr id="72" name="모서리가 둥근 직사각형 71"/>
+          <p:cNvSpPr/>
+          <p:nvPr/>
+        </p:nvSpPr>
+        <p:spPr>
+          <a:xfrm>
+            <a:off x="5413768" y="2400595"/>
+            <a:ext cx="723418" cy="403655"/>
+          </a:xfrm>
+          <a:prstGeom prst="roundRect">
+            <a:avLst/>
+          </a:prstGeom>
+          <a:solidFill>
+            <a:schemeClr val="bg2">
+              <a:lumMod val="50000"/>
+            </a:schemeClr>
+          </a:solidFill>
+        </p:spPr>
+        <p:style>
+          <a:lnRef idx="2">
+            <a:schemeClr val="accent1">
+              <a:shade val="50000"/>
+            </a:schemeClr>
+          </a:lnRef>
+          <a:fillRef idx="1">
+            <a:schemeClr val="accent1"/>
+          </a:fillRef>
+          <a:effectRef idx="0">
+            <a:schemeClr val="accent1"/>
+          </a:effectRef>
+          <a:fontRef idx="minor">
+            <a:schemeClr val="lt1"/>
+          </a:fontRef>
+        </p:style>
+        <p:txBody>
+          <a:bodyPr rtlCol="0" anchor="ctr"/>
+          <a:lstStyle/>
+          <a:p>
+            <a:pPr algn="ctr"/>
+            <a:r>
+              <a:rPr lang="en-US" altLang="ko-KR" sz="1200" smtClean="0"/>
+              <a:t>i2M</a:t>
+            </a:r>
+            <a:endParaRPr lang="ko-KR" altLang="en-US" sz="1200"/>
+          </a:p>
+        </p:txBody>
+      </p:sp>
+      <p:sp>
+        <p:nvSpPr>
+          <p:cNvPr id="73" name="TextBox 72"/>
+          <p:cNvSpPr txBox="1"/>
+          <p:nvPr/>
+        </p:nvSpPr>
+        <p:spPr>
+          <a:xfrm>
+            <a:off x="1366195" y="2463922"/>
+            <a:ext cx="688009" cy="276999"/>
+          </a:xfrm>
+          <a:prstGeom prst="rect">
+            <a:avLst/>
+          </a:prstGeom>
+          <a:noFill/>
+        </p:spPr>
+        <p:txBody>
+          <a:bodyPr wrap="none" rtlCol="0">
+            <a:spAutoFit/>
+          </a:bodyPr>
+          <a:lstStyle/>
+          <a:p>
+            <a:r>
+              <a:rPr lang="en-US" altLang="ko-KR" sz="1200" smtClean="0"/>
+              <a:t>input 2</a:t>
+            </a:r>
+            <a:endParaRPr lang="ko-KR" altLang="en-US" sz="1200"/>
+          </a:p>
+        </p:txBody>
+      </p:sp>
+      <p:sp>
+        <p:nvSpPr>
+          <p:cNvPr id="74" name="모서리가 둥근 직사각형 73"/>
+          <p:cNvSpPr/>
+          <p:nvPr/>
+        </p:nvSpPr>
+        <p:spPr>
+          <a:xfrm>
+            <a:off x="2118636" y="2944293"/>
+            <a:ext cx="723418" cy="403655"/>
+          </a:xfrm>
+          <a:prstGeom prst="roundRect">
+            <a:avLst/>
+          </a:prstGeom>
+          <a:solidFill>
+            <a:schemeClr val="bg2">
+              <a:lumMod val="50000"/>
+            </a:schemeClr>
+          </a:solidFill>
+        </p:spPr>
+        <p:style>
+          <a:lnRef idx="2">
+            <a:schemeClr val="accent1">
+              <a:shade val="50000"/>
+            </a:schemeClr>
+          </a:lnRef>
+          <a:fillRef idx="1">
+            <a:schemeClr val="accent1"/>
+          </a:fillRef>
+          <a:effectRef idx="0">
+            <a:schemeClr val="accent1"/>
+          </a:effectRef>
+          <a:fontRef idx="minor">
+            <a:schemeClr val="lt1"/>
+          </a:fontRef>
+        </p:style>
+        <p:txBody>
+          <a:bodyPr rtlCol="0" anchor="ctr"/>
+          <a:lstStyle/>
+          <a:p>
+            <a:pPr algn="ctr"/>
+            <a:r>
+              <a:rPr lang="en-US" altLang="ko-KR" sz="1200" smtClean="0"/>
+              <a:t>...</a:t>
+            </a:r>
+            <a:endParaRPr lang="ko-KR" altLang="en-US" sz="1200"/>
+          </a:p>
+        </p:txBody>
+      </p:sp>
+      <p:sp>
+        <p:nvSpPr>
+          <p:cNvPr id="75" name="모서리가 둥근 직사각형 74"/>
+          <p:cNvSpPr/>
+          <p:nvPr/>
+        </p:nvSpPr>
+        <p:spPr>
+          <a:xfrm>
+            <a:off x="2942419" y="2944293"/>
+            <a:ext cx="723418" cy="403655"/>
+          </a:xfrm>
+          <a:prstGeom prst="roundRect">
+            <a:avLst/>
+          </a:prstGeom>
+          <a:solidFill>
+            <a:schemeClr val="bg2">
+              <a:lumMod val="50000"/>
+            </a:schemeClr>
+          </a:solidFill>
+        </p:spPr>
+        <p:style>
+          <a:lnRef idx="2">
+            <a:schemeClr val="accent1">
+              <a:shade val="50000"/>
+            </a:schemeClr>
+          </a:lnRef>
+          <a:fillRef idx="1">
+            <a:schemeClr val="accent1"/>
+          </a:fillRef>
+          <a:effectRef idx="0">
+            <a:schemeClr val="accent1"/>
+          </a:effectRef>
+          <a:fontRef idx="minor">
+            <a:schemeClr val="lt1"/>
+          </a:fontRef>
+        </p:style>
+        <p:txBody>
+          <a:bodyPr rtlCol="0" anchor="ctr"/>
+          <a:lstStyle/>
+          <a:p>
+            <a:pPr algn="ctr"/>
+            <a:r>
+              <a:rPr lang="en-US" altLang="ko-KR" sz="1200" smtClean="0"/>
+              <a:t>...</a:t>
+            </a:r>
+            <a:endParaRPr lang="ko-KR" altLang="en-US" sz="1200"/>
+          </a:p>
+        </p:txBody>
+      </p:sp>
+      <p:sp>
+        <p:nvSpPr>
+          <p:cNvPr id="76" name="모서리가 둥근 직사각형 75"/>
+          <p:cNvSpPr/>
+          <p:nvPr/>
+        </p:nvSpPr>
+        <p:spPr>
+          <a:xfrm>
+            <a:off x="3766202" y="2944293"/>
+            <a:ext cx="723418" cy="403655"/>
+          </a:xfrm>
+          <a:prstGeom prst="roundRect">
+            <a:avLst/>
+          </a:prstGeom>
+          <a:solidFill>
+            <a:schemeClr val="bg2">
+              <a:lumMod val="50000"/>
+            </a:schemeClr>
+          </a:solidFill>
+        </p:spPr>
+        <p:style>
+          <a:lnRef idx="2">
+            <a:schemeClr val="accent1">
+              <a:shade val="50000"/>
+            </a:schemeClr>
+          </a:lnRef>
+          <a:fillRef idx="1">
+            <a:schemeClr val="accent1"/>
+          </a:fillRef>
+          <a:effectRef idx="0">
+            <a:schemeClr val="accent1"/>
+          </a:effectRef>
+          <a:fontRef idx="minor">
+            <a:schemeClr val="lt1"/>
+          </a:fontRef>
+        </p:style>
+        <p:txBody>
+          <a:bodyPr rtlCol="0" anchor="ctr"/>
+          <a:lstStyle/>
+          <a:p>
+            <a:pPr algn="ctr"/>
+            <a:r>
+              <a:rPr lang="en-US" altLang="ko-KR" sz="1200" smtClean="0"/>
+              <a:t>...</a:t>
+            </a:r>
+            <a:endParaRPr lang="ko-KR" altLang="en-US" sz="1200"/>
+          </a:p>
+        </p:txBody>
+      </p:sp>
+      <p:sp>
+        <p:nvSpPr>
+          <p:cNvPr id="77" name="모서리가 둥근 직사각형 76"/>
+          <p:cNvSpPr/>
+          <p:nvPr/>
+        </p:nvSpPr>
+        <p:spPr>
+          <a:xfrm>
+            <a:off x="4589985" y="2944293"/>
+            <a:ext cx="723418" cy="403655"/>
+          </a:xfrm>
+          <a:prstGeom prst="roundRect">
+            <a:avLst/>
+          </a:prstGeom>
+          <a:solidFill>
+            <a:schemeClr val="bg2">
+              <a:lumMod val="50000"/>
+            </a:schemeClr>
+          </a:solidFill>
+        </p:spPr>
+        <p:style>
+          <a:lnRef idx="2">
+            <a:schemeClr val="accent1">
+              <a:shade val="50000"/>
+            </a:schemeClr>
+          </a:lnRef>
+          <a:fillRef idx="1">
+            <a:schemeClr val="accent1"/>
+          </a:fillRef>
+          <a:effectRef idx="0">
+            <a:schemeClr val="accent1"/>
+          </a:effectRef>
+          <a:fontRef idx="minor">
+            <a:schemeClr val="lt1"/>
+          </a:fontRef>
+        </p:style>
+        <p:txBody>
+          <a:bodyPr rtlCol="0" anchor="ctr"/>
+          <a:lstStyle/>
+          <a:p>
+            <a:pPr algn="ctr"/>
+            <a:r>
+              <a:rPr lang="en-US" altLang="ko-KR" sz="1200" smtClean="0"/>
+              <a:t>...</a:t>
+            </a:r>
+            <a:endParaRPr lang="ko-KR" altLang="en-US" sz="1200"/>
+          </a:p>
+        </p:txBody>
+      </p:sp>
+      <p:sp>
+        <p:nvSpPr>
+          <p:cNvPr id="78" name="모서리가 둥근 직사각형 77"/>
+          <p:cNvSpPr/>
+          <p:nvPr/>
+        </p:nvSpPr>
+        <p:spPr>
+          <a:xfrm>
+            <a:off x="5413768" y="2944293"/>
+            <a:ext cx="723418" cy="403655"/>
+          </a:xfrm>
+          <a:prstGeom prst="roundRect">
+            <a:avLst/>
+          </a:prstGeom>
+          <a:solidFill>
+            <a:schemeClr val="bg2">
+              <a:lumMod val="50000"/>
+            </a:schemeClr>
+          </a:solidFill>
+        </p:spPr>
+        <p:style>
+          <a:lnRef idx="2">
+            <a:schemeClr val="accent1">
+              <a:shade val="50000"/>
+            </a:schemeClr>
+          </a:lnRef>
+          <a:fillRef idx="1">
+            <a:schemeClr val="accent1"/>
+          </a:fillRef>
+          <a:effectRef idx="0">
+            <a:schemeClr val="accent1"/>
+          </a:effectRef>
+          <a:fontRef idx="minor">
+            <a:schemeClr val="lt1"/>
+          </a:fontRef>
+        </p:style>
+        <p:txBody>
+          <a:bodyPr rtlCol="0" anchor="ctr"/>
+          <a:lstStyle/>
+          <a:p>
+            <a:pPr algn="ctr"/>
+            <a:r>
+              <a:rPr lang="en-US" altLang="ko-KR" sz="1200" smtClean="0"/>
+              <a:t>...</a:t>
+            </a:r>
+            <a:endParaRPr lang="ko-KR" altLang="en-US" sz="1200"/>
+          </a:p>
+        </p:txBody>
+      </p:sp>
+      <p:sp>
+        <p:nvSpPr>
+          <p:cNvPr id="79" name="TextBox 78"/>
+          <p:cNvSpPr txBox="1"/>
+          <p:nvPr/>
+        </p:nvSpPr>
+        <p:spPr>
+          <a:xfrm>
+            <a:off x="1366195" y="3007620"/>
+            <a:ext cx="285656" cy="276999"/>
+          </a:xfrm>
+          <a:prstGeom prst="rect">
+            <a:avLst/>
+          </a:prstGeom>
+          <a:noFill/>
+        </p:spPr>
+        <p:txBody>
+          <a:bodyPr wrap="none" rtlCol="0">
+            <a:spAutoFit/>
+          </a:bodyPr>
+          <a:lstStyle/>
+          <a:p>
+            <a:r>
+              <a:rPr lang="en-US" altLang="ko-KR" sz="1200" smtClean="0"/>
+              <a:t>...</a:t>
+            </a:r>
+            <a:endParaRPr lang="ko-KR" altLang="en-US" sz="1200"/>
+          </a:p>
+        </p:txBody>
+      </p:sp>
+      <p:sp>
+        <p:nvSpPr>
+          <p:cNvPr id="80" name="모서리가 둥근 직사각형 79"/>
+          <p:cNvSpPr/>
+          <p:nvPr/>
+        </p:nvSpPr>
+        <p:spPr>
+          <a:xfrm>
+            <a:off x="2118636" y="3487991"/>
+            <a:ext cx="723418" cy="403655"/>
+          </a:xfrm>
+          <a:prstGeom prst="roundRect">
+            <a:avLst/>
+          </a:prstGeom>
+          <a:solidFill>
+            <a:schemeClr val="bg2">
+              <a:lumMod val="50000"/>
+            </a:schemeClr>
+          </a:solidFill>
+        </p:spPr>
+        <p:style>
+          <a:lnRef idx="2">
+            <a:schemeClr val="accent1">
+              <a:shade val="50000"/>
+            </a:schemeClr>
+          </a:lnRef>
+          <a:fillRef idx="1">
+            <a:schemeClr val="accent1"/>
+          </a:fillRef>
+          <a:effectRef idx="0">
+            <a:schemeClr val="accent1"/>
+          </a:effectRef>
+          <a:fontRef idx="minor">
+            <a:schemeClr val="lt1"/>
+          </a:fontRef>
+        </p:style>
+        <p:txBody>
+          <a:bodyPr rtlCol="0" anchor="ctr"/>
+          <a:lstStyle/>
+          <a:p>
+            <a:pPr algn="ctr"/>
+            <a:r>
+              <a:rPr lang="en-US" altLang="ko-KR" sz="1200" smtClean="0"/>
+              <a:t>iB1</a:t>
+            </a:r>
+            <a:endParaRPr lang="ko-KR" altLang="en-US" sz="1200"/>
+          </a:p>
+        </p:txBody>
+      </p:sp>
+      <p:sp>
+        <p:nvSpPr>
+          <p:cNvPr id="81" name="모서리가 둥근 직사각형 80"/>
+          <p:cNvSpPr/>
+          <p:nvPr/>
+        </p:nvSpPr>
+        <p:spPr>
+          <a:xfrm>
+            <a:off x="2942419" y="3487991"/>
+            <a:ext cx="723418" cy="403655"/>
+          </a:xfrm>
+          <a:prstGeom prst="roundRect">
+            <a:avLst/>
+          </a:prstGeom>
+          <a:solidFill>
+            <a:schemeClr val="bg2">
+              <a:lumMod val="50000"/>
+            </a:schemeClr>
+          </a:solidFill>
+        </p:spPr>
+        <p:style>
+          <a:lnRef idx="2">
+            <a:schemeClr val="accent1">
+              <a:shade val="50000"/>
+            </a:schemeClr>
+          </a:lnRef>
+          <a:fillRef idx="1">
+            <a:schemeClr val="accent1"/>
+          </a:fillRef>
+          <a:effectRef idx="0">
+            <a:schemeClr val="accent1"/>
+          </a:effectRef>
+          <a:fontRef idx="minor">
+            <a:schemeClr val="lt1"/>
+          </a:fontRef>
+        </p:style>
+        <p:txBody>
+          <a:bodyPr rtlCol="0" anchor="ctr"/>
+          <a:lstStyle/>
+          <a:p>
+            <a:pPr algn="ctr"/>
+            <a:r>
+              <a:rPr lang="en-US" altLang="ko-KR" sz="1200" smtClean="0"/>
+              <a:t>iB2</a:t>
+            </a:r>
+            <a:endParaRPr lang="ko-KR" altLang="en-US" sz="1200"/>
+          </a:p>
+        </p:txBody>
+      </p:sp>
+      <p:sp>
+        <p:nvSpPr>
+          <p:cNvPr id="82" name="모서리가 둥근 직사각형 81"/>
+          <p:cNvSpPr/>
+          <p:nvPr/>
+        </p:nvSpPr>
+        <p:spPr>
+          <a:xfrm>
+            <a:off x="3766202" y="3487991"/>
+            <a:ext cx="723418" cy="403655"/>
+          </a:xfrm>
+          <a:prstGeom prst="roundRect">
+            <a:avLst/>
+          </a:prstGeom>
+          <a:solidFill>
+            <a:schemeClr val="bg2">
+              <a:lumMod val="50000"/>
+            </a:schemeClr>
+          </a:solidFill>
+        </p:spPr>
+        <p:style>
+          <a:lnRef idx="2">
+            <a:schemeClr val="accent1">
+              <a:shade val="50000"/>
+            </a:schemeClr>
+          </a:lnRef>
+          <a:fillRef idx="1">
+            <a:schemeClr val="accent1"/>
+          </a:fillRef>
+          <a:effectRef idx="0">
+            <a:schemeClr val="accent1"/>
+          </a:effectRef>
+          <a:fontRef idx="minor">
+            <a:schemeClr val="lt1"/>
+          </a:fontRef>
+        </p:style>
+        <p:txBody>
+          <a:bodyPr rtlCol="0" anchor="ctr"/>
+          <a:lstStyle/>
+          <a:p>
+            <a:pPr algn="ctr"/>
+            <a:r>
+              <a:rPr lang="en-US" altLang="ko-KR" sz="1200" smtClean="0"/>
+              <a:t>iB3</a:t>
+            </a:r>
+            <a:endParaRPr lang="ko-KR" altLang="en-US" sz="1200"/>
+          </a:p>
+        </p:txBody>
+      </p:sp>
+      <p:sp>
+        <p:nvSpPr>
+          <p:cNvPr id="83" name="모서리가 둥근 직사각형 82"/>
+          <p:cNvSpPr/>
+          <p:nvPr/>
+        </p:nvSpPr>
+        <p:spPr>
+          <a:xfrm>
+            <a:off x="4589985" y="3487991"/>
+            <a:ext cx="723418" cy="403655"/>
+          </a:xfrm>
+          <a:prstGeom prst="roundRect">
+            <a:avLst/>
+          </a:prstGeom>
+          <a:solidFill>
+            <a:schemeClr val="bg2">
+              <a:lumMod val="50000"/>
+            </a:schemeClr>
+          </a:solidFill>
+        </p:spPr>
+        <p:style>
+          <a:lnRef idx="2">
+            <a:schemeClr val="accent1">
+              <a:shade val="50000"/>
+            </a:schemeClr>
+          </a:lnRef>
+          <a:fillRef idx="1">
+            <a:schemeClr val="accent1"/>
+          </a:fillRef>
+          <a:effectRef idx="0">
+            <a:schemeClr val="accent1"/>
+          </a:effectRef>
+          <a:fontRef idx="minor">
+            <a:schemeClr val="lt1"/>
+          </a:fontRef>
+        </p:style>
+        <p:txBody>
+          <a:bodyPr rtlCol="0" anchor="ctr"/>
+          <a:lstStyle/>
+          <a:p>
+            <a:pPr algn="ctr"/>
+            <a:r>
+              <a:rPr lang="en-US" altLang="ko-KR" sz="1200" smtClean="0"/>
+              <a:t>...</a:t>
+            </a:r>
+            <a:endParaRPr lang="ko-KR" altLang="en-US" sz="1200"/>
+          </a:p>
+        </p:txBody>
+      </p:sp>
+      <p:sp>
+        <p:nvSpPr>
+          <p:cNvPr id="84" name="모서리가 둥근 직사각형 83"/>
+          <p:cNvSpPr/>
+          <p:nvPr/>
+        </p:nvSpPr>
+        <p:spPr>
+          <a:xfrm>
+            <a:off x="5413768" y="3487991"/>
+            <a:ext cx="723418" cy="403655"/>
+          </a:xfrm>
+          <a:prstGeom prst="roundRect">
+            <a:avLst/>
+          </a:prstGeom>
+          <a:solidFill>
+            <a:schemeClr val="bg2">
+              <a:lumMod val="50000"/>
+            </a:schemeClr>
+          </a:solidFill>
+        </p:spPr>
+        <p:style>
+          <a:lnRef idx="2">
+            <a:schemeClr val="accent1">
+              <a:shade val="50000"/>
+            </a:schemeClr>
+          </a:lnRef>
+          <a:fillRef idx="1">
+            <a:schemeClr val="accent1"/>
+          </a:fillRef>
+          <a:effectRef idx="0">
+            <a:schemeClr val="accent1"/>
+          </a:effectRef>
+          <a:fontRef idx="minor">
+            <a:schemeClr val="lt1"/>
+          </a:fontRef>
+        </p:style>
+        <p:txBody>
+          <a:bodyPr rtlCol="0" anchor="ctr"/>
+          <a:lstStyle/>
+          <a:p>
+            <a:pPr algn="ctr"/>
+            <a:r>
+              <a:rPr lang="en-US" altLang="ko-KR" sz="1200" smtClean="0"/>
+              <a:t>iBM</a:t>
+            </a:r>
+            <a:endParaRPr lang="ko-KR" altLang="en-US" sz="1200"/>
+          </a:p>
+        </p:txBody>
+      </p:sp>
+      <p:sp>
+        <p:nvSpPr>
+          <p:cNvPr id="85" name="TextBox 84"/>
+          <p:cNvSpPr txBox="1"/>
+          <p:nvPr/>
+        </p:nvSpPr>
+        <p:spPr>
+          <a:xfrm>
+            <a:off x="1366195" y="3551318"/>
+            <a:ext cx="692818" cy="276999"/>
+          </a:xfrm>
+          <a:prstGeom prst="rect">
+            <a:avLst/>
+          </a:prstGeom>
+          <a:noFill/>
+        </p:spPr>
+        <p:txBody>
+          <a:bodyPr wrap="none" rtlCol="0">
+            <a:spAutoFit/>
+          </a:bodyPr>
+          <a:lstStyle/>
+          <a:p>
+            <a:r>
+              <a:rPr lang="en-US" altLang="ko-KR" sz="1200" smtClean="0"/>
+              <a:t>input B</a:t>
+            </a:r>
+            <a:endParaRPr lang="ko-KR" altLang="en-US" sz="1200"/>
+          </a:p>
+        </p:txBody>
+      </p:sp>
+      <p:cxnSp>
+        <p:nvCxnSpPr>
+          <p:cNvPr id="3" name="직선 화살표 연결선 2"/>
+          <p:cNvCxnSpPr/>
+          <p:nvPr/>
+        </p:nvCxnSpPr>
+        <p:spPr>
+          <a:xfrm>
+            <a:off x="2118636" y="1622854"/>
+            <a:ext cx="4082982" cy="0"/>
+          </a:xfrm>
+          <a:prstGeom prst="straightConnector1">
+            <a:avLst/>
+          </a:prstGeom>
+          <a:ln>
+            <a:headEnd type="triangle"/>
+            <a:tailEnd type="triangle"/>
+          </a:ln>
+        </p:spPr>
+        <p:style>
+          <a:lnRef idx="1">
+            <a:schemeClr val="accent1"/>
+          </a:lnRef>
+          <a:fillRef idx="0">
+            <a:schemeClr val="accent1"/>
+          </a:fillRef>
+          <a:effectRef idx="0">
+            <a:schemeClr val="accent1"/>
+          </a:effectRef>
+          <a:fontRef idx="minor">
+            <a:schemeClr val="tx1"/>
+          </a:fontRef>
+        </p:style>
+      </p:cxnSp>
+      <p:cxnSp>
+        <p:nvCxnSpPr>
+          <p:cNvPr id="5" name="직선 화살표 연결선 4"/>
+          <p:cNvCxnSpPr/>
+          <p:nvPr/>
+        </p:nvCxnSpPr>
+        <p:spPr>
+          <a:xfrm>
+            <a:off x="6409038" y="1856897"/>
+            <a:ext cx="0" cy="2034749"/>
+          </a:xfrm>
+          <a:prstGeom prst="straightConnector1">
+            <a:avLst/>
+          </a:prstGeom>
+          <a:ln>
+            <a:headEnd type="triangle"/>
+            <a:tailEnd type="triangle"/>
+          </a:ln>
+        </p:spPr>
+        <p:style>
+          <a:lnRef idx="1">
+            <a:schemeClr val="accent1"/>
+          </a:lnRef>
+          <a:fillRef idx="0">
+            <a:schemeClr val="accent1"/>
+          </a:fillRef>
+          <a:effectRef idx="0">
+            <a:schemeClr val="accent1"/>
+          </a:effectRef>
+          <a:fontRef idx="minor">
+            <a:schemeClr val="tx1"/>
+          </a:fontRef>
+        </p:style>
+      </p:cxnSp>
+      <p:sp>
+        <p:nvSpPr>
+          <p:cNvPr id="90" name="TextBox 89"/>
+          <p:cNvSpPr txBox="1"/>
+          <p:nvPr/>
+        </p:nvSpPr>
+        <p:spPr>
+          <a:xfrm>
+            <a:off x="3937689" y="1308710"/>
+            <a:ext cx="325730" cy="276999"/>
+          </a:xfrm>
+          <a:prstGeom prst="rect">
+            <a:avLst/>
+          </a:prstGeom>
+          <a:noFill/>
+        </p:spPr>
+        <p:txBody>
+          <a:bodyPr wrap="none" rtlCol="0">
+            <a:spAutoFit/>
+          </a:bodyPr>
+          <a:lstStyle/>
+          <a:p>
+            <a:r>
+              <a:rPr lang="en-US" altLang="ko-KR" sz="1200" smtClean="0"/>
+              <a:t>M</a:t>
+            </a:r>
+            <a:endParaRPr lang="ko-KR" altLang="en-US" sz="1200"/>
+          </a:p>
+        </p:txBody>
+      </p:sp>
+      <p:sp>
+        <p:nvSpPr>
+          <p:cNvPr id="91" name="TextBox 90"/>
+          <p:cNvSpPr txBox="1"/>
+          <p:nvPr/>
+        </p:nvSpPr>
+        <p:spPr>
+          <a:xfrm>
+            <a:off x="6499656" y="2704289"/>
+            <a:ext cx="274434" cy="276999"/>
+          </a:xfrm>
+          <a:prstGeom prst="rect">
+            <a:avLst/>
+          </a:prstGeom>
+          <a:noFill/>
+        </p:spPr>
+        <p:txBody>
+          <a:bodyPr wrap="none" rtlCol="0">
+            <a:spAutoFit/>
+          </a:bodyPr>
+          <a:lstStyle/>
+          <a:p>
+            <a:r>
+              <a:rPr lang="en-US" altLang="ko-KR" sz="1200" smtClean="0"/>
+              <a:t>B</a:t>
+            </a:r>
+            <a:endParaRPr lang="ko-KR" altLang="en-US" sz="1200"/>
+          </a:p>
+        </p:txBody>
+      </p:sp>
+    </p:spTree>
+    <p:extLst>
+      <p:ext uri="{BB962C8B-B14F-4D97-AF65-F5344CB8AC3E}">
+        <p14:creationId xmlns:p14="http://schemas.microsoft.com/office/powerpoint/2010/main" val="2260293802"/>
+      </p:ext>
+    </p:extLst>
+  </p:cSld>
+  <p:clrMapOvr>
+    <a:masterClrMapping/>
+  </p:clrMapOvr>
+  <p:timing>
+    <p:tnLst>
+      <p:par>
+        <p:cTn id="1" dur="indefinite" restart="never" nodeType="tmRoot"/>
+      </p:par>
+    </p:tnLst>
+  </p:timing>
+</p:sld>
+</file>
+
+<file path=ppt/slides/slide11.xml><?xml version="1.0" encoding="utf-8"?>
+<p:sld xmlns:a="http://schemas.openxmlformats.org/drawingml/2006/main" xmlns:r="http://schemas.openxmlformats.org/officeDocument/2006/relationships" xmlns:p="http://schemas.openxmlformats.org/presentationml/2006/main">
+  <p:cSld>
+    <p:spTree>
+      <p:nvGrpSpPr>
+        <p:cNvPr id="1" name=""/>
+        <p:cNvGrpSpPr/>
+        <p:nvPr/>
+      </p:nvGrpSpPr>
+      <p:grpSpPr>
+        <a:xfrm>
+          <a:off x="0" y="0"/>
+          <a:ext cx="0" cy="0"/>
+          <a:chOff x="0" y="0"/>
+          <a:chExt cx="0" cy="0"/>
+        </a:xfrm>
+      </p:grpSpPr>
+      <p:sp>
+        <p:nvSpPr>
+          <p:cNvPr id="6" name="TextBox 5"/>
+          <p:cNvSpPr txBox="1"/>
+          <p:nvPr/>
+        </p:nvSpPr>
+        <p:spPr>
+          <a:xfrm>
+            <a:off x="59177" y="84986"/>
+            <a:ext cx="577402" cy="276999"/>
+          </a:xfrm>
+          <a:prstGeom prst="rect">
+            <a:avLst/>
+          </a:prstGeom>
+          <a:noFill/>
+        </p:spPr>
+        <p:txBody>
+          <a:bodyPr wrap="none" rtlCol="0">
+            <a:spAutoFit/>
+          </a:bodyPr>
+          <a:lstStyle/>
+          <a:p>
+            <a:r>
+              <a:rPr lang="ko-KR" altLang="en-US" sz="1200" smtClean="0"/>
+              <a:t>그림</a:t>
+            </a:r>
+            <a:r>
+              <a:rPr lang="en-US" altLang="ko-KR" sz="1200" smtClean="0"/>
+              <a:t>8</a:t>
+            </a:r>
+            <a:endParaRPr lang="ko-KR" altLang="en-US" sz="1200"/>
+          </a:p>
+        </p:txBody>
+      </p:sp>
+      <p:pic>
+        <p:nvPicPr>
+          <p:cNvPr id="2" name="그림 1"/>
+          <p:cNvPicPr>
+            <a:picLocks noChangeAspect="1"/>
+          </p:cNvPicPr>
+          <p:nvPr/>
+        </p:nvPicPr>
+        <p:blipFill>
+          <a:blip r:embed="rId2"/>
+          <a:stretch>
+            <a:fillRect/>
+          </a:stretch>
+        </p:blipFill>
+        <p:spPr>
+          <a:xfrm>
+            <a:off x="347878" y="475863"/>
+            <a:ext cx="2924175" cy="1095375"/>
+          </a:xfrm>
+          <a:prstGeom prst="rect">
+            <a:avLst/>
+          </a:prstGeom>
+        </p:spPr>
+      </p:pic>
+      <p:sp>
+        <p:nvSpPr>
+          <p:cNvPr id="32" name="TextBox 31"/>
+          <p:cNvSpPr txBox="1"/>
+          <p:nvPr/>
+        </p:nvSpPr>
+        <p:spPr>
+          <a:xfrm>
+            <a:off x="636579" y="1574291"/>
+            <a:ext cx="1967205" cy="461665"/>
+          </a:xfrm>
+          <a:prstGeom prst="rect">
+            <a:avLst/>
+          </a:prstGeom>
+          <a:noFill/>
+        </p:spPr>
+        <p:txBody>
+          <a:bodyPr wrap="none" rtlCol="0">
+            <a:spAutoFit/>
+          </a:bodyPr>
+          <a:lstStyle/>
+          <a:p>
+            <a:r>
+              <a:rPr lang="en-US" altLang="ko-KR" sz="1200" smtClean="0"/>
+              <a:t>BertModel </a:t>
+            </a:r>
+            <a:r>
+              <a:rPr lang="ko-KR" altLang="en-US" sz="1200" smtClean="0"/>
+              <a:t>→ </a:t>
+            </a:r>
+            <a:r>
+              <a:rPr lang="en-US" altLang="ko-KR" sz="1200" smtClean="0"/>
+              <a:t>Embedding</a:t>
+            </a:r>
+          </a:p>
+          <a:p>
+            <a:r>
+              <a:rPr lang="ko-KR" altLang="en-US" sz="1200" smtClean="0"/>
+              <a:t>그림</a:t>
+            </a:r>
+            <a:r>
+              <a:rPr lang="en-US" altLang="ko-KR" sz="1200" smtClean="0"/>
+              <a:t>8</a:t>
+            </a:r>
+            <a:r>
+              <a:rPr lang="en-US" altLang="ko-KR" sz="1200" smtClean="0"/>
+              <a:t>: </a:t>
+            </a:r>
+            <a:r>
+              <a:rPr lang="en-US" altLang="ko-KR" sz="1200" smtClean="0"/>
+              <a:t>BERT </a:t>
+            </a:r>
+            <a:r>
+              <a:rPr lang="ko-KR" altLang="en-US" sz="1200" smtClean="0"/>
+              <a:t>임베딩</a:t>
+            </a:r>
+            <a:endParaRPr lang="ko-KR" altLang="en-US" sz="1200"/>
+          </a:p>
+        </p:txBody>
+      </p:sp>
+      <p:pic>
+        <p:nvPicPr>
+          <p:cNvPr id="4" name="그림 3"/>
+          <p:cNvPicPr>
+            <a:picLocks noChangeAspect="1"/>
+          </p:cNvPicPr>
+          <p:nvPr/>
+        </p:nvPicPr>
+        <p:blipFill>
+          <a:blip r:embed="rId3"/>
+          <a:stretch>
+            <a:fillRect/>
+          </a:stretch>
+        </p:blipFill>
+        <p:spPr>
+          <a:xfrm>
+            <a:off x="5018001" y="84986"/>
+            <a:ext cx="2847975" cy="3086100"/>
+          </a:xfrm>
+          <a:prstGeom prst="rect">
+            <a:avLst/>
+          </a:prstGeom>
+        </p:spPr>
+      </p:pic>
+      <p:sp>
+        <p:nvSpPr>
+          <p:cNvPr id="34" name="TextBox 33"/>
+          <p:cNvSpPr txBox="1"/>
+          <p:nvPr/>
+        </p:nvSpPr>
+        <p:spPr>
+          <a:xfrm>
+            <a:off x="4548799" y="84986"/>
+            <a:ext cx="577402" cy="276999"/>
+          </a:xfrm>
+          <a:prstGeom prst="rect">
+            <a:avLst/>
+          </a:prstGeom>
+          <a:noFill/>
+        </p:spPr>
+        <p:txBody>
+          <a:bodyPr wrap="none" rtlCol="0">
+            <a:spAutoFit/>
+          </a:bodyPr>
+          <a:lstStyle/>
+          <a:p>
+            <a:r>
+              <a:rPr lang="ko-KR" altLang="en-US" sz="1200" smtClean="0"/>
+              <a:t>그림</a:t>
+            </a:r>
+            <a:r>
+              <a:rPr lang="en-US" altLang="ko-KR" sz="1200"/>
+              <a:t>9</a:t>
+            </a:r>
+            <a:endParaRPr lang="ko-KR" altLang="en-US" sz="1200"/>
+          </a:p>
+        </p:txBody>
+      </p:sp>
+      <p:sp>
+        <p:nvSpPr>
+          <p:cNvPr id="35" name="TextBox 34"/>
+          <p:cNvSpPr txBox="1"/>
+          <p:nvPr/>
+        </p:nvSpPr>
+        <p:spPr>
+          <a:xfrm>
+            <a:off x="5126201" y="3171086"/>
+            <a:ext cx="1632178" cy="830997"/>
+          </a:xfrm>
+          <a:prstGeom prst="rect">
+            <a:avLst/>
+          </a:prstGeom>
+          <a:noFill/>
+        </p:spPr>
+        <p:txBody>
+          <a:bodyPr wrap="none" rtlCol="0">
+            <a:spAutoFit/>
+          </a:bodyPr>
+          <a:lstStyle/>
+          <a:p>
+            <a:r>
+              <a:rPr lang="en-US" altLang="ko-KR" sz="1200" smtClean="0"/>
+              <a:t>(B, M) </a:t>
+            </a:r>
+            <a:r>
+              <a:rPr lang="ko-KR" altLang="en-US" sz="1200" smtClean="0"/>
+              <a:t>→ </a:t>
+            </a:r>
+            <a:r>
+              <a:rPr lang="en-US" altLang="ko-KR" sz="1200" smtClean="0"/>
+              <a:t>(B, M, E)</a:t>
+            </a:r>
+          </a:p>
+          <a:p>
+            <a:r>
+              <a:rPr lang="en-US" altLang="ko-KR" sz="1200"/>
+              <a:t>(B</a:t>
+            </a:r>
+            <a:r>
+              <a:rPr lang="en-US" altLang="ko-KR" sz="1200"/>
+              <a:t>, </a:t>
+            </a:r>
+            <a:r>
+              <a:rPr lang="en-US" altLang="ko-KR" sz="1200" smtClean="0"/>
+              <a:t>M, E) </a:t>
+            </a:r>
+            <a:r>
+              <a:rPr lang="ko-KR" altLang="en-US" sz="1200"/>
+              <a:t>→ </a:t>
+            </a:r>
+            <a:r>
+              <a:rPr lang="en-US" altLang="ko-KR" sz="1200"/>
+              <a:t>(B, M</a:t>
+            </a:r>
+            <a:r>
+              <a:rPr lang="en-US" altLang="ko-KR" sz="1200"/>
+              <a:t>, </a:t>
+            </a:r>
+            <a:r>
+              <a:rPr lang="en-US" altLang="ko-KR" sz="1200" smtClean="0"/>
+              <a:t>H)</a:t>
+            </a:r>
+          </a:p>
+          <a:p>
+            <a:r>
+              <a:rPr lang="en-US" altLang="ko-KR" sz="1200" smtClean="0"/>
+              <a:t>BertLayer </a:t>
+            </a:r>
+            <a:r>
+              <a:rPr lang="ko-KR" altLang="en-US" sz="1200" smtClean="0"/>
+              <a:t>→ </a:t>
+            </a:r>
+            <a:r>
+              <a:rPr lang="en-US" altLang="ko-KR" sz="1200"/>
+              <a:t>Layer</a:t>
+            </a:r>
+            <a:endParaRPr lang="en-US" altLang="ko-KR" sz="1200" smtClean="0"/>
+          </a:p>
+          <a:p>
+            <a:r>
+              <a:rPr lang="ko-KR" altLang="en-US" sz="1200" smtClean="0"/>
+              <a:t>그림</a:t>
+            </a:r>
+            <a:r>
+              <a:rPr lang="en-US" altLang="ko-KR" sz="1200" smtClean="0"/>
+              <a:t>9</a:t>
+            </a:r>
+            <a:r>
+              <a:rPr lang="en-US" altLang="ko-KR" sz="1200" smtClean="0"/>
+              <a:t>: </a:t>
+            </a:r>
+            <a:r>
+              <a:rPr lang="en-US" altLang="ko-KR" sz="1200" smtClean="0"/>
+              <a:t>BERT </a:t>
+            </a:r>
+            <a:r>
+              <a:rPr lang="ko-KR" altLang="en-US" sz="1200" smtClean="0"/>
+              <a:t>인코더</a:t>
+            </a:r>
+            <a:endParaRPr lang="ko-KR" altLang="en-US" sz="1200"/>
+          </a:p>
+        </p:txBody>
+      </p:sp>
+      <p:pic>
+        <p:nvPicPr>
+          <p:cNvPr id="7" name="그림 6"/>
+          <p:cNvPicPr>
+            <a:picLocks noChangeAspect="1"/>
+          </p:cNvPicPr>
+          <p:nvPr/>
+        </p:nvPicPr>
+        <p:blipFill>
+          <a:blip r:embed="rId4"/>
+          <a:stretch>
+            <a:fillRect/>
+          </a:stretch>
+        </p:blipFill>
+        <p:spPr>
+          <a:xfrm>
+            <a:off x="528676" y="2727367"/>
+            <a:ext cx="3028950" cy="2886075"/>
+          </a:xfrm>
+          <a:prstGeom prst="rect">
+            <a:avLst/>
+          </a:prstGeom>
+        </p:spPr>
+      </p:pic>
+      <p:sp>
+        <p:nvSpPr>
+          <p:cNvPr id="38" name="TextBox 37"/>
+          <p:cNvSpPr txBox="1"/>
+          <p:nvPr/>
+        </p:nvSpPr>
+        <p:spPr>
+          <a:xfrm>
+            <a:off x="804092" y="5613442"/>
+            <a:ext cx="1802096" cy="830997"/>
+          </a:xfrm>
+          <a:prstGeom prst="rect">
+            <a:avLst/>
+          </a:prstGeom>
+          <a:noFill/>
+        </p:spPr>
+        <p:txBody>
+          <a:bodyPr wrap="none" rtlCol="0">
+            <a:spAutoFit/>
+          </a:bodyPr>
+          <a:lstStyle/>
+          <a:p>
+            <a:r>
+              <a:rPr lang="en-US" altLang="ko-KR" sz="1200" smtClean="0"/>
+              <a:t>(B, M, E) </a:t>
+            </a:r>
+            <a:r>
+              <a:rPr lang="ko-KR" altLang="en-US" sz="1200" smtClean="0"/>
+              <a:t>→ </a:t>
+            </a:r>
+            <a:r>
+              <a:rPr lang="en-US" altLang="ko-KR" sz="1200" smtClean="0"/>
+              <a:t>(B, M, H)</a:t>
+            </a:r>
+          </a:p>
+          <a:p>
+            <a:r>
+              <a:rPr lang="en-US" altLang="ko-KR" sz="1200" smtClean="0"/>
+              <a:t>(B, M, 4E) </a:t>
+            </a:r>
+            <a:r>
+              <a:rPr lang="ko-KR" altLang="en-US" sz="1200" smtClean="0"/>
+              <a:t>→ </a:t>
+            </a:r>
+            <a:r>
+              <a:rPr lang="en-US" altLang="ko-KR" sz="1200" smtClean="0"/>
+              <a:t>(B, M, 4H)</a:t>
+            </a:r>
+          </a:p>
+          <a:p>
+            <a:r>
+              <a:rPr lang="en-US" altLang="ko-KR" sz="1200" smtClean="0"/>
+              <a:t>Bert </a:t>
+            </a:r>
+            <a:r>
+              <a:rPr lang="ko-KR" altLang="en-US" sz="1200" smtClean="0"/>
+              <a:t>빼기</a:t>
+            </a:r>
+            <a:endParaRPr lang="en-US" altLang="ko-KR" sz="1200" smtClean="0"/>
+          </a:p>
+          <a:p>
+            <a:r>
+              <a:rPr lang="ko-KR" altLang="en-US" sz="1200" smtClean="0"/>
+              <a:t>그림</a:t>
+            </a:r>
+            <a:r>
+              <a:rPr lang="en-US" altLang="ko-KR" sz="1200" smtClean="0"/>
+              <a:t>10</a:t>
+            </a:r>
+            <a:r>
+              <a:rPr lang="en-US" altLang="ko-KR" sz="1200" smtClean="0"/>
+              <a:t>: </a:t>
+            </a:r>
+            <a:r>
+              <a:rPr lang="en-US" altLang="ko-KR" sz="1200" smtClean="0"/>
+              <a:t>BERT </a:t>
+            </a:r>
+            <a:r>
+              <a:rPr lang="ko-KR" altLang="en-US" sz="1200" smtClean="0"/>
+              <a:t>레이어</a:t>
+            </a:r>
+            <a:endParaRPr lang="ko-KR" altLang="en-US" sz="1200"/>
+          </a:p>
+        </p:txBody>
+      </p:sp>
+      <p:sp>
+        <p:nvSpPr>
+          <p:cNvPr id="39" name="TextBox 38"/>
+          <p:cNvSpPr txBox="1"/>
+          <p:nvPr/>
+        </p:nvSpPr>
+        <p:spPr>
+          <a:xfrm>
+            <a:off x="59177" y="2588867"/>
+            <a:ext cx="662361" cy="276999"/>
+          </a:xfrm>
+          <a:prstGeom prst="rect">
+            <a:avLst/>
+          </a:prstGeom>
+          <a:noFill/>
+        </p:spPr>
+        <p:txBody>
+          <a:bodyPr wrap="none" rtlCol="0">
+            <a:spAutoFit/>
+          </a:bodyPr>
+          <a:lstStyle/>
+          <a:p>
+            <a:r>
+              <a:rPr lang="ko-KR" altLang="en-US" sz="1200" smtClean="0"/>
+              <a:t>그림</a:t>
+            </a:r>
+            <a:r>
+              <a:rPr lang="en-US" altLang="ko-KR" sz="1200" smtClean="0"/>
+              <a:t>10</a:t>
+            </a:r>
+            <a:endParaRPr lang="ko-KR" altLang="en-US" sz="1200"/>
+          </a:p>
+        </p:txBody>
+      </p:sp>
+      <p:sp>
+        <p:nvSpPr>
+          <p:cNvPr id="40" name="TextBox 39"/>
+          <p:cNvSpPr txBox="1"/>
+          <p:nvPr/>
+        </p:nvSpPr>
+        <p:spPr>
+          <a:xfrm>
+            <a:off x="804092" y="8117323"/>
+            <a:ext cx="1802096" cy="830997"/>
+          </a:xfrm>
+          <a:prstGeom prst="rect">
+            <a:avLst/>
+          </a:prstGeom>
+          <a:noFill/>
+        </p:spPr>
+        <p:txBody>
+          <a:bodyPr wrap="none" rtlCol="0">
+            <a:spAutoFit/>
+          </a:bodyPr>
+          <a:lstStyle/>
+          <a:p>
+            <a:r>
+              <a:rPr lang="en-US" altLang="ko-KR" sz="1200" smtClean="0"/>
+              <a:t>(B, M, E) </a:t>
+            </a:r>
+            <a:r>
+              <a:rPr lang="ko-KR" altLang="en-US" sz="1200" smtClean="0"/>
+              <a:t>→ </a:t>
+            </a:r>
+            <a:r>
+              <a:rPr lang="en-US" altLang="ko-KR" sz="1200" smtClean="0"/>
+              <a:t>(B, M, H)</a:t>
+            </a:r>
+          </a:p>
+          <a:p>
+            <a:r>
+              <a:rPr lang="en-US" altLang="ko-KR" sz="1200" smtClean="0"/>
+              <a:t>(B, M, 4E) </a:t>
+            </a:r>
+            <a:r>
+              <a:rPr lang="ko-KR" altLang="en-US" sz="1200" smtClean="0"/>
+              <a:t>→ </a:t>
+            </a:r>
+            <a:r>
+              <a:rPr lang="en-US" altLang="ko-KR" sz="1200" smtClean="0"/>
+              <a:t>(B, M, 4H)</a:t>
+            </a:r>
+          </a:p>
+          <a:p>
+            <a:r>
+              <a:rPr lang="en-US" altLang="ko-KR" sz="1200" smtClean="0"/>
+              <a:t>Bert </a:t>
+            </a:r>
+            <a:r>
+              <a:rPr lang="ko-KR" altLang="en-US" sz="1200" smtClean="0"/>
+              <a:t>빼기</a:t>
+            </a:r>
+            <a:endParaRPr lang="en-US" altLang="ko-KR" sz="1200" smtClean="0"/>
+          </a:p>
+          <a:p>
+            <a:r>
+              <a:rPr lang="ko-KR" altLang="en-US" sz="1200" smtClean="0"/>
+              <a:t>그림</a:t>
+            </a:r>
+            <a:r>
+              <a:rPr lang="en-US" altLang="ko-KR" sz="1200" smtClean="0"/>
+              <a:t>9</a:t>
+            </a:r>
+            <a:r>
+              <a:rPr lang="en-US" altLang="ko-KR" sz="1200" smtClean="0"/>
+              <a:t>: </a:t>
+            </a:r>
+            <a:r>
+              <a:rPr lang="en-US" altLang="ko-KR" sz="1200" smtClean="0"/>
+              <a:t>BERT </a:t>
+            </a:r>
+            <a:r>
+              <a:rPr lang="ko-KR" altLang="en-US" sz="1200" smtClean="0"/>
+              <a:t>레이어</a:t>
+            </a:r>
+            <a:endParaRPr lang="ko-KR" altLang="en-US" sz="1200"/>
+          </a:p>
+        </p:txBody>
+      </p:sp>
+      <p:pic>
+        <p:nvPicPr>
+          <p:cNvPr id="9" name="그림 8"/>
+          <p:cNvPicPr>
+            <a:picLocks noChangeAspect="1"/>
+          </p:cNvPicPr>
+          <p:nvPr/>
+        </p:nvPicPr>
+        <p:blipFill>
+          <a:blip r:embed="rId5"/>
+          <a:stretch>
+            <a:fillRect/>
+          </a:stretch>
+        </p:blipFill>
+        <p:spPr>
+          <a:xfrm>
+            <a:off x="5285860" y="4511932"/>
+            <a:ext cx="2724150" cy="1914525"/>
+          </a:xfrm>
+          <a:prstGeom prst="rect">
+            <a:avLst/>
+          </a:prstGeom>
+        </p:spPr>
+      </p:pic>
+      <p:sp>
+        <p:nvSpPr>
+          <p:cNvPr id="42" name="TextBox 41"/>
+          <p:cNvSpPr txBox="1"/>
+          <p:nvPr/>
+        </p:nvSpPr>
+        <p:spPr>
+          <a:xfrm>
+            <a:off x="4816696" y="4298637"/>
+            <a:ext cx="662361" cy="276999"/>
+          </a:xfrm>
+          <a:prstGeom prst="rect">
+            <a:avLst/>
+          </a:prstGeom>
+          <a:noFill/>
+        </p:spPr>
+        <p:txBody>
+          <a:bodyPr wrap="none" rtlCol="0">
+            <a:spAutoFit/>
+          </a:bodyPr>
+          <a:lstStyle/>
+          <a:p>
+            <a:r>
+              <a:rPr lang="ko-KR" altLang="en-US" sz="1200" smtClean="0"/>
+              <a:t>그림</a:t>
+            </a:r>
+            <a:r>
+              <a:rPr lang="en-US" altLang="ko-KR" sz="1200" smtClean="0"/>
+              <a:t>11</a:t>
+            </a:r>
+            <a:endParaRPr lang="ko-KR" altLang="en-US" sz="1200"/>
+          </a:p>
+        </p:txBody>
+      </p:sp>
+      <p:pic>
+        <p:nvPicPr>
+          <p:cNvPr id="10" name="그림 9"/>
+          <p:cNvPicPr>
+            <a:picLocks noChangeAspect="1"/>
+          </p:cNvPicPr>
+          <p:nvPr/>
+        </p:nvPicPr>
+        <p:blipFill>
+          <a:blip r:embed="rId6"/>
+          <a:stretch>
+            <a:fillRect/>
+          </a:stretch>
+        </p:blipFill>
+        <p:spPr>
+          <a:xfrm>
+            <a:off x="9594210" y="1841541"/>
+            <a:ext cx="2505075" cy="4657725"/>
+          </a:xfrm>
+          <a:prstGeom prst="rect">
+            <a:avLst/>
+          </a:prstGeom>
+        </p:spPr>
+      </p:pic>
+      <p:sp>
+        <p:nvSpPr>
+          <p:cNvPr id="44" name="TextBox 43"/>
+          <p:cNvSpPr txBox="1"/>
+          <p:nvPr/>
+        </p:nvSpPr>
+        <p:spPr>
+          <a:xfrm>
+            <a:off x="8955316" y="1897456"/>
+            <a:ext cx="662361" cy="276999"/>
+          </a:xfrm>
+          <a:prstGeom prst="rect">
+            <a:avLst/>
+          </a:prstGeom>
+          <a:noFill/>
+        </p:spPr>
+        <p:txBody>
+          <a:bodyPr wrap="none" rtlCol="0">
+            <a:spAutoFit/>
+          </a:bodyPr>
+          <a:lstStyle/>
+          <a:p>
+            <a:r>
+              <a:rPr lang="ko-KR" altLang="en-US" sz="1200" smtClean="0"/>
+              <a:t>그림</a:t>
+            </a:r>
+            <a:r>
+              <a:rPr lang="en-US" altLang="ko-KR" sz="1200" smtClean="0"/>
+              <a:t>12</a:t>
+            </a:r>
+            <a:endParaRPr lang="ko-KR" altLang="en-US" sz="1200"/>
+          </a:p>
+        </p:txBody>
+      </p:sp>
+    </p:spTree>
+    <p:extLst>
+      <p:ext uri="{BB962C8B-B14F-4D97-AF65-F5344CB8AC3E}">
+        <p14:creationId xmlns:p14="http://schemas.microsoft.com/office/powerpoint/2010/main" val="2834779016"/>
+      </p:ext>
+    </p:extLst>
+  </p:cSld>
+  <p:clrMapOvr>
+    <a:masterClrMapping/>
+  </p:clrMapOvr>
+  <p:timing>
+    <p:tnLst>
+      <p:par>
+        <p:cTn id="1" dur="indefinite" restart="never" nodeType="tmRoot"/>
+      </p:par>
+    </p:tnLst>
+  </p:timing>
+</p:sld>
+</file>
+
+<file path=ppt/slides/slide12.xml><?xml version="1.0" encoding="utf-8"?>
+<p:sld xmlns:a="http://schemas.openxmlformats.org/drawingml/2006/main" xmlns:r="http://schemas.openxmlformats.org/officeDocument/2006/relationships" xmlns:p="http://schemas.openxmlformats.org/presentationml/2006/main">
+  <p:cSld>
+    <p:spTree>
+      <p:nvGrpSpPr>
+        <p:cNvPr id="1" name=""/>
+        <p:cNvGrpSpPr/>
+        <p:nvPr/>
+      </p:nvGrpSpPr>
+      <p:grpSpPr>
+        <a:xfrm>
+          <a:off x="0" y="0"/>
+          <a:ext cx="0" cy="0"/>
+          <a:chOff x="0" y="0"/>
+          <a:chExt cx="0" cy="0"/>
+        </a:xfrm>
+      </p:grpSpPr>
+      <p:sp>
+        <p:nvSpPr>
+          <p:cNvPr id="6" name="TextBox 5"/>
+          <p:cNvSpPr txBox="1"/>
+          <p:nvPr/>
+        </p:nvSpPr>
+        <p:spPr>
+          <a:xfrm>
+            <a:off x="59177" y="84986"/>
+            <a:ext cx="577402" cy="276999"/>
+          </a:xfrm>
+          <a:prstGeom prst="rect">
+            <a:avLst/>
+          </a:prstGeom>
+          <a:noFill/>
+        </p:spPr>
+        <p:txBody>
+          <a:bodyPr wrap="none" rtlCol="0">
+            <a:spAutoFit/>
+          </a:bodyPr>
+          <a:lstStyle/>
+          <a:p>
+            <a:r>
+              <a:rPr lang="ko-KR" altLang="en-US" sz="1200" smtClean="0"/>
+              <a:t>그림</a:t>
+            </a:r>
+            <a:r>
+              <a:rPr lang="en-US" altLang="ko-KR" sz="1200" smtClean="0"/>
+              <a:t>8</a:t>
+            </a:r>
+            <a:endParaRPr lang="ko-KR" altLang="en-US" sz="1200"/>
+          </a:p>
+        </p:txBody>
+      </p:sp>
+    </p:spTree>
+    <p:extLst>
+      <p:ext uri="{BB962C8B-B14F-4D97-AF65-F5344CB8AC3E}">
+        <p14:creationId xmlns:p14="http://schemas.microsoft.com/office/powerpoint/2010/main" val="938001125"/>
+      </p:ext>
+    </p:extLst>
+  </p:cSld>
+  <p:clrMapOvr>
+    <a:masterClrMapping/>
+  </p:clrMapOvr>
+  <p:timing>
+    <p:tnLst>
+      <p:par>
+        <p:cTn id="1" dur="indefinite" restart="never" nodeType="tmRoot"/>
+      </p:par>
+    </p:tnLst>
+  </p:timing>
+</p:sld>
+</file>
+
+<file path=ppt/slides/slide13.xml><?xml version="1.0" encoding="utf-8"?>
+<p:sld xmlns:a="http://schemas.openxmlformats.org/drawingml/2006/main" xmlns:r="http://schemas.openxmlformats.org/officeDocument/2006/relationships" xmlns:p="http://schemas.openxmlformats.org/presentationml/2006/main">
+  <p:cSld>
+    <p:spTree>
+      <p:nvGrpSpPr>
+        <p:cNvPr id="1" name=""/>
+        <p:cNvGrpSpPr/>
+        <p:nvPr/>
+      </p:nvGrpSpPr>
+      <p:grpSpPr>
+        <a:xfrm>
+          <a:off x="0" y="0"/>
+          <a:ext cx="0" cy="0"/>
+          <a:chOff x="0" y="0"/>
+          <a:chExt cx="0" cy="0"/>
+        </a:xfrm>
+      </p:grpSpPr>
+      <p:sp>
+        <p:nvSpPr>
+          <p:cNvPr id="6" name="TextBox 5"/>
+          <p:cNvSpPr txBox="1"/>
+          <p:nvPr/>
+        </p:nvSpPr>
+        <p:spPr>
+          <a:xfrm>
+            <a:off x="59177" y="84986"/>
+            <a:ext cx="577402" cy="276999"/>
+          </a:xfrm>
+          <a:prstGeom prst="rect">
+            <a:avLst/>
+          </a:prstGeom>
+          <a:noFill/>
+        </p:spPr>
+        <p:txBody>
+          <a:bodyPr wrap="none" rtlCol="0">
+            <a:spAutoFit/>
+          </a:bodyPr>
+          <a:lstStyle/>
+          <a:p>
+            <a:r>
+              <a:rPr lang="ko-KR" altLang="en-US" sz="1200" smtClean="0"/>
+              <a:t>그림</a:t>
+            </a:r>
+            <a:r>
+              <a:rPr lang="en-US" altLang="ko-KR" sz="1200" smtClean="0"/>
+              <a:t>8</a:t>
+            </a:r>
+            <a:endParaRPr lang="ko-KR" altLang="en-US" sz="1200"/>
+          </a:p>
+        </p:txBody>
+      </p:sp>
+    </p:spTree>
+    <p:extLst>
+      <p:ext uri="{BB962C8B-B14F-4D97-AF65-F5344CB8AC3E}">
+        <p14:creationId xmlns:p14="http://schemas.microsoft.com/office/powerpoint/2010/main" val="3935095246"/>
+      </p:ext>
+    </p:extLst>
+  </p:cSld>
+  <p:clrMapOvr>
+    <a:masterClrMapping/>
+  </p:clrMapOvr>
+  <p:timing>
+    <p:tnLst>
+      <p:par>
+        <p:cTn id="1" dur="indefinite" restart="never" nodeType="tmRoot"/>
+      </p:par>
+    </p:tnLst>
+  </p:timing>
+</p:sld>
+</file>
+
+<file path=ppt/slides/slide14.xml><?xml version="1.0" encoding="utf-8"?>
+<p:sld xmlns:a="http://schemas.openxmlformats.org/drawingml/2006/main" xmlns:r="http://schemas.openxmlformats.org/officeDocument/2006/relationships" xmlns:p="http://schemas.openxmlformats.org/presentationml/2006/main">
+  <p:cSld>
+    <p:spTree>
+      <p:nvGrpSpPr>
+        <p:cNvPr id="1" name=""/>
+        <p:cNvGrpSpPr/>
+        <p:nvPr/>
+      </p:nvGrpSpPr>
+      <p:grpSpPr>
+        <a:xfrm>
+          <a:off x="0" y="0"/>
+          <a:ext cx="0" cy="0"/>
+          <a:chOff x="0" y="0"/>
+          <a:chExt cx="0" cy="0"/>
+        </a:xfrm>
+      </p:grpSpPr>
+      <p:sp>
+        <p:nvSpPr>
+          <p:cNvPr id="6" name="TextBox 5"/>
+          <p:cNvSpPr txBox="1"/>
+          <p:nvPr/>
+        </p:nvSpPr>
+        <p:spPr>
+          <a:xfrm>
+            <a:off x="59177" y="84986"/>
+            <a:ext cx="577402" cy="276999"/>
+          </a:xfrm>
+          <a:prstGeom prst="rect">
+            <a:avLst/>
+          </a:prstGeom>
+          <a:noFill/>
+        </p:spPr>
+        <p:txBody>
+          <a:bodyPr wrap="none" rtlCol="0">
+            <a:spAutoFit/>
+          </a:bodyPr>
+          <a:lstStyle/>
+          <a:p>
+            <a:r>
+              <a:rPr lang="ko-KR" altLang="en-US" sz="1200" smtClean="0"/>
+              <a:t>그림</a:t>
+            </a:r>
+            <a:r>
+              <a:rPr lang="en-US" altLang="ko-KR" sz="1200" smtClean="0"/>
+              <a:t>8</a:t>
+            </a:r>
+            <a:endParaRPr lang="ko-KR" altLang="en-US" sz="1200"/>
+          </a:p>
+        </p:txBody>
+      </p:sp>
+    </p:spTree>
+    <p:extLst>
+      <p:ext uri="{BB962C8B-B14F-4D97-AF65-F5344CB8AC3E}">
+        <p14:creationId xmlns:p14="http://schemas.microsoft.com/office/powerpoint/2010/main" val="4085346525"/>
+      </p:ext>
+    </p:extLst>
+  </p:cSld>
+  <p:clrMapOvr>
+    <a:masterClrMapping/>
+  </p:clrMapOvr>
+  <p:timing>
+    <p:tnLst>
+      <p:par>
+        <p:cTn id="1" dur="indefinite" restart="never" nodeType="tmRoot"/>
+      </p:par>
+    </p:tnLst>
+  </p:timing>
+</p:sld>
+</file>
+
+<file path=ppt/slides/slide15.xml><?xml version="1.0" encoding="utf-8"?>
+<p:sld xmlns:a="http://schemas.openxmlformats.org/drawingml/2006/main" xmlns:r="http://schemas.openxmlformats.org/officeDocument/2006/relationships" xmlns:p="http://schemas.openxmlformats.org/presentationml/2006/main">
+  <p:cSld>
+    <p:spTree>
+      <p:nvGrpSpPr>
+        <p:cNvPr id="1" name=""/>
+        <p:cNvGrpSpPr/>
+        <p:nvPr/>
+      </p:nvGrpSpPr>
+      <p:grpSpPr>
+        <a:xfrm>
+          <a:off x="0" y="0"/>
+          <a:ext cx="0" cy="0"/>
+          <a:chOff x="0" y="0"/>
+          <a:chExt cx="0" cy="0"/>
+        </a:xfrm>
+      </p:grpSpPr>
+      <p:sp>
+        <p:nvSpPr>
+          <p:cNvPr id="6" name="TextBox 5"/>
+          <p:cNvSpPr txBox="1"/>
+          <p:nvPr/>
+        </p:nvSpPr>
+        <p:spPr>
+          <a:xfrm>
+            <a:off x="59177" y="84986"/>
+            <a:ext cx="577402" cy="276999"/>
+          </a:xfrm>
+          <a:prstGeom prst="rect">
+            <a:avLst/>
+          </a:prstGeom>
+          <a:noFill/>
+        </p:spPr>
+        <p:txBody>
+          <a:bodyPr wrap="none" rtlCol="0">
+            <a:spAutoFit/>
+          </a:bodyPr>
+          <a:lstStyle/>
+          <a:p>
+            <a:r>
+              <a:rPr lang="ko-KR" altLang="en-US" sz="1200" smtClean="0"/>
+              <a:t>그림</a:t>
+            </a:r>
+            <a:r>
+              <a:rPr lang="en-US" altLang="ko-KR" sz="1200" smtClean="0"/>
+              <a:t>8</a:t>
+            </a:r>
+            <a:endParaRPr lang="ko-KR" altLang="en-US" sz="1200"/>
+          </a:p>
+        </p:txBody>
+      </p:sp>
+    </p:spTree>
+    <p:extLst>
+      <p:ext uri="{BB962C8B-B14F-4D97-AF65-F5344CB8AC3E}">
+        <p14:creationId xmlns:p14="http://schemas.microsoft.com/office/powerpoint/2010/main" val="2785801191"/>
+      </p:ext>
+    </p:extLst>
+  </p:cSld>
+  <p:clrMapOvr>
+    <a:masterClrMapping/>
+  </p:clrMapOvr>
+  <p:timing>
+    <p:tnLst>
+      <p:par>
+        <p:cTn id="1" dur="indefinite" restart="never" nodeType="tmRoot"/>
+      </p:par>
+    </p:tnLst>
+  </p:timing>
+</p:sld>
+</file>
+
+<file path=ppt/slides/slide16.xml><?xml version="1.0" encoding="utf-8"?>
+<p:sld xmlns:a="http://schemas.openxmlformats.org/drawingml/2006/main" xmlns:r="http://schemas.openxmlformats.org/officeDocument/2006/relationships" xmlns:p="http://schemas.openxmlformats.org/presentationml/2006/main">
+  <p:cSld>
+    <p:spTree>
+      <p:nvGrpSpPr>
+        <p:cNvPr id="1" name=""/>
+        <p:cNvGrpSpPr/>
+        <p:nvPr/>
+      </p:nvGrpSpPr>
+      <p:grpSpPr>
+        <a:xfrm>
+          <a:off x="0" y="0"/>
+          <a:ext cx="0" cy="0"/>
+          <a:chOff x="0" y="0"/>
+          <a:chExt cx="0" cy="0"/>
+        </a:xfrm>
+      </p:grpSpPr>
+      <p:sp>
+        <p:nvSpPr>
+          <p:cNvPr id="6" name="TextBox 5"/>
+          <p:cNvSpPr txBox="1"/>
+          <p:nvPr/>
+        </p:nvSpPr>
+        <p:spPr>
+          <a:xfrm>
+            <a:off x="59177" y="84986"/>
+            <a:ext cx="577402" cy="276999"/>
+          </a:xfrm>
+          <a:prstGeom prst="rect">
+            <a:avLst/>
+          </a:prstGeom>
+          <a:noFill/>
+        </p:spPr>
+        <p:txBody>
+          <a:bodyPr wrap="none" rtlCol="0">
+            <a:spAutoFit/>
+          </a:bodyPr>
+          <a:lstStyle/>
+          <a:p>
+            <a:r>
+              <a:rPr lang="ko-KR" altLang="en-US" sz="1200" smtClean="0"/>
+              <a:t>그림</a:t>
+            </a:r>
+            <a:r>
+              <a:rPr lang="en-US" altLang="ko-KR" sz="1200" smtClean="0"/>
+              <a:t>8</a:t>
+            </a:r>
+            <a:endParaRPr lang="ko-KR" altLang="en-US" sz="1200"/>
+          </a:p>
+        </p:txBody>
+      </p:sp>
+    </p:spTree>
+    <p:extLst>
+      <p:ext uri="{BB962C8B-B14F-4D97-AF65-F5344CB8AC3E}">
+        <p14:creationId xmlns:p14="http://schemas.microsoft.com/office/powerpoint/2010/main" val="2224719402"/>
+      </p:ext>
+    </p:extLst>
+  </p:cSld>
+  <p:clrMapOvr>
+    <a:masterClrMapping/>
+  </p:clrMapOvr>
+  <p:timing>
+    <p:tnLst>
+      <p:par>
+        <p:cTn id="1" dur="indefinite" restart="never" nodeType="tmRoot"/>
+      </p:par>
+    </p:tnLst>
+  </p:timing>
 </p:sld>
 </file>
 

--- a/draft/chapter5.pptx
+++ b/draft/chapter5.pptx
@@ -17,14 +17,13 @@
     <p:sldId id="274" r:id="rId11"/>
     <p:sldId id="275" r:id="rId12"/>
     <p:sldId id="282" r:id="rId13"/>
-    <p:sldId id="258" r:id="rId14"/>
-    <p:sldId id="260" r:id="rId15"/>
-    <p:sldId id="259" r:id="rId16"/>
-    <p:sldId id="267" r:id="rId17"/>
-    <p:sldId id="268" r:id="rId18"/>
-    <p:sldId id="269" r:id="rId19"/>
-    <p:sldId id="270" r:id="rId20"/>
-    <p:sldId id="271" r:id="rId21"/>
+    <p:sldId id="259" r:id="rId14"/>
+    <p:sldId id="267" r:id="rId15"/>
+    <p:sldId id="268" r:id="rId16"/>
+    <p:sldId id="260" r:id="rId17"/>
+    <p:sldId id="269" r:id="rId18"/>
+    <p:sldId id="270" r:id="rId19"/>
+    <p:sldId id="271" r:id="rId20"/>
   </p:sldIdLst>
   <p:sldSz cx="12192000" cy="6858000"/>
   <p:notesSz cx="6858000" cy="9144000"/>
@@ -262,7 +261,7 @@
           <a:p>
             <a:fld id="{133C0493-C6ED-4B14-9A77-884F95215A8F}" type="datetimeFigureOut">
               <a:rPr lang="ko-KR" altLang="en-US" smtClean="0"/>
-              <a:t>2021-09-07</a:t>
+              <a:t>2021-09-08</a:t>
             </a:fld>
             <a:endParaRPr lang="ko-KR" altLang="en-US"/>
           </a:p>
@@ -432,7 +431,7 @@
           <a:p>
             <a:fld id="{133C0493-C6ED-4B14-9A77-884F95215A8F}" type="datetimeFigureOut">
               <a:rPr lang="ko-KR" altLang="en-US" smtClean="0"/>
-              <a:t>2021-09-07</a:t>
+              <a:t>2021-09-08</a:t>
             </a:fld>
             <a:endParaRPr lang="ko-KR" altLang="en-US"/>
           </a:p>
@@ -612,7 +611,7 @@
           <a:p>
             <a:fld id="{133C0493-C6ED-4B14-9A77-884F95215A8F}" type="datetimeFigureOut">
               <a:rPr lang="ko-KR" altLang="en-US" smtClean="0"/>
-              <a:t>2021-09-07</a:t>
+              <a:t>2021-09-08</a:t>
             </a:fld>
             <a:endParaRPr lang="ko-KR" altLang="en-US"/>
           </a:p>
@@ -782,7 +781,7 @@
           <a:p>
             <a:fld id="{133C0493-C6ED-4B14-9A77-884F95215A8F}" type="datetimeFigureOut">
               <a:rPr lang="ko-KR" altLang="en-US" smtClean="0"/>
-              <a:t>2021-09-07</a:t>
+              <a:t>2021-09-08</a:t>
             </a:fld>
             <a:endParaRPr lang="ko-KR" altLang="en-US"/>
           </a:p>
@@ -1028,7 +1027,7 @@
           <a:p>
             <a:fld id="{133C0493-C6ED-4B14-9A77-884F95215A8F}" type="datetimeFigureOut">
               <a:rPr lang="ko-KR" altLang="en-US" smtClean="0"/>
-              <a:t>2021-09-07</a:t>
+              <a:t>2021-09-08</a:t>
             </a:fld>
             <a:endParaRPr lang="ko-KR" altLang="en-US"/>
           </a:p>
@@ -1260,7 +1259,7 @@
           <a:p>
             <a:fld id="{133C0493-C6ED-4B14-9A77-884F95215A8F}" type="datetimeFigureOut">
               <a:rPr lang="ko-KR" altLang="en-US" smtClean="0"/>
-              <a:t>2021-09-07</a:t>
+              <a:t>2021-09-08</a:t>
             </a:fld>
             <a:endParaRPr lang="ko-KR" altLang="en-US"/>
           </a:p>
@@ -1627,7 +1626,7 @@
           <a:p>
             <a:fld id="{133C0493-C6ED-4B14-9A77-884F95215A8F}" type="datetimeFigureOut">
               <a:rPr lang="ko-KR" altLang="en-US" smtClean="0"/>
-              <a:t>2021-09-07</a:t>
+              <a:t>2021-09-08</a:t>
             </a:fld>
             <a:endParaRPr lang="ko-KR" altLang="en-US"/>
           </a:p>
@@ -1745,7 +1744,7 @@
           <a:p>
             <a:fld id="{133C0493-C6ED-4B14-9A77-884F95215A8F}" type="datetimeFigureOut">
               <a:rPr lang="ko-KR" altLang="en-US" smtClean="0"/>
-              <a:t>2021-09-07</a:t>
+              <a:t>2021-09-08</a:t>
             </a:fld>
             <a:endParaRPr lang="ko-KR" altLang="en-US"/>
           </a:p>
@@ -1840,7 +1839,7 @@
           <a:p>
             <a:fld id="{133C0493-C6ED-4B14-9A77-884F95215A8F}" type="datetimeFigureOut">
               <a:rPr lang="ko-KR" altLang="en-US" smtClean="0"/>
-              <a:t>2021-09-07</a:t>
+              <a:t>2021-09-08</a:t>
             </a:fld>
             <a:endParaRPr lang="ko-KR" altLang="en-US"/>
           </a:p>
@@ -2117,7 +2116,7 @@
           <a:p>
             <a:fld id="{133C0493-C6ED-4B14-9A77-884F95215A8F}" type="datetimeFigureOut">
               <a:rPr lang="ko-KR" altLang="en-US" smtClean="0"/>
-              <a:t>2021-09-07</a:t>
+              <a:t>2021-09-08</a:t>
             </a:fld>
             <a:endParaRPr lang="ko-KR" altLang="en-US"/>
           </a:p>
@@ -2370,7 +2369,7 @@
           <a:p>
             <a:fld id="{133C0493-C6ED-4B14-9A77-884F95215A8F}" type="datetimeFigureOut">
               <a:rPr lang="ko-KR" altLang="en-US" smtClean="0"/>
-              <a:t>2021-09-07</a:t>
+              <a:t>2021-09-08</a:t>
             </a:fld>
             <a:endParaRPr lang="ko-KR" altLang="en-US"/>
           </a:p>
@@ -2583,7 +2582,7 @@
           <a:p>
             <a:fld id="{133C0493-C6ED-4B14-9A77-884F95215A8F}" type="datetimeFigureOut">
               <a:rPr lang="ko-KR" altLang="en-US" smtClean="0"/>
-              <a:t>2021-09-07</a:t>
+              <a:t>2021-09-08</a:t>
             </a:fld>
             <a:endParaRPr lang="ko-KR" altLang="en-US"/>
           </a:p>
@@ -2990,227 +2989,14 @@
       </p:grpSpPr>
       <p:sp>
         <p:nvSpPr>
-          <p:cNvPr id="4" name="직사각형 3"/>
-          <p:cNvSpPr/>
-          <p:nvPr/>
-        </p:nvSpPr>
-        <p:spPr>
-          <a:xfrm>
-            <a:off x="2627870" y="296563"/>
-            <a:ext cx="1589903" cy="3402227"/>
-          </a:xfrm>
-          <a:prstGeom prst="rect">
-            <a:avLst/>
-          </a:prstGeom>
-        </p:spPr>
-        <p:style>
-          <a:lnRef idx="2">
-            <a:schemeClr val="accent1">
-              <a:shade val="50000"/>
-            </a:schemeClr>
-          </a:lnRef>
-          <a:fillRef idx="1">
-            <a:schemeClr val="accent1"/>
-          </a:fillRef>
-          <a:effectRef idx="0">
-            <a:schemeClr val="accent1"/>
-          </a:effectRef>
-          <a:fontRef idx="minor">
-            <a:schemeClr val="lt1"/>
-          </a:fontRef>
-        </p:style>
-        <p:txBody>
-          <a:bodyPr rtlCol="0" anchor="ctr"/>
-          <a:lstStyle/>
-          <a:p>
-            <a:pPr algn="ctr"/>
-            <a:r>
-              <a:rPr lang="ko-KR" altLang="en-US" sz="1200" smtClean="0"/>
-              <a:t>사전학습된</a:t>
-            </a:r>
-            <a:endParaRPr lang="en-US" altLang="ko-KR" sz="1200" smtClean="0"/>
-          </a:p>
-          <a:p>
-            <a:pPr algn="ctr"/>
-            <a:r>
-              <a:rPr lang="en-US" altLang="ko-KR" sz="1200" smtClean="0"/>
-              <a:t>BERT</a:t>
-            </a:r>
-            <a:endParaRPr lang="ko-KR" altLang="en-US" sz="1200"/>
-          </a:p>
-        </p:txBody>
-      </p:sp>
-      <p:sp>
-        <p:nvSpPr>
-          <p:cNvPr id="5" name="직사각형 4"/>
-          <p:cNvSpPr/>
-          <p:nvPr/>
-        </p:nvSpPr>
-        <p:spPr>
-          <a:xfrm>
-            <a:off x="2627869" y="3723502"/>
-            <a:ext cx="1589903" cy="749642"/>
-          </a:xfrm>
-          <a:prstGeom prst="rect">
-            <a:avLst/>
-          </a:prstGeom>
-        </p:spPr>
-        <p:style>
-          <a:lnRef idx="2">
-            <a:schemeClr val="accent4">
-              <a:shade val="50000"/>
-            </a:schemeClr>
-          </a:lnRef>
-          <a:fillRef idx="1">
-            <a:schemeClr val="accent4"/>
-          </a:fillRef>
-          <a:effectRef idx="0">
-            <a:schemeClr val="accent4"/>
-          </a:effectRef>
-          <a:fontRef idx="minor">
-            <a:schemeClr val="lt1"/>
-          </a:fontRef>
-        </p:style>
-        <p:txBody>
-          <a:bodyPr rtlCol="0" anchor="ctr"/>
-          <a:lstStyle/>
-          <a:p>
-            <a:pPr algn="ctr"/>
-            <a:r>
-              <a:rPr lang="ko-KR" altLang="en-US" sz="1200" smtClean="0"/>
-              <a:t>홍길동 대리의</a:t>
-            </a:r>
-            <a:endParaRPr lang="en-US" altLang="ko-KR" sz="1200" smtClean="0"/>
-          </a:p>
-          <a:p>
-            <a:pPr algn="ctr"/>
-            <a:r>
-              <a:rPr lang="ko-KR" altLang="en-US" sz="1200" smtClean="0"/>
-              <a:t>텍스트 분류 레이어</a:t>
-            </a:r>
-            <a:endParaRPr lang="ko-KR" altLang="en-US" sz="1200"/>
-          </a:p>
-        </p:txBody>
-      </p:sp>
-      <p:sp>
-        <p:nvSpPr>
-          <p:cNvPr id="6" name="직사각형 5"/>
-          <p:cNvSpPr/>
-          <p:nvPr/>
-        </p:nvSpPr>
-        <p:spPr>
-          <a:xfrm>
-            <a:off x="6326659" y="296563"/>
-            <a:ext cx="1589903" cy="3402227"/>
-          </a:xfrm>
-          <a:prstGeom prst="rect">
-            <a:avLst/>
-          </a:prstGeom>
-        </p:spPr>
-        <p:style>
-          <a:lnRef idx="2">
-            <a:schemeClr val="accent1">
-              <a:shade val="50000"/>
-            </a:schemeClr>
-          </a:lnRef>
-          <a:fillRef idx="1">
-            <a:schemeClr val="accent1"/>
-          </a:fillRef>
-          <a:effectRef idx="0">
-            <a:schemeClr val="accent1"/>
-          </a:effectRef>
-          <a:fontRef idx="minor">
-            <a:schemeClr val="lt1"/>
-          </a:fontRef>
-        </p:style>
-        <p:txBody>
-          <a:bodyPr rtlCol="0" anchor="ctr"/>
-          <a:lstStyle/>
-          <a:p>
-            <a:pPr algn="ctr"/>
-            <a:r>
-              <a:rPr lang="ko-KR" altLang="en-US" sz="1200" smtClean="0"/>
-              <a:t>사전학습된</a:t>
-            </a:r>
-            <a:endParaRPr lang="en-US" altLang="ko-KR" sz="1200" smtClean="0"/>
-          </a:p>
-          <a:p>
-            <a:pPr algn="ctr"/>
-            <a:r>
-              <a:rPr lang="en-US" altLang="ko-KR" sz="1200" smtClean="0"/>
-              <a:t>BERT</a:t>
-            </a:r>
-            <a:endParaRPr lang="ko-KR" altLang="en-US" sz="1200"/>
-          </a:p>
-        </p:txBody>
-      </p:sp>
-      <p:sp>
-        <p:nvSpPr>
-          <p:cNvPr id="7" name="직사각형 6"/>
-          <p:cNvSpPr/>
-          <p:nvPr/>
-        </p:nvSpPr>
-        <p:spPr>
-          <a:xfrm>
-            <a:off x="6326658" y="3723502"/>
-            <a:ext cx="1589903" cy="749642"/>
-          </a:xfrm>
-          <a:prstGeom prst="rect">
-            <a:avLst/>
-          </a:prstGeom>
-          <a:solidFill>
-            <a:schemeClr val="accent6">
-              <a:lumMod val="75000"/>
-            </a:schemeClr>
-          </a:solidFill>
-        </p:spPr>
-        <p:style>
-          <a:lnRef idx="2">
-            <a:schemeClr val="accent4">
-              <a:shade val="50000"/>
-            </a:schemeClr>
-          </a:lnRef>
-          <a:fillRef idx="1">
-            <a:schemeClr val="accent4"/>
-          </a:fillRef>
-          <a:effectRef idx="0">
-            <a:schemeClr val="accent4"/>
-          </a:effectRef>
-          <a:fontRef idx="minor">
-            <a:schemeClr val="lt1"/>
-          </a:fontRef>
-        </p:style>
-        <p:txBody>
-          <a:bodyPr rtlCol="0" anchor="ctr"/>
-          <a:lstStyle/>
-          <a:p>
-            <a:pPr algn="ctr"/>
-            <a:r>
-              <a:rPr lang="ko-KR" altLang="en-US" sz="1200" smtClean="0"/>
-              <a:t>둘리 사원의</a:t>
-            </a:r>
-            <a:endParaRPr lang="en-US" altLang="ko-KR" sz="1200" smtClean="0"/>
-          </a:p>
-          <a:p>
-            <a:pPr algn="ctr"/>
-            <a:r>
-              <a:rPr lang="ko-KR" altLang="en-US" sz="1200" smtClean="0"/>
-              <a:t>질의응답 레이어</a:t>
-            </a:r>
-            <a:endParaRPr lang="ko-KR" altLang="en-US" sz="1200"/>
-          </a:p>
-        </p:txBody>
-      </p:sp>
-      <p:sp>
-        <p:nvSpPr>
-          <p:cNvPr id="8" name="TextBox 7"/>
+          <p:cNvPr id="10" name="TextBox 9"/>
           <p:cNvSpPr txBox="1"/>
           <p:nvPr/>
         </p:nvSpPr>
         <p:spPr>
           <a:xfrm>
-            <a:off x="2545657" y="4975654"/>
-            <a:ext cx="3586751" cy="461665"/>
+            <a:off x="59177" y="84986"/>
+            <a:ext cx="577402" cy="276999"/>
           </a:xfrm>
           <a:prstGeom prst="rect">
             <a:avLst/>
@@ -3224,141 +3010,6 @@
           <a:lstStyle/>
           <a:p>
             <a:r>
-              <a:rPr lang="en-US" altLang="ko-KR" sz="1200" smtClean="0"/>
-              <a:t>Text: </a:t>
-            </a:r>
-            <a:r>
-              <a:rPr lang="ko-KR" altLang="en-US" sz="1200" smtClean="0"/>
-              <a:t>정말 이렇게 마음을 울리는 영화는 처음이야</a:t>
-            </a:r>
-            <a:endParaRPr lang="en-US" altLang="ko-KR" sz="1200" smtClean="0"/>
-          </a:p>
-          <a:p>
-            <a:r>
-              <a:rPr lang="en-US" altLang="ko-KR" sz="1200" smtClean="0"/>
-              <a:t>Label: </a:t>
-            </a:r>
-            <a:r>
-              <a:rPr lang="ko-KR" altLang="en-US" sz="1200" smtClean="0"/>
-              <a:t>감동</a:t>
-            </a:r>
-            <a:r>
-              <a:rPr lang="en-US" altLang="ko-KR" sz="1200" smtClean="0"/>
-              <a:t>(1)</a:t>
-            </a:r>
-            <a:endParaRPr lang="ko-KR" altLang="en-US" sz="1200"/>
-          </a:p>
-        </p:txBody>
-      </p:sp>
-      <p:sp>
-        <p:nvSpPr>
-          <p:cNvPr id="9" name="TextBox 8"/>
-          <p:cNvSpPr txBox="1"/>
-          <p:nvPr/>
-        </p:nvSpPr>
-        <p:spPr>
-          <a:xfrm>
-            <a:off x="6211494" y="4975654"/>
-            <a:ext cx="5614037" cy="1384995"/>
-          </a:xfrm>
-          <a:prstGeom prst="rect">
-            <a:avLst/>
-          </a:prstGeom>
-          <a:noFill/>
-        </p:spPr>
-        <p:txBody>
-          <a:bodyPr wrap="none" rtlCol="0">
-            <a:spAutoFit/>
-          </a:bodyPr>
-          <a:lstStyle/>
-          <a:p>
-            <a:r>
-              <a:rPr lang="en-US" altLang="ko-KR" sz="1200" smtClean="0"/>
-              <a:t>Text:</a:t>
-            </a:r>
-          </a:p>
-          <a:p>
-            <a:r>
-              <a:rPr lang="ko-KR" altLang="en-US" sz="1200" smtClean="0"/>
-              <a:t>정부는 언택트 시대를 맞아 새로 발전하는 산업에 투자를 하기로 결정했다</a:t>
-            </a:r>
-            <a:r>
-              <a:rPr lang="en-US" altLang="ko-KR" sz="1200" smtClean="0"/>
-              <a:t>.</a:t>
-            </a:r>
-          </a:p>
-          <a:p>
-            <a:r>
-              <a:rPr lang="ko-KR" altLang="en-US" sz="1200" smtClean="0"/>
-              <a:t>투자하기로 한 사업으로는 빅데이터와 헬스케어가 주로 거론되고 있다</a:t>
-            </a:r>
-            <a:r>
-              <a:rPr lang="en-US" altLang="ko-KR" sz="1200" smtClean="0"/>
-              <a:t>. </a:t>
-            </a:r>
-            <a:r>
-              <a:rPr lang="ko-KR" altLang="en-US" sz="1200" smtClean="0"/>
-              <a:t>또한 </a:t>
-            </a:r>
-            <a:r>
-              <a:rPr lang="en-US" altLang="ko-KR" sz="1200" smtClean="0"/>
-              <a:t>....</a:t>
-            </a:r>
-          </a:p>
-          <a:p>
-            <a:r>
-              <a:rPr lang="en-US" altLang="ko-KR" sz="1200" smtClean="0"/>
-              <a:t>Question:</a:t>
-            </a:r>
-          </a:p>
-          <a:p>
-            <a:r>
-              <a:rPr lang="ko-KR" altLang="en-US" sz="1200" smtClean="0"/>
-              <a:t>정부가 투자하기로 한 사업은 무엇인가</a:t>
-            </a:r>
-            <a:r>
-              <a:rPr lang="en-US" altLang="ko-KR" sz="1200" smtClean="0"/>
-              <a:t>?</a:t>
-            </a:r>
-          </a:p>
-          <a:p>
-            <a:r>
-              <a:rPr lang="en-US" altLang="ko-KR" sz="1200" smtClean="0"/>
-              <a:t>Label:</a:t>
-            </a:r>
-          </a:p>
-          <a:p>
-            <a:r>
-              <a:rPr lang="ko-KR" altLang="en-US" sz="1200" smtClean="0"/>
-              <a:t>빅데이터와 헬스케어</a:t>
-            </a:r>
-            <a:endParaRPr lang="ko-KR" altLang="en-US" sz="1200"/>
-          </a:p>
-        </p:txBody>
-      </p:sp>
-      <p:sp>
-        <p:nvSpPr>
-          <p:cNvPr id="10" name="TextBox 9"/>
-          <p:cNvSpPr txBox="1"/>
-          <p:nvPr/>
-        </p:nvSpPr>
-        <p:spPr>
-          <a:xfrm>
-            <a:off x="59177" y="84986"/>
-            <a:ext cx="577402" cy="276999"/>
-          </a:xfrm>
-          <a:prstGeom prst="rect">
-            <a:avLst/>
-          </a:prstGeom>
-          <a:noFill/>
-        </p:spPr>
-        <p:txBody>
-          <a:bodyPr wrap="none" rtlCol="0">
-            <a:spAutoFit/>
-          </a:bodyPr>
-          <a:lstStyle/>
-          <a:p>
-            <a:r>
               <a:rPr lang="ko-KR" altLang="en-US" sz="1200" smtClean="0"/>
               <a:t>그림</a:t>
             </a:r>
@@ -3370,6 +3021,30 @@
           </a:p>
         </p:txBody>
       </p:sp>
+      <p:pic>
+        <p:nvPicPr>
+          <p:cNvPr id="2" name="그림 1"/>
+          <p:cNvPicPr>
+            <a:picLocks noChangeAspect="1"/>
+          </p:cNvPicPr>
+          <p:nvPr/>
+        </p:nvPicPr>
+        <p:blipFill>
+          <a:blip r:embed="rId2"/>
+          <a:stretch>
+            <a:fillRect/>
+          </a:stretch>
+        </p:blipFill>
+        <p:spPr>
+          <a:xfrm>
+            <a:off x="1188138" y="223485"/>
+            <a:ext cx="1952625" cy="2390775"/>
+          </a:xfrm>
+          <a:prstGeom prst="rect">
+            <a:avLst/>
+          </a:prstGeom>
+        </p:spPr>
+      </p:pic>
     </p:spTree>
     <p:extLst>
       <p:ext uri="{BB962C8B-B14F-4D97-AF65-F5344CB8AC3E}">
@@ -3735,9 +3410,43 @@
           <a:chExt cx="0" cy="0"/>
         </a:xfrm>
       </p:grpSpPr>
+      <p:sp>
+        <p:nvSpPr>
+          <p:cNvPr id="6" name="TextBox 5"/>
+          <p:cNvSpPr txBox="1"/>
+          <p:nvPr/>
+        </p:nvSpPr>
+        <p:spPr>
+          <a:xfrm>
+            <a:off x="59177" y="84986"/>
+            <a:ext cx="662361" cy="276999"/>
+          </a:xfrm>
+          <a:prstGeom prst="rect">
+            <a:avLst/>
+          </a:prstGeom>
+          <a:noFill/>
+        </p:spPr>
+        <p:txBody>
+          <a:bodyPr wrap="none" rtlCol="0">
+            <a:spAutoFit/>
+          </a:bodyPr>
+          <a:lstStyle/>
+          <a:p>
+            <a:r>
+              <a:rPr lang="ko-KR" altLang="en-US" sz="1200" smtClean="0"/>
+              <a:t>그림</a:t>
+            </a:r>
+            <a:r>
+              <a:rPr lang="en-US" altLang="ko-KR" sz="1200" smtClean="0"/>
+              <a:t>13</a:t>
+            </a:r>
+            <a:endParaRPr lang="ko-KR" altLang="en-US" sz="1200"/>
+          </a:p>
+        </p:txBody>
+      </p:sp>
       <p:pic>
         <p:nvPicPr>
-          <p:cNvPr id="3" name="그림 2"/>
+          <p:cNvPr id="2" name="그림 1"/>
           <p:cNvPicPr>
             <a:picLocks noChangeAspect="1"/>
           </p:cNvPicPr>
@@ -3751,106 +3460,18 @@
         </p:blipFill>
         <p:spPr>
           <a:xfrm>
-            <a:off x="3364771" y="-278341"/>
-            <a:ext cx="5260246" cy="4148324"/>
+            <a:off x="947093" y="735356"/>
+            <a:ext cx="3295650" cy="2619375"/>
           </a:xfrm>
           <a:prstGeom prst="rect">
             <a:avLst/>
           </a:prstGeom>
         </p:spPr>
       </p:pic>
-      <p:pic>
-        <p:nvPicPr>
-          <p:cNvPr id="4" name="그림 3"/>
-          <p:cNvPicPr>
-            <a:picLocks noChangeAspect="1"/>
-          </p:cNvPicPr>
-          <p:nvPr/>
-        </p:nvPicPr>
-        <p:blipFill>
-          <a:blip r:embed="rId3"/>
-          <a:stretch>
-            <a:fillRect/>
-          </a:stretch>
-        </p:blipFill>
-        <p:spPr>
-          <a:xfrm>
-            <a:off x="3447148" y="4531517"/>
-            <a:ext cx="5405651" cy="2326483"/>
-          </a:xfrm>
-          <a:prstGeom prst="rect">
-            <a:avLst/>
-          </a:prstGeom>
-        </p:spPr>
-      </p:pic>
-      <p:sp>
-        <p:nvSpPr>
-          <p:cNvPr id="5" name="TextBox 4"/>
-          <p:cNvSpPr txBox="1"/>
-          <p:nvPr/>
-        </p:nvSpPr>
-        <p:spPr>
-          <a:xfrm>
-            <a:off x="6083553" y="3933703"/>
-            <a:ext cx="377428" cy="461665"/>
-          </a:xfrm>
-          <a:prstGeom prst="rect">
-            <a:avLst/>
-          </a:prstGeom>
-          <a:noFill/>
-        </p:spPr>
-        <p:txBody>
-          <a:bodyPr wrap="square" rtlCol="0">
-            <a:spAutoFit/>
-          </a:bodyPr>
-          <a:lstStyle/>
-          <a:p>
-            <a:r>
-              <a:rPr lang="en-US" altLang="ko-KR" sz="1200" smtClean="0"/>
-              <a:t>.......</a:t>
-            </a:r>
-            <a:endParaRPr lang="ko-KR" altLang="en-US" sz="1200"/>
-          </a:p>
-        </p:txBody>
-      </p:sp>
-      <p:sp>
-        <p:nvSpPr>
-          <p:cNvPr id="6" name="TextBox 5"/>
-          <p:cNvSpPr txBox="1"/>
-          <p:nvPr/>
-        </p:nvSpPr>
-        <p:spPr>
-          <a:xfrm>
-            <a:off x="59177" y="84986"/>
-            <a:ext cx="577402" cy="276999"/>
-          </a:xfrm>
-          <a:prstGeom prst="rect">
-            <a:avLst/>
-          </a:prstGeom>
-          <a:noFill/>
-        </p:spPr>
-        <p:txBody>
-          <a:bodyPr wrap="none" rtlCol="0">
-            <a:spAutoFit/>
-          </a:bodyPr>
-          <a:lstStyle/>
-          <a:p>
-            <a:r>
-              <a:rPr lang="ko-KR" altLang="en-US" sz="1200" smtClean="0"/>
-              <a:t>그림</a:t>
-            </a:r>
-            <a:r>
-              <a:rPr lang="en-US" altLang="ko-KR" sz="1200"/>
-              <a:t>3</a:t>
-            </a:r>
-            <a:endParaRPr lang="ko-KR" altLang="en-US" sz="1200"/>
-          </a:p>
-        </p:txBody>
-      </p:sp>
     </p:spTree>
     <p:extLst>
       <p:ext uri="{BB962C8B-B14F-4D97-AF65-F5344CB8AC3E}">
-        <p14:creationId xmlns:p14="http://schemas.microsoft.com/office/powerpoint/2010/main" val="1633500803"/>
+        <p14:creationId xmlns:p14="http://schemas.microsoft.com/office/powerpoint/2010/main" val="197918181"/>
       </p:ext>
     </p:extLst>
   </p:cSld>
@@ -3886,7 +3507,7 @@
         <p:spPr>
           <a:xfrm>
             <a:off x="59177" y="84986"/>
-            <a:ext cx="662361" cy="276999"/>
+            <a:ext cx="577402" cy="276999"/>
           </a:xfrm>
           <a:prstGeom prst="rect">
             <a:avLst/>
@@ -3905,627 +3526,53 @@
             </a:r>
             <a:r>
               <a:rPr lang="en-US" altLang="ko-KR" sz="1200" smtClean="0"/>
-              <a:t>16</a:t>
-            </a:r>
-            <a:endParaRPr lang="ko-KR" altLang="en-US" sz="1200"/>
-          </a:p>
-        </p:txBody>
-      </p:sp>
-      <p:sp>
-        <p:nvSpPr>
-          <p:cNvPr id="2" name="직사각형 1"/>
-          <p:cNvSpPr/>
-          <p:nvPr/>
-        </p:nvSpPr>
-        <p:spPr>
-          <a:xfrm>
-            <a:off x="1968843" y="452732"/>
-            <a:ext cx="6096000" cy="2862322"/>
+              <a:t>8</a:t>
+            </a:r>
+            <a:endParaRPr lang="ko-KR" altLang="en-US" sz="1200"/>
+          </a:p>
+        </p:txBody>
+      </p:sp>
+      <p:pic>
+        <p:nvPicPr>
+          <p:cNvPr id="2" name="그림 1"/>
+          <p:cNvPicPr>
+            <a:picLocks noChangeAspect="1"/>
+          </p:cNvPicPr>
+          <p:nvPr/>
+        </p:nvPicPr>
+        <p:blipFill>
+          <a:blip r:embed="rId2"/>
+          <a:stretch>
+            <a:fillRect/>
+          </a:stretch>
+        </p:blipFill>
+        <p:spPr>
+          <a:xfrm>
+            <a:off x="636579" y="635986"/>
+            <a:ext cx="6610350" cy="3724275"/>
           </a:xfrm>
           <a:prstGeom prst="rect">
             <a:avLst/>
           </a:prstGeom>
         </p:spPr>
-        <p:txBody>
-          <a:bodyPr>
-            <a:spAutoFit/>
-          </a:bodyPr>
-          <a:lstStyle/>
-          <a:p>
-            <a:r>
-              <a:rPr lang="ko-KR" altLang="en-US" smtClean="0"/>
-              <a:t>예시문</a:t>
-            </a:r>
-            <a:r>
-              <a:rPr lang="en-US" altLang="ko-KR" smtClean="0"/>
-              <a:t>:</a:t>
-            </a:r>
-          </a:p>
-          <a:p>
-            <a:r>
-              <a:rPr lang="en-US" altLang="ko-KR" smtClean="0"/>
-              <a:t>DOC1: </a:t>
-            </a:r>
-            <a:r>
-              <a:rPr lang="ko-KR" altLang="en-US" smtClean="0"/>
-              <a:t>아침에 </a:t>
-            </a:r>
-            <a:r>
-              <a:rPr lang="ko-KR" altLang="en-US"/>
-              <a:t>일어났다</a:t>
-            </a:r>
-            <a:r>
-              <a:rPr lang="en-US" altLang="ko-KR"/>
-              <a:t>. </a:t>
-            </a:r>
-            <a:r>
-              <a:rPr lang="ko-KR" altLang="en-US"/>
-              <a:t>이상하게 배가 아팠다</a:t>
-            </a:r>
-            <a:r>
-              <a:rPr lang="en-US" altLang="ko-KR"/>
-              <a:t>. </a:t>
-            </a:r>
-            <a:r>
-              <a:rPr lang="ko-KR" altLang="en-US"/>
-              <a:t>그래서 병원에 갔다</a:t>
-            </a:r>
-            <a:r>
-              <a:rPr lang="en-US" altLang="ko-KR" smtClean="0"/>
-              <a:t>. </a:t>
-            </a:r>
-            <a:r>
-              <a:rPr lang="ko-KR" altLang="en-US" smtClean="0"/>
-              <a:t>병원은 너무 멀었다</a:t>
-            </a:r>
-            <a:r>
-              <a:rPr lang="en-US" altLang="ko-KR" smtClean="0"/>
-              <a:t>. </a:t>
-            </a:r>
-            <a:r>
-              <a:rPr lang="ko-KR" altLang="en-US" smtClean="0"/>
-              <a:t>차로 한참을 가다가 나는 잠이 들고 말았다</a:t>
-            </a:r>
-            <a:r>
-              <a:rPr lang="en-US" altLang="ko-KR" smtClean="0"/>
-              <a:t>.</a:t>
-            </a:r>
-          </a:p>
-          <a:p>
-            <a:endParaRPr lang="en-US" altLang="ko-KR"/>
-          </a:p>
-          <a:p>
-            <a:r>
-              <a:rPr lang="en-US" altLang="ko-KR" smtClean="0"/>
-              <a:t>DOC2: </a:t>
-            </a:r>
-            <a:r>
-              <a:rPr lang="ko-KR" altLang="en-US" smtClean="0"/>
-              <a:t>오늘은 왠지 술을 한 잔 하고 싶다</a:t>
-            </a:r>
-            <a:r>
-              <a:rPr lang="en-US" altLang="ko-KR" smtClean="0"/>
-              <a:t>. </a:t>
-            </a:r>
-            <a:r>
-              <a:rPr lang="ko-KR" altLang="en-US" smtClean="0"/>
-              <a:t>비도 오고 일도 잘 안된다</a:t>
-            </a:r>
-            <a:r>
-              <a:rPr lang="en-US" altLang="ko-KR" smtClean="0"/>
-              <a:t>. </a:t>
-            </a:r>
-            <a:r>
-              <a:rPr lang="ko-KR" altLang="en-US" smtClean="0"/>
-              <a:t>왠지 모르게 다 내려놓고 놀고 싶은 날이다</a:t>
-            </a:r>
-            <a:r>
-              <a:rPr lang="en-US" altLang="ko-KR" smtClean="0"/>
-              <a:t>.</a:t>
-            </a:r>
-          </a:p>
-          <a:p>
-            <a:endParaRPr lang="en-US" altLang="ko-KR"/>
-          </a:p>
-          <a:p>
-            <a:r>
-              <a:rPr lang="en-US" altLang="ko-KR" smtClean="0"/>
-              <a:t>DOC3: </a:t>
-            </a:r>
-            <a:r>
-              <a:rPr lang="ko-KR" altLang="en-US" smtClean="0"/>
-              <a:t>우와 엄마가 선물 줬다</a:t>
-            </a:r>
-            <a:r>
-              <a:rPr lang="en-US" altLang="ko-KR" smtClean="0"/>
-              <a:t>. </a:t>
-            </a:r>
-            <a:r>
-              <a:rPr lang="ko-KR" altLang="en-US" smtClean="0"/>
-              <a:t>태권</a:t>
-            </a:r>
-            <a:r>
-              <a:rPr lang="en-US" altLang="ko-KR" smtClean="0"/>
-              <a:t>V </a:t>
-            </a:r>
-            <a:r>
-              <a:rPr lang="ko-KR" altLang="en-US" smtClean="0"/>
-              <a:t>장난감이다</a:t>
-            </a:r>
-            <a:r>
-              <a:rPr lang="en-US" altLang="ko-KR" smtClean="0"/>
-              <a:t>. </a:t>
-            </a:r>
-            <a:r>
-              <a:rPr lang="ko-KR" altLang="en-US" smtClean="0"/>
-              <a:t>내가 제일 갖고 싶었던 장난감인데</a:t>
-            </a:r>
-            <a:endParaRPr lang="ko-KR" altLang="en-US"/>
-          </a:p>
-        </p:txBody>
-      </p:sp>
-      <p:sp>
-        <p:nvSpPr>
-          <p:cNvPr id="3" name="직사각형 2"/>
-          <p:cNvSpPr/>
-          <p:nvPr/>
-        </p:nvSpPr>
-        <p:spPr>
-          <a:xfrm>
-            <a:off x="216359" y="3352887"/>
-            <a:ext cx="10956846" cy="646331"/>
-          </a:xfrm>
-          <a:prstGeom prst="rect">
-            <a:avLst/>
-          </a:prstGeom>
-        </p:spPr>
-        <p:txBody>
-          <a:bodyPr wrap="none">
-            <a:spAutoFit/>
-          </a:bodyPr>
-          <a:lstStyle/>
-          <a:p>
-            <a:r>
-              <a:rPr lang="en-US" altLang="ko-KR" smtClean="0"/>
-              <a:t># </a:t>
-            </a:r>
-            <a:r>
-              <a:rPr lang="ko-KR" altLang="en-US" smtClean="0"/>
-              <a:t>SEGMENT-PAIR+NSP</a:t>
-            </a:r>
-            <a:endParaRPr lang="en-US" altLang="ko-KR" smtClean="0"/>
-          </a:p>
-          <a:p>
-            <a:r>
-              <a:rPr lang="en-US" altLang="ko-KR" smtClean="0"/>
-              <a:t>-&gt;</a:t>
-            </a:r>
-            <a:r>
-              <a:rPr lang="en-US" altLang="ko-KR" smtClean="0">
-                <a:solidFill>
-                  <a:srgbClr val="FF0000"/>
-                </a:solidFill>
-              </a:rPr>
-              <a:t> </a:t>
-            </a:r>
-            <a:r>
-              <a:rPr lang="ko-KR" altLang="en-US" smtClean="0">
-                <a:solidFill>
-                  <a:srgbClr val="FF0000"/>
-                </a:solidFill>
-              </a:rPr>
-              <a:t>아침에 </a:t>
-            </a:r>
-            <a:r>
-              <a:rPr lang="ko-KR" altLang="en-US">
-                <a:solidFill>
-                  <a:srgbClr val="FF0000"/>
-                </a:solidFill>
-              </a:rPr>
-              <a:t>일어났다</a:t>
-            </a:r>
-            <a:r>
-              <a:rPr lang="en-US" altLang="ko-KR">
-                <a:solidFill>
-                  <a:srgbClr val="FF0000"/>
-                </a:solidFill>
-              </a:rPr>
-              <a:t>. </a:t>
-            </a:r>
-            <a:r>
-              <a:rPr lang="ko-KR" altLang="en-US">
-                <a:solidFill>
-                  <a:srgbClr val="FF0000"/>
-                </a:solidFill>
-              </a:rPr>
-              <a:t>이상하게 배가 아팠다</a:t>
-            </a:r>
-            <a:r>
-              <a:rPr lang="en-US" altLang="ko-KR" smtClean="0">
-                <a:solidFill>
-                  <a:srgbClr val="FF0000"/>
-                </a:solidFill>
-              </a:rPr>
-              <a:t>. </a:t>
-            </a:r>
-            <a:r>
-              <a:rPr lang="ko-KR" altLang="en-US">
-                <a:solidFill>
-                  <a:srgbClr val="0070C0"/>
-                </a:solidFill>
-              </a:rPr>
-              <a:t>오늘은 왠지 술을 한 잔 하고 싶다</a:t>
-            </a:r>
-            <a:r>
-              <a:rPr lang="en-US" altLang="ko-KR">
-                <a:solidFill>
-                  <a:srgbClr val="0070C0"/>
-                </a:solidFill>
-              </a:rPr>
-              <a:t>. </a:t>
-            </a:r>
-            <a:r>
-              <a:rPr lang="ko-KR" altLang="en-US">
-                <a:solidFill>
-                  <a:srgbClr val="0070C0"/>
-                </a:solidFill>
-              </a:rPr>
-              <a:t>비도 오고 일도 잘 안된다</a:t>
-            </a:r>
-            <a:r>
-              <a:rPr lang="en-US" altLang="ko-KR" smtClean="0">
-                <a:solidFill>
-                  <a:srgbClr val="0070C0"/>
-                </a:solidFill>
-              </a:rPr>
-              <a:t>.</a:t>
-            </a:r>
-            <a:endParaRPr lang="ko-KR" altLang="en-US">
-              <a:solidFill>
-                <a:srgbClr val="0070C0"/>
-              </a:solidFill>
-            </a:endParaRPr>
-          </a:p>
-        </p:txBody>
-      </p:sp>
-      <p:sp>
-        <p:nvSpPr>
-          <p:cNvPr id="7" name="직사각형 6"/>
-          <p:cNvSpPr/>
-          <p:nvPr/>
-        </p:nvSpPr>
-        <p:spPr>
-          <a:xfrm>
-            <a:off x="216359" y="4053718"/>
-            <a:ext cx="4727576" cy="646331"/>
-          </a:xfrm>
-          <a:prstGeom prst="rect">
-            <a:avLst/>
-          </a:prstGeom>
-        </p:spPr>
-        <p:txBody>
-          <a:bodyPr wrap="none">
-            <a:spAutoFit/>
-          </a:bodyPr>
-          <a:lstStyle/>
-          <a:p>
-            <a:r>
-              <a:rPr lang="en-US" altLang="ko-KR" smtClean="0"/>
-              <a:t># SENTENCE</a:t>
-            </a:r>
-            <a:r>
-              <a:rPr lang="ko-KR" altLang="en-US" smtClean="0"/>
-              <a:t>-PAIR+NSP</a:t>
-            </a:r>
-            <a:endParaRPr lang="en-US" altLang="ko-KR" smtClean="0"/>
-          </a:p>
-          <a:p>
-            <a:r>
-              <a:rPr lang="en-US" altLang="ko-KR" smtClean="0"/>
-              <a:t>-&gt;</a:t>
-            </a:r>
-            <a:r>
-              <a:rPr lang="en-US" altLang="ko-KR" smtClean="0">
-                <a:solidFill>
-                  <a:srgbClr val="FF0000"/>
-                </a:solidFill>
-              </a:rPr>
-              <a:t> </a:t>
-            </a:r>
-            <a:r>
-              <a:rPr lang="ko-KR" altLang="en-US" smtClean="0">
-                <a:solidFill>
-                  <a:srgbClr val="FF0000"/>
-                </a:solidFill>
-              </a:rPr>
-              <a:t>아침에 </a:t>
-            </a:r>
-            <a:r>
-              <a:rPr lang="ko-KR" altLang="en-US">
-                <a:solidFill>
-                  <a:srgbClr val="FF0000"/>
-                </a:solidFill>
-              </a:rPr>
-              <a:t>일어났다</a:t>
-            </a:r>
-            <a:r>
-              <a:rPr lang="en-US" altLang="ko-KR">
-                <a:solidFill>
-                  <a:srgbClr val="FF0000"/>
-                </a:solidFill>
-              </a:rPr>
-              <a:t>. </a:t>
-            </a:r>
-            <a:r>
-              <a:rPr lang="ko-KR" altLang="en-US">
-                <a:solidFill>
-                  <a:srgbClr val="0070C0"/>
-                </a:solidFill>
-              </a:rPr>
-              <a:t>이상하게 배가 아팠다</a:t>
-            </a:r>
-            <a:r>
-              <a:rPr lang="en-US" altLang="ko-KR" smtClean="0">
-                <a:solidFill>
-                  <a:srgbClr val="0070C0"/>
-                </a:solidFill>
-              </a:rPr>
-              <a:t>.</a:t>
-            </a:r>
-          </a:p>
-        </p:txBody>
-      </p:sp>
-      <p:sp>
-        <p:nvSpPr>
-          <p:cNvPr id="9" name="직사각형 8"/>
-          <p:cNvSpPr/>
-          <p:nvPr/>
-        </p:nvSpPr>
-        <p:spPr>
-          <a:xfrm>
-            <a:off x="216359" y="4842283"/>
-            <a:ext cx="7444667" cy="646331"/>
-          </a:xfrm>
-          <a:prstGeom prst="rect">
-            <a:avLst/>
-          </a:prstGeom>
-        </p:spPr>
-        <p:txBody>
-          <a:bodyPr wrap="none">
-            <a:spAutoFit/>
-          </a:bodyPr>
-          <a:lstStyle/>
-          <a:p>
-            <a:r>
-              <a:rPr lang="en-US" altLang="ko-KR" smtClean="0"/>
-              <a:t># FULL-SENTENCES (NO NSP)</a:t>
-            </a:r>
-          </a:p>
-          <a:p>
-            <a:r>
-              <a:rPr lang="en-US" altLang="ko-KR" smtClean="0"/>
-              <a:t>-&gt;</a:t>
-            </a:r>
-            <a:r>
-              <a:rPr lang="en-US" altLang="ko-KR" smtClean="0">
-                <a:solidFill>
-                  <a:srgbClr val="FF0000"/>
-                </a:solidFill>
-              </a:rPr>
-              <a:t> </a:t>
-            </a:r>
-            <a:r>
-              <a:rPr lang="ko-KR" altLang="en-US">
-                <a:solidFill>
-                  <a:srgbClr val="0070C0"/>
-                </a:solidFill>
-              </a:rPr>
-              <a:t>왠지 모르게 다 내려놓고 놀고 싶은 </a:t>
-            </a:r>
-            <a:r>
-              <a:rPr lang="ko-KR" altLang="en-US" smtClean="0">
-                <a:solidFill>
-                  <a:srgbClr val="0070C0"/>
-                </a:solidFill>
-              </a:rPr>
-              <a:t>날이다</a:t>
-            </a:r>
-            <a:r>
-              <a:rPr lang="en-US" altLang="ko-KR" smtClean="0">
-                <a:solidFill>
-                  <a:srgbClr val="0070C0"/>
-                </a:solidFill>
-              </a:rPr>
-              <a:t>. </a:t>
-            </a:r>
-            <a:r>
-              <a:rPr lang="ko-KR" altLang="en-US">
-                <a:solidFill>
-                  <a:schemeClr val="accent6"/>
-                </a:solidFill>
-              </a:rPr>
-              <a:t>우와 엄마가 선물 줬다</a:t>
-            </a:r>
-            <a:r>
-              <a:rPr lang="en-US" altLang="ko-KR">
-                <a:solidFill>
-                  <a:schemeClr val="accent6"/>
-                </a:solidFill>
-              </a:rPr>
-              <a:t>.</a:t>
-            </a:r>
-          </a:p>
-        </p:txBody>
-      </p:sp>
-      <p:sp>
-        <p:nvSpPr>
-          <p:cNvPr id="11" name="직사각형 10"/>
-          <p:cNvSpPr/>
-          <p:nvPr/>
-        </p:nvSpPr>
-        <p:spPr>
-          <a:xfrm>
-            <a:off x="216359" y="5513593"/>
-            <a:ext cx="7080785" cy="646331"/>
-          </a:xfrm>
-          <a:prstGeom prst="rect">
-            <a:avLst/>
-          </a:prstGeom>
-        </p:spPr>
-        <p:txBody>
-          <a:bodyPr wrap="none">
-            <a:spAutoFit/>
-          </a:bodyPr>
-          <a:lstStyle/>
-          <a:p>
-            <a:r>
-              <a:rPr lang="en-US" altLang="ko-KR" smtClean="0"/>
-              <a:t># DOC-SENTENCES (NO </a:t>
-            </a:r>
-            <a:r>
-              <a:rPr lang="en-US" altLang="ko-KR"/>
-              <a:t>NSP)</a:t>
-            </a:r>
-            <a:endParaRPr lang="en-US" altLang="ko-KR" smtClean="0"/>
-          </a:p>
-          <a:p>
-            <a:r>
-              <a:rPr lang="en-US" altLang="ko-KR" smtClean="0"/>
-              <a:t>-&gt; </a:t>
-            </a:r>
-            <a:r>
-              <a:rPr lang="ko-KR" altLang="en-US">
-                <a:solidFill>
-                  <a:srgbClr val="FF0000"/>
-                </a:solidFill>
-              </a:rPr>
-              <a:t>병원은 너무 멀었다</a:t>
-            </a:r>
-            <a:r>
-              <a:rPr lang="en-US" altLang="ko-KR">
-                <a:solidFill>
-                  <a:srgbClr val="FF0000"/>
-                </a:solidFill>
-              </a:rPr>
-              <a:t>. </a:t>
-            </a:r>
-            <a:r>
-              <a:rPr lang="ko-KR" altLang="en-US">
-                <a:solidFill>
-                  <a:srgbClr val="FF0000"/>
-                </a:solidFill>
-              </a:rPr>
-              <a:t>차로 한참을 가다가 나는 잠이 들고 말았다</a:t>
-            </a:r>
-            <a:endParaRPr lang="en-US" altLang="ko-KR">
-              <a:solidFill>
-                <a:srgbClr val="FF0000"/>
-              </a:solidFill>
-            </a:endParaRPr>
-          </a:p>
-        </p:txBody>
-      </p:sp>
-      <p:sp>
-        <p:nvSpPr>
-          <p:cNvPr id="4" name="TextBox 3"/>
-          <p:cNvSpPr txBox="1"/>
-          <p:nvPr/>
-        </p:nvSpPr>
-        <p:spPr>
-          <a:xfrm>
-            <a:off x="4860324" y="4250724"/>
-            <a:ext cx="4968027" cy="369332"/>
-          </a:xfrm>
-          <a:prstGeom prst="rect">
-            <a:avLst/>
-          </a:prstGeom>
-          <a:noFill/>
-        </p:spPr>
-        <p:txBody>
-          <a:bodyPr wrap="none" rtlCol="0">
-            <a:spAutoFit/>
-          </a:bodyPr>
-          <a:lstStyle/>
-          <a:p>
-            <a:r>
-              <a:rPr lang="ko-KR" altLang="en-US" smtClean="0"/>
-              <a:t>→ 입력의 길이가 </a:t>
-            </a:r>
-            <a:r>
-              <a:rPr lang="en-US" altLang="ko-KR" smtClean="0"/>
-              <a:t>512</a:t>
-            </a:r>
-            <a:r>
-              <a:rPr lang="ko-KR" altLang="en-US" smtClean="0"/>
-              <a:t>보다 짧을 가능성이 높음</a:t>
-            </a:r>
-            <a:endParaRPr lang="ko-KR" altLang="en-US"/>
-          </a:p>
-        </p:txBody>
-      </p:sp>
-      <p:sp>
-        <p:nvSpPr>
-          <p:cNvPr id="10" name="TextBox 9"/>
-          <p:cNvSpPr txBox="1"/>
-          <p:nvPr/>
-        </p:nvSpPr>
-        <p:spPr>
-          <a:xfrm>
-            <a:off x="7125729" y="5652092"/>
-            <a:ext cx="5222905" cy="646331"/>
-          </a:xfrm>
-          <a:prstGeom prst="rect">
-            <a:avLst/>
-          </a:prstGeom>
-          <a:noFill/>
-        </p:spPr>
-        <p:txBody>
-          <a:bodyPr wrap="none" rtlCol="0">
-            <a:spAutoFit/>
-          </a:bodyPr>
-          <a:lstStyle/>
-          <a:p>
-            <a:r>
-              <a:rPr lang="ko-KR" altLang="en-US" smtClean="0"/>
-              <a:t>→ 입력의 길이가 </a:t>
-            </a:r>
-            <a:r>
-              <a:rPr lang="en-US" altLang="ko-KR" smtClean="0"/>
-              <a:t>512</a:t>
-            </a:r>
-            <a:r>
-              <a:rPr lang="ko-KR" altLang="en-US" smtClean="0"/>
-              <a:t>보다 짧을 가능성이 높음</a:t>
-            </a:r>
-            <a:endParaRPr lang="en-US" altLang="ko-KR" smtClean="0"/>
-          </a:p>
-          <a:p>
-            <a:r>
-              <a:rPr lang="en-US" altLang="ko-KR"/>
-              <a:t> </a:t>
-            </a:r>
-            <a:r>
-              <a:rPr lang="en-US" altLang="ko-KR" smtClean="0"/>
-              <a:t>   Ex) </a:t>
-            </a:r>
-            <a:r>
-              <a:rPr lang="ko-KR" altLang="en-US" smtClean="0"/>
-              <a:t>한 문단의 끝 지점 근처부터 샘플링될경우</a:t>
-            </a:r>
-            <a:endParaRPr lang="ko-KR" altLang="en-US"/>
-          </a:p>
-        </p:txBody>
-      </p:sp>
+      </p:pic>
     </p:spTree>
     <p:extLst>
       <p:ext uri="{BB962C8B-B14F-4D97-AF65-F5344CB8AC3E}">
-        <p14:creationId xmlns:p14="http://schemas.microsoft.com/office/powerpoint/2010/main" val="2311083656"/>
+        <p14:creationId xmlns:p14="http://schemas.microsoft.com/office/powerpoint/2010/main" val="938001125"/>
       </p:ext>
     </p:extLst>
   </p:cSld>
   <p:clrMapOvr>
     <a:masterClrMapping/>
   </p:clrMapOvr>
+  <p:timing>
+    <p:tnLst>
+      <p:par>
+        <p:cTn id="1" dur="indefinite" restart="never" nodeType="tmRoot"/>
+      </p:par>
+    </p:tnLst>
+  </p:timing>
 </p:sld>
 </file>
 
@@ -4555,7 +3602,7 @@
         <p:spPr>
           <a:xfrm>
             <a:off x="59177" y="84986"/>
-            <a:ext cx="577402" cy="276999"/>
+            <a:ext cx="662361" cy="276999"/>
           </a:xfrm>
           <a:prstGeom prst="rect">
             <a:avLst/>
@@ -4573,23 +3620,54 @@
               <a:t>그림</a:t>
             </a:r>
             <a:r>
-              <a:rPr lang="en-US" altLang="ko-KR" sz="1200"/>
-              <a:t>4</a:t>
-            </a:r>
-            <a:endParaRPr lang="ko-KR" altLang="en-US" sz="1200"/>
-          </a:p>
-        </p:txBody>
-      </p:sp>
+              <a:rPr lang="en-US" altLang="ko-KR" sz="1200" smtClean="0"/>
+              <a:t>15</a:t>
+            </a:r>
+            <a:endParaRPr lang="ko-KR" altLang="en-US" sz="1200"/>
+          </a:p>
+        </p:txBody>
+      </p:sp>
+      <p:pic>
+        <p:nvPicPr>
+          <p:cNvPr id="2" name="그림 1"/>
+          <p:cNvPicPr>
+            <a:picLocks noChangeAspect="1"/>
+          </p:cNvPicPr>
+          <p:nvPr/>
+        </p:nvPicPr>
+        <p:blipFill>
+          <a:blip r:embed="rId2"/>
+          <a:stretch>
+            <a:fillRect/>
+          </a:stretch>
+        </p:blipFill>
+        <p:spPr>
+          <a:xfrm>
+            <a:off x="981203" y="533271"/>
+            <a:ext cx="3095625" cy="4391025"/>
+          </a:xfrm>
+          <a:prstGeom prst="rect">
+            <a:avLst/>
+          </a:prstGeom>
+        </p:spPr>
+      </p:pic>
     </p:spTree>
     <p:extLst>
       <p:ext uri="{BB962C8B-B14F-4D97-AF65-F5344CB8AC3E}">
-        <p14:creationId xmlns:p14="http://schemas.microsoft.com/office/powerpoint/2010/main" val="197918181"/>
+        <p14:creationId xmlns:p14="http://schemas.microsoft.com/office/powerpoint/2010/main" val="3935095246"/>
       </p:ext>
     </p:extLst>
   </p:cSld>
   <p:clrMapOvr>
     <a:masterClrMapping/>
   </p:clrMapOvr>
+  <p:timing>
+    <p:tnLst>
+      <p:par>
+        <p:cTn id="1" dur="indefinite" restart="never" nodeType="tmRoot"/>
+      </p:par>
+    </p:tnLst>
+  </p:timing>
 </p:sld>
 </file>
 
@@ -4619,7 +3697,7 @@
         <p:spPr>
           <a:xfrm>
             <a:off x="59177" y="84986"/>
-            <a:ext cx="577402" cy="276999"/>
+            <a:ext cx="662361" cy="276999"/>
           </a:xfrm>
           <a:prstGeom prst="rect">
             <a:avLst/>
@@ -4638,29 +3716,627 @@
             </a:r>
             <a:r>
               <a:rPr lang="en-US" altLang="ko-KR" sz="1200" smtClean="0"/>
-              <a:t>8</a:t>
-            </a:r>
-            <a:endParaRPr lang="ko-KR" altLang="en-US" sz="1200"/>
+              <a:t>16</a:t>
+            </a:r>
+            <a:endParaRPr lang="ko-KR" altLang="en-US" sz="1200"/>
+          </a:p>
+        </p:txBody>
+      </p:sp>
+      <p:sp>
+        <p:nvSpPr>
+          <p:cNvPr id="2" name="직사각형 1"/>
+          <p:cNvSpPr/>
+          <p:nvPr/>
+        </p:nvSpPr>
+        <p:spPr>
+          <a:xfrm>
+            <a:off x="1968843" y="452732"/>
+            <a:ext cx="6096000" cy="2862322"/>
+          </a:xfrm>
+          <a:prstGeom prst="rect">
+            <a:avLst/>
+          </a:prstGeom>
+        </p:spPr>
+        <p:txBody>
+          <a:bodyPr>
+            <a:spAutoFit/>
+          </a:bodyPr>
+          <a:lstStyle/>
+          <a:p>
+            <a:r>
+              <a:rPr lang="ko-KR" altLang="en-US" smtClean="0"/>
+              <a:t>예시문</a:t>
+            </a:r>
+            <a:r>
+              <a:rPr lang="en-US" altLang="ko-KR" smtClean="0"/>
+              <a:t>:</a:t>
+            </a:r>
+          </a:p>
+          <a:p>
+            <a:r>
+              <a:rPr lang="en-US" altLang="ko-KR" smtClean="0"/>
+              <a:t>DOC1: </a:t>
+            </a:r>
+            <a:r>
+              <a:rPr lang="ko-KR" altLang="en-US" smtClean="0"/>
+              <a:t>아침에 </a:t>
+            </a:r>
+            <a:r>
+              <a:rPr lang="ko-KR" altLang="en-US"/>
+              <a:t>일어났다</a:t>
+            </a:r>
+            <a:r>
+              <a:rPr lang="en-US" altLang="ko-KR"/>
+              <a:t>. </a:t>
+            </a:r>
+            <a:r>
+              <a:rPr lang="ko-KR" altLang="en-US"/>
+              <a:t>이상하게 배가 아팠다</a:t>
+            </a:r>
+            <a:r>
+              <a:rPr lang="en-US" altLang="ko-KR"/>
+              <a:t>. </a:t>
+            </a:r>
+            <a:r>
+              <a:rPr lang="ko-KR" altLang="en-US"/>
+              <a:t>그래서 병원에 갔다</a:t>
+            </a:r>
+            <a:r>
+              <a:rPr lang="en-US" altLang="ko-KR" smtClean="0"/>
+              <a:t>. </a:t>
+            </a:r>
+            <a:r>
+              <a:rPr lang="ko-KR" altLang="en-US" smtClean="0"/>
+              <a:t>병원은 너무 멀었다</a:t>
+            </a:r>
+            <a:r>
+              <a:rPr lang="en-US" altLang="ko-KR" smtClean="0"/>
+              <a:t>. </a:t>
+            </a:r>
+            <a:r>
+              <a:rPr lang="ko-KR" altLang="en-US" smtClean="0"/>
+              <a:t>차로 한참을 가다가 나는 잠이 들고 말았다</a:t>
+            </a:r>
+            <a:r>
+              <a:rPr lang="en-US" altLang="ko-KR" smtClean="0"/>
+              <a:t>.</a:t>
+            </a:r>
+          </a:p>
+          <a:p>
+            <a:endParaRPr lang="en-US" altLang="ko-KR"/>
+          </a:p>
+          <a:p>
+            <a:r>
+              <a:rPr lang="en-US" altLang="ko-KR" smtClean="0"/>
+              <a:t>DOC2: </a:t>
+            </a:r>
+            <a:r>
+              <a:rPr lang="ko-KR" altLang="en-US" smtClean="0"/>
+              <a:t>오늘은 왠지 술을 한 잔 하고 싶다</a:t>
+            </a:r>
+            <a:r>
+              <a:rPr lang="en-US" altLang="ko-KR" smtClean="0"/>
+              <a:t>. </a:t>
+            </a:r>
+            <a:r>
+              <a:rPr lang="ko-KR" altLang="en-US" smtClean="0"/>
+              <a:t>비도 오고 일도 잘 안된다</a:t>
+            </a:r>
+            <a:r>
+              <a:rPr lang="en-US" altLang="ko-KR" smtClean="0"/>
+              <a:t>. </a:t>
+            </a:r>
+            <a:r>
+              <a:rPr lang="ko-KR" altLang="en-US" smtClean="0"/>
+              <a:t>왠지 모르게 다 내려놓고 놀고 싶은 날이다</a:t>
+            </a:r>
+            <a:r>
+              <a:rPr lang="en-US" altLang="ko-KR" smtClean="0"/>
+              <a:t>.</a:t>
+            </a:r>
+          </a:p>
+          <a:p>
+            <a:endParaRPr lang="en-US" altLang="ko-KR"/>
+          </a:p>
+          <a:p>
+            <a:r>
+              <a:rPr lang="en-US" altLang="ko-KR" smtClean="0"/>
+              <a:t>DOC3: </a:t>
+            </a:r>
+            <a:r>
+              <a:rPr lang="ko-KR" altLang="en-US" smtClean="0"/>
+              <a:t>우와 엄마가 선물 줬다</a:t>
+            </a:r>
+            <a:r>
+              <a:rPr lang="en-US" altLang="ko-KR" smtClean="0"/>
+              <a:t>. </a:t>
+            </a:r>
+            <a:r>
+              <a:rPr lang="ko-KR" altLang="en-US" smtClean="0"/>
+              <a:t>태권</a:t>
+            </a:r>
+            <a:r>
+              <a:rPr lang="en-US" altLang="ko-KR" smtClean="0"/>
+              <a:t>V </a:t>
+            </a:r>
+            <a:r>
+              <a:rPr lang="ko-KR" altLang="en-US" smtClean="0"/>
+              <a:t>장난감이다</a:t>
+            </a:r>
+            <a:r>
+              <a:rPr lang="en-US" altLang="ko-KR" smtClean="0"/>
+              <a:t>. </a:t>
+            </a:r>
+            <a:r>
+              <a:rPr lang="ko-KR" altLang="en-US" smtClean="0"/>
+              <a:t>내가 제일 갖고 싶었던 장난감인데</a:t>
+            </a:r>
+            <a:endParaRPr lang="ko-KR" altLang="en-US"/>
+          </a:p>
+        </p:txBody>
+      </p:sp>
+      <p:sp>
+        <p:nvSpPr>
+          <p:cNvPr id="3" name="직사각형 2"/>
+          <p:cNvSpPr/>
+          <p:nvPr/>
+        </p:nvSpPr>
+        <p:spPr>
+          <a:xfrm>
+            <a:off x="216359" y="3352887"/>
+            <a:ext cx="10956846" cy="646331"/>
+          </a:xfrm>
+          <a:prstGeom prst="rect">
+            <a:avLst/>
+          </a:prstGeom>
+        </p:spPr>
+        <p:txBody>
+          <a:bodyPr wrap="none">
+            <a:spAutoFit/>
+          </a:bodyPr>
+          <a:lstStyle/>
+          <a:p>
+            <a:r>
+              <a:rPr lang="en-US" altLang="ko-KR" smtClean="0"/>
+              <a:t># </a:t>
+            </a:r>
+            <a:r>
+              <a:rPr lang="ko-KR" altLang="en-US" smtClean="0"/>
+              <a:t>SEGMENT-PAIR+NSP</a:t>
+            </a:r>
+            <a:endParaRPr lang="en-US" altLang="ko-KR" smtClean="0"/>
+          </a:p>
+          <a:p>
+            <a:r>
+              <a:rPr lang="en-US" altLang="ko-KR" smtClean="0"/>
+              <a:t>-&gt;</a:t>
+            </a:r>
+            <a:r>
+              <a:rPr lang="en-US" altLang="ko-KR" smtClean="0">
+                <a:solidFill>
+                  <a:srgbClr val="FF0000"/>
+                </a:solidFill>
+              </a:rPr>
+              <a:t> </a:t>
+            </a:r>
+            <a:r>
+              <a:rPr lang="ko-KR" altLang="en-US" smtClean="0">
+                <a:solidFill>
+                  <a:srgbClr val="FF0000"/>
+                </a:solidFill>
+              </a:rPr>
+              <a:t>아침에 </a:t>
+            </a:r>
+            <a:r>
+              <a:rPr lang="ko-KR" altLang="en-US">
+                <a:solidFill>
+                  <a:srgbClr val="FF0000"/>
+                </a:solidFill>
+              </a:rPr>
+              <a:t>일어났다</a:t>
+            </a:r>
+            <a:r>
+              <a:rPr lang="en-US" altLang="ko-KR">
+                <a:solidFill>
+                  <a:srgbClr val="FF0000"/>
+                </a:solidFill>
+              </a:rPr>
+              <a:t>. </a:t>
+            </a:r>
+            <a:r>
+              <a:rPr lang="ko-KR" altLang="en-US">
+                <a:solidFill>
+                  <a:srgbClr val="FF0000"/>
+                </a:solidFill>
+              </a:rPr>
+              <a:t>이상하게 배가 아팠다</a:t>
+            </a:r>
+            <a:r>
+              <a:rPr lang="en-US" altLang="ko-KR" smtClean="0">
+                <a:solidFill>
+                  <a:srgbClr val="FF0000"/>
+                </a:solidFill>
+              </a:rPr>
+              <a:t>. </a:t>
+            </a:r>
+            <a:r>
+              <a:rPr lang="ko-KR" altLang="en-US">
+                <a:solidFill>
+                  <a:srgbClr val="0070C0"/>
+                </a:solidFill>
+              </a:rPr>
+              <a:t>오늘은 왠지 술을 한 잔 하고 싶다</a:t>
+            </a:r>
+            <a:r>
+              <a:rPr lang="en-US" altLang="ko-KR">
+                <a:solidFill>
+                  <a:srgbClr val="0070C0"/>
+                </a:solidFill>
+              </a:rPr>
+              <a:t>. </a:t>
+            </a:r>
+            <a:r>
+              <a:rPr lang="ko-KR" altLang="en-US">
+                <a:solidFill>
+                  <a:srgbClr val="0070C0"/>
+                </a:solidFill>
+              </a:rPr>
+              <a:t>비도 오고 일도 잘 안된다</a:t>
+            </a:r>
+            <a:r>
+              <a:rPr lang="en-US" altLang="ko-KR" smtClean="0">
+                <a:solidFill>
+                  <a:srgbClr val="0070C0"/>
+                </a:solidFill>
+              </a:rPr>
+              <a:t>.</a:t>
+            </a:r>
+            <a:endParaRPr lang="ko-KR" altLang="en-US">
+              <a:solidFill>
+                <a:srgbClr val="0070C0"/>
+              </a:solidFill>
+            </a:endParaRPr>
+          </a:p>
+        </p:txBody>
+      </p:sp>
+      <p:sp>
+        <p:nvSpPr>
+          <p:cNvPr id="7" name="직사각형 6"/>
+          <p:cNvSpPr/>
+          <p:nvPr/>
+        </p:nvSpPr>
+        <p:spPr>
+          <a:xfrm>
+            <a:off x="216359" y="4053718"/>
+            <a:ext cx="4727576" cy="646331"/>
+          </a:xfrm>
+          <a:prstGeom prst="rect">
+            <a:avLst/>
+          </a:prstGeom>
+        </p:spPr>
+        <p:txBody>
+          <a:bodyPr wrap="none">
+            <a:spAutoFit/>
+          </a:bodyPr>
+          <a:lstStyle/>
+          <a:p>
+            <a:r>
+              <a:rPr lang="en-US" altLang="ko-KR" smtClean="0"/>
+              <a:t># SENTENCE</a:t>
+            </a:r>
+            <a:r>
+              <a:rPr lang="ko-KR" altLang="en-US" smtClean="0"/>
+              <a:t>-PAIR+NSP</a:t>
+            </a:r>
+            <a:endParaRPr lang="en-US" altLang="ko-KR" smtClean="0"/>
+          </a:p>
+          <a:p>
+            <a:r>
+              <a:rPr lang="en-US" altLang="ko-KR" smtClean="0"/>
+              <a:t>-&gt;</a:t>
+            </a:r>
+            <a:r>
+              <a:rPr lang="en-US" altLang="ko-KR" smtClean="0">
+                <a:solidFill>
+                  <a:srgbClr val="FF0000"/>
+                </a:solidFill>
+              </a:rPr>
+              <a:t> </a:t>
+            </a:r>
+            <a:r>
+              <a:rPr lang="ko-KR" altLang="en-US" smtClean="0">
+                <a:solidFill>
+                  <a:srgbClr val="FF0000"/>
+                </a:solidFill>
+              </a:rPr>
+              <a:t>아침에 </a:t>
+            </a:r>
+            <a:r>
+              <a:rPr lang="ko-KR" altLang="en-US">
+                <a:solidFill>
+                  <a:srgbClr val="FF0000"/>
+                </a:solidFill>
+              </a:rPr>
+              <a:t>일어났다</a:t>
+            </a:r>
+            <a:r>
+              <a:rPr lang="en-US" altLang="ko-KR">
+                <a:solidFill>
+                  <a:srgbClr val="FF0000"/>
+                </a:solidFill>
+              </a:rPr>
+              <a:t>. </a:t>
+            </a:r>
+            <a:r>
+              <a:rPr lang="ko-KR" altLang="en-US">
+                <a:solidFill>
+                  <a:srgbClr val="0070C0"/>
+                </a:solidFill>
+              </a:rPr>
+              <a:t>이상하게 배가 아팠다</a:t>
+            </a:r>
+            <a:r>
+              <a:rPr lang="en-US" altLang="ko-KR" smtClean="0">
+                <a:solidFill>
+                  <a:srgbClr val="0070C0"/>
+                </a:solidFill>
+              </a:rPr>
+              <a:t>.</a:t>
+            </a:r>
+          </a:p>
+        </p:txBody>
+      </p:sp>
+      <p:sp>
+        <p:nvSpPr>
+          <p:cNvPr id="9" name="직사각형 8"/>
+          <p:cNvSpPr/>
+          <p:nvPr/>
+        </p:nvSpPr>
+        <p:spPr>
+          <a:xfrm>
+            <a:off x="216359" y="4842283"/>
+            <a:ext cx="7444667" cy="646331"/>
+          </a:xfrm>
+          <a:prstGeom prst="rect">
+            <a:avLst/>
+          </a:prstGeom>
+        </p:spPr>
+        <p:txBody>
+          <a:bodyPr wrap="none">
+            <a:spAutoFit/>
+          </a:bodyPr>
+          <a:lstStyle/>
+          <a:p>
+            <a:r>
+              <a:rPr lang="en-US" altLang="ko-KR" smtClean="0"/>
+              <a:t># FULL-SENTENCES (NO NSP)</a:t>
+            </a:r>
+          </a:p>
+          <a:p>
+            <a:r>
+              <a:rPr lang="en-US" altLang="ko-KR" smtClean="0"/>
+              <a:t>-&gt;</a:t>
+            </a:r>
+            <a:r>
+              <a:rPr lang="en-US" altLang="ko-KR" smtClean="0">
+                <a:solidFill>
+                  <a:srgbClr val="FF0000"/>
+                </a:solidFill>
+              </a:rPr>
+              <a:t> </a:t>
+            </a:r>
+            <a:r>
+              <a:rPr lang="ko-KR" altLang="en-US">
+                <a:solidFill>
+                  <a:srgbClr val="0070C0"/>
+                </a:solidFill>
+              </a:rPr>
+              <a:t>왠지 모르게 다 내려놓고 놀고 싶은 </a:t>
+            </a:r>
+            <a:r>
+              <a:rPr lang="ko-KR" altLang="en-US" smtClean="0">
+                <a:solidFill>
+                  <a:srgbClr val="0070C0"/>
+                </a:solidFill>
+              </a:rPr>
+              <a:t>날이다</a:t>
+            </a:r>
+            <a:r>
+              <a:rPr lang="en-US" altLang="ko-KR" smtClean="0">
+                <a:solidFill>
+                  <a:srgbClr val="0070C0"/>
+                </a:solidFill>
+              </a:rPr>
+              <a:t>. </a:t>
+            </a:r>
+            <a:r>
+              <a:rPr lang="ko-KR" altLang="en-US">
+                <a:solidFill>
+                  <a:schemeClr val="accent6"/>
+                </a:solidFill>
+              </a:rPr>
+              <a:t>우와 엄마가 선물 줬다</a:t>
+            </a:r>
+            <a:r>
+              <a:rPr lang="en-US" altLang="ko-KR">
+                <a:solidFill>
+                  <a:schemeClr val="accent6"/>
+                </a:solidFill>
+              </a:rPr>
+              <a:t>.</a:t>
+            </a:r>
+          </a:p>
+        </p:txBody>
+      </p:sp>
+      <p:sp>
+        <p:nvSpPr>
+          <p:cNvPr id="11" name="직사각형 10"/>
+          <p:cNvSpPr/>
+          <p:nvPr/>
+        </p:nvSpPr>
+        <p:spPr>
+          <a:xfrm>
+            <a:off x="216359" y="5513593"/>
+            <a:ext cx="7080785" cy="646331"/>
+          </a:xfrm>
+          <a:prstGeom prst="rect">
+            <a:avLst/>
+          </a:prstGeom>
+        </p:spPr>
+        <p:txBody>
+          <a:bodyPr wrap="none">
+            <a:spAutoFit/>
+          </a:bodyPr>
+          <a:lstStyle/>
+          <a:p>
+            <a:r>
+              <a:rPr lang="en-US" altLang="ko-KR" smtClean="0"/>
+              <a:t># DOC-SENTENCES (NO </a:t>
+            </a:r>
+            <a:r>
+              <a:rPr lang="en-US" altLang="ko-KR"/>
+              <a:t>NSP)</a:t>
+            </a:r>
+            <a:endParaRPr lang="en-US" altLang="ko-KR" smtClean="0"/>
+          </a:p>
+          <a:p>
+            <a:r>
+              <a:rPr lang="en-US" altLang="ko-KR" smtClean="0"/>
+              <a:t>-&gt; </a:t>
+            </a:r>
+            <a:r>
+              <a:rPr lang="ko-KR" altLang="en-US">
+                <a:solidFill>
+                  <a:srgbClr val="FF0000"/>
+                </a:solidFill>
+              </a:rPr>
+              <a:t>병원은 너무 멀었다</a:t>
+            </a:r>
+            <a:r>
+              <a:rPr lang="en-US" altLang="ko-KR">
+                <a:solidFill>
+                  <a:srgbClr val="FF0000"/>
+                </a:solidFill>
+              </a:rPr>
+              <a:t>. </a:t>
+            </a:r>
+            <a:r>
+              <a:rPr lang="ko-KR" altLang="en-US">
+                <a:solidFill>
+                  <a:srgbClr val="FF0000"/>
+                </a:solidFill>
+              </a:rPr>
+              <a:t>차로 한참을 가다가 나는 잠이 들고 말았다</a:t>
+            </a:r>
+            <a:endParaRPr lang="en-US" altLang="ko-KR">
+              <a:solidFill>
+                <a:srgbClr val="FF0000"/>
+              </a:solidFill>
+            </a:endParaRPr>
+          </a:p>
+        </p:txBody>
+      </p:sp>
+      <p:sp>
+        <p:nvSpPr>
+          <p:cNvPr id="4" name="TextBox 3"/>
+          <p:cNvSpPr txBox="1"/>
+          <p:nvPr/>
+        </p:nvSpPr>
+        <p:spPr>
+          <a:xfrm>
+            <a:off x="4860324" y="4250724"/>
+            <a:ext cx="4968027" cy="369332"/>
+          </a:xfrm>
+          <a:prstGeom prst="rect">
+            <a:avLst/>
+          </a:prstGeom>
+          <a:noFill/>
+        </p:spPr>
+        <p:txBody>
+          <a:bodyPr wrap="none" rtlCol="0">
+            <a:spAutoFit/>
+          </a:bodyPr>
+          <a:lstStyle/>
+          <a:p>
+            <a:r>
+              <a:rPr lang="ko-KR" altLang="en-US" smtClean="0"/>
+              <a:t>→ 입력의 길이가 </a:t>
+            </a:r>
+            <a:r>
+              <a:rPr lang="en-US" altLang="ko-KR" smtClean="0"/>
+              <a:t>512</a:t>
+            </a:r>
+            <a:r>
+              <a:rPr lang="ko-KR" altLang="en-US" smtClean="0"/>
+              <a:t>보다 짧을 가능성이 높음</a:t>
+            </a:r>
+            <a:endParaRPr lang="ko-KR" altLang="en-US"/>
+          </a:p>
+        </p:txBody>
+      </p:sp>
+      <p:sp>
+        <p:nvSpPr>
+          <p:cNvPr id="10" name="TextBox 9"/>
+          <p:cNvSpPr txBox="1"/>
+          <p:nvPr/>
+        </p:nvSpPr>
+        <p:spPr>
+          <a:xfrm>
+            <a:off x="7125729" y="5652092"/>
+            <a:ext cx="5222905" cy="646331"/>
+          </a:xfrm>
+          <a:prstGeom prst="rect">
+            <a:avLst/>
+          </a:prstGeom>
+          <a:noFill/>
+        </p:spPr>
+        <p:txBody>
+          <a:bodyPr wrap="none" rtlCol="0">
+            <a:spAutoFit/>
+          </a:bodyPr>
+          <a:lstStyle/>
+          <a:p>
+            <a:r>
+              <a:rPr lang="ko-KR" altLang="en-US" smtClean="0"/>
+              <a:t>→ 입력의 길이가 </a:t>
+            </a:r>
+            <a:r>
+              <a:rPr lang="en-US" altLang="ko-KR" smtClean="0"/>
+              <a:t>512</a:t>
+            </a:r>
+            <a:r>
+              <a:rPr lang="ko-KR" altLang="en-US" smtClean="0"/>
+              <a:t>보다 짧을 가능성이 높음</a:t>
+            </a:r>
+            <a:endParaRPr lang="en-US" altLang="ko-KR" smtClean="0"/>
+          </a:p>
+          <a:p>
+            <a:r>
+              <a:rPr lang="en-US" altLang="ko-KR"/>
+              <a:t> </a:t>
+            </a:r>
+            <a:r>
+              <a:rPr lang="en-US" altLang="ko-KR" smtClean="0"/>
+              <a:t>   Ex) </a:t>
+            </a:r>
+            <a:r>
+              <a:rPr lang="ko-KR" altLang="en-US" smtClean="0"/>
+              <a:t>한 문단의 끝 지점 근처부터 샘플링될경우</a:t>
+            </a:r>
+            <a:endParaRPr lang="ko-KR" altLang="en-US"/>
           </a:p>
         </p:txBody>
       </p:sp>
     </p:spTree>
     <p:extLst>
       <p:ext uri="{BB962C8B-B14F-4D97-AF65-F5344CB8AC3E}">
-        <p14:creationId xmlns:p14="http://schemas.microsoft.com/office/powerpoint/2010/main" val="938001125"/>
+        <p14:creationId xmlns:p14="http://schemas.microsoft.com/office/powerpoint/2010/main" val="2311083656"/>
       </p:ext>
     </p:extLst>
   </p:cSld>
   <p:clrMapOvr>
     <a:masterClrMapping/>
   </p:clrMapOvr>
-  <p:timing>
-    <p:tnLst>
-      <p:par>
-        <p:cTn id="1" dur="indefinite" restart="never" nodeType="tmRoot"/>
-      </p:par>
-    </p:tnLst>
-  </p:timing>
 </p:sld>
 </file>
 
@@ -4718,7 +4394,7 @@
     </p:spTree>
     <p:extLst>
       <p:ext uri="{BB962C8B-B14F-4D97-AF65-F5344CB8AC3E}">
-        <p14:creationId xmlns:p14="http://schemas.microsoft.com/office/powerpoint/2010/main" val="3935095246"/>
+        <p14:creationId xmlns:p14="http://schemas.microsoft.com/office/powerpoint/2010/main" val="4085346525"/>
       </p:ext>
     </p:extLst>
   </p:cSld>
@@ -4789,7 +4465,7 @@
     </p:spTree>
     <p:extLst>
       <p:ext uri="{BB962C8B-B14F-4D97-AF65-F5344CB8AC3E}">
-        <p14:creationId xmlns:p14="http://schemas.microsoft.com/office/powerpoint/2010/main" val="4085346525"/>
+        <p14:creationId xmlns:p14="http://schemas.microsoft.com/office/powerpoint/2010/main" val="2785801191"/>
       </p:ext>
     </p:extLst>
   </p:cSld>
@@ -4860,7 +4536,7 @@
     </p:spTree>
     <p:extLst>
       <p:ext uri="{BB962C8B-B14F-4D97-AF65-F5344CB8AC3E}">
-        <p14:creationId xmlns:p14="http://schemas.microsoft.com/office/powerpoint/2010/main" val="2785801191"/>
+        <p14:creationId xmlns:p14="http://schemas.microsoft.com/office/powerpoint/2010/main" val="2224719402"/>
       </p:ext>
     </p:extLst>
   </p:cSld>
@@ -7800,77 +7476,6 @@
     <p:extLst>
       <p:ext uri="{BB962C8B-B14F-4D97-AF65-F5344CB8AC3E}">
         <p14:creationId xmlns:p14="http://schemas.microsoft.com/office/powerpoint/2010/main" val="3085647580"/>
-      </p:ext>
-    </p:extLst>
-  </p:cSld>
-  <p:clrMapOvr>
-    <a:masterClrMapping/>
-  </p:clrMapOvr>
-  <p:timing>
-    <p:tnLst>
-      <p:par>
-        <p:cTn id="1" dur="indefinite" restart="never" nodeType="tmRoot"/>
-      </p:par>
-    </p:tnLst>
-  </p:timing>
-</p:sld>
-</file>
-
-<file path=ppt/slides/slide20.xml><?xml version="1.0" encoding="utf-8"?>
-<p:sld xmlns:a="http://schemas.openxmlformats.org/drawingml/2006/main" xmlns:r="http://schemas.openxmlformats.org/officeDocument/2006/relationships" xmlns:p="http://schemas.openxmlformats.org/presentationml/2006/main">
-  <p:cSld>
-    <p:spTree>
-      <p:nvGrpSpPr>
-        <p:cNvPr id="1" name=""/>
-        <p:cNvGrpSpPr/>
-        <p:nvPr/>
-      </p:nvGrpSpPr>
-      <p:grpSpPr>
-        <a:xfrm>
-          <a:off x="0" y="0"/>
-          <a:ext cx="0" cy="0"/>
-          <a:chOff x="0" y="0"/>
-          <a:chExt cx="0" cy="0"/>
-        </a:xfrm>
-      </p:grpSpPr>
-      <p:sp>
-        <p:nvSpPr>
-          <p:cNvPr id="6" name="TextBox 5"/>
-          <p:cNvSpPr txBox="1"/>
-          <p:nvPr/>
-        </p:nvSpPr>
-        <p:spPr>
-          <a:xfrm>
-            <a:off x="59177" y="84986"/>
-            <a:ext cx="577402" cy="276999"/>
-          </a:xfrm>
-          <a:prstGeom prst="rect">
-            <a:avLst/>
-          </a:prstGeom>
-          <a:noFill/>
-        </p:spPr>
-        <p:txBody>
-          <a:bodyPr wrap="none" rtlCol="0">
-            <a:spAutoFit/>
-          </a:bodyPr>
-          <a:lstStyle/>
-          <a:p>
-            <a:r>
-              <a:rPr lang="ko-KR" altLang="en-US" sz="1200" smtClean="0"/>
-              <a:t>그림</a:t>
-            </a:r>
-            <a:r>
-              <a:rPr lang="en-US" altLang="ko-KR" sz="1200" smtClean="0"/>
-              <a:t>8</a:t>
-            </a:r>
-            <a:endParaRPr lang="ko-KR" altLang="en-US" sz="1200"/>
-          </a:p>
-        </p:txBody>
-      </p:sp>
-    </p:spTree>
-    <p:extLst>
-      <p:ext uri="{BB962C8B-B14F-4D97-AF65-F5344CB8AC3E}">
-        <p14:creationId xmlns:p14="http://schemas.microsoft.com/office/powerpoint/2010/main" val="2224719402"/>
       </p:ext>
     </p:extLst>
   </p:cSld>

--- a/draft/chapter5.pptx
+++ b/draft/chapter5.pptx
@@ -107,6 +107,11 @@
       </a:defRPr>
     </a:lvl9pPr>
   </p:defaultTextStyle>
+  <p:extLst>
+    <p:ext uri="{EFAFB233-063F-42B5-8137-9DF3F51BA10A}">
+      <p15:sldGuideLst xmlns:p15="http://schemas.microsoft.com/office/powerpoint/2012/main"/>
+    </p:ext>
+  </p:extLst>
 </p:presentation>
 </file>
 
@@ -241,7 +246,7 @@
           <a:p>
             <a:fld id="{786E2EA6-0D00-474A-A782-9BEDA86D0450}" type="datetimeFigureOut">
               <a:rPr lang="ko-KR" altLang="en-US" smtClean="0"/>
-              <a:t>2021-10-24</a:t>
+              <a:t>2021-12-25</a:t>
             </a:fld>
             <a:endParaRPr lang="ko-KR" altLang="en-US"/>
           </a:p>
@@ -411,7 +416,7 @@
           <a:p>
             <a:fld id="{786E2EA6-0D00-474A-A782-9BEDA86D0450}" type="datetimeFigureOut">
               <a:rPr lang="ko-KR" altLang="en-US" smtClean="0"/>
-              <a:t>2021-10-24</a:t>
+              <a:t>2021-12-25</a:t>
             </a:fld>
             <a:endParaRPr lang="ko-KR" altLang="en-US"/>
           </a:p>
@@ -591,7 +596,7 @@
           <a:p>
             <a:fld id="{786E2EA6-0D00-474A-A782-9BEDA86D0450}" type="datetimeFigureOut">
               <a:rPr lang="ko-KR" altLang="en-US" smtClean="0"/>
-              <a:t>2021-10-24</a:t>
+              <a:t>2021-12-25</a:t>
             </a:fld>
             <a:endParaRPr lang="ko-KR" altLang="en-US"/>
           </a:p>
@@ -761,7 +766,7 @@
           <a:p>
             <a:fld id="{786E2EA6-0D00-474A-A782-9BEDA86D0450}" type="datetimeFigureOut">
               <a:rPr lang="ko-KR" altLang="en-US" smtClean="0"/>
-              <a:t>2021-10-24</a:t>
+              <a:t>2021-12-25</a:t>
             </a:fld>
             <a:endParaRPr lang="ko-KR" altLang="en-US"/>
           </a:p>
@@ -1007,7 +1012,7 @@
           <a:p>
             <a:fld id="{786E2EA6-0D00-474A-A782-9BEDA86D0450}" type="datetimeFigureOut">
               <a:rPr lang="ko-KR" altLang="en-US" smtClean="0"/>
-              <a:t>2021-10-24</a:t>
+              <a:t>2021-12-25</a:t>
             </a:fld>
             <a:endParaRPr lang="ko-KR" altLang="en-US"/>
           </a:p>
@@ -1239,7 +1244,7 @@
           <a:p>
             <a:fld id="{786E2EA6-0D00-474A-A782-9BEDA86D0450}" type="datetimeFigureOut">
               <a:rPr lang="ko-KR" altLang="en-US" smtClean="0"/>
-              <a:t>2021-10-24</a:t>
+              <a:t>2021-12-25</a:t>
             </a:fld>
             <a:endParaRPr lang="ko-KR" altLang="en-US"/>
           </a:p>
@@ -1606,7 +1611,7 @@
           <a:p>
             <a:fld id="{786E2EA6-0D00-474A-A782-9BEDA86D0450}" type="datetimeFigureOut">
               <a:rPr lang="ko-KR" altLang="en-US" smtClean="0"/>
-              <a:t>2021-10-24</a:t>
+              <a:t>2021-12-25</a:t>
             </a:fld>
             <a:endParaRPr lang="ko-KR" altLang="en-US"/>
           </a:p>
@@ -1724,7 +1729,7 @@
           <a:p>
             <a:fld id="{786E2EA6-0D00-474A-A782-9BEDA86D0450}" type="datetimeFigureOut">
               <a:rPr lang="ko-KR" altLang="en-US" smtClean="0"/>
-              <a:t>2021-10-24</a:t>
+              <a:t>2021-12-25</a:t>
             </a:fld>
             <a:endParaRPr lang="ko-KR" altLang="en-US"/>
           </a:p>
@@ -1819,7 +1824,7 @@
           <a:p>
             <a:fld id="{786E2EA6-0D00-474A-A782-9BEDA86D0450}" type="datetimeFigureOut">
               <a:rPr lang="ko-KR" altLang="en-US" smtClean="0"/>
-              <a:t>2021-10-24</a:t>
+              <a:t>2021-12-25</a:t>
             </a:fld>
             <a:endParaRPr lang="ko-KR" altLang="en-US"/>
           </a:p>
@@ -2096,7 +2101,7 @@
           <a:p>
             <a:fld id="{786E2EA6-0D00-474A-A782-9BEDA86D0450}" type="datetimeFigureOut">
               <a:rPr lang="ko-KR" altLang="en-US" smtClean="0"/>
-              <a:t>2021-10-24</a:t>
+              <a:t>2021-12-25</a:t>
             </a:fld>
             <a:endParaRPr lang="ko-KR" altLang="en-US"/>
           </a:p>
@@ -2349,7 +2354,7 @@
           <a:p>
             <a:fld id="{786E2EA6-0D00-474A-A782-9BEDA86D0450}" type="datetimeFigureOut">
               <a:rPr lang="ko-KR" altLang="en-US" smtClean="0"/>
-              <a:t>2021-10-24</a:t>
+              <a:t>2021-12-25</a:t>
             </a:fld>
             <a:endParaRPr lang="ko-KR" altLang="en-US"/>
           </a:p>
@@ -2562,7 +2567,7 @@
           <a:p>
             <a:fld id="{786E2EA6-0D00-474A-A782-9BEDA86D0450}" type="datetimeFigureOut">
               <a:rPr lang="ko-KR" altLang="en-US" smtClean="0"/>
-              <a:t>2021-10-24</a:t>
+              <a:t>2021-12-25</a:t>
             </a:fld>
             <a:endParaRPr lang="ko-KR" altLang="en-US"/>
           </a:p>
@@ -5550,7 +5555,7 @@
         <p:spPr>
           <a:xfrm>
             <a:off x="1136823" y="840259"/>
-            <a:ext cx="5840626" cy="4226011"/>
+            <a:ext cx="6866440" cy="4226011"/>
           </a:xfrm>
           <a:prstGeom prst="rect">
             <a:avLst/>
@@ -5613,6 +5618,74 @@
               <a:t>: 64</a:t>
             </a:r>
             <a:endParaRPr lang="ko-KR" altLang="en-US"/>
+          </a:p>
+        </p:txBody>
+      </p:sp>
+      <p:sp>
+        <p:nvSpPr>
+          <p:cNvPr id="28" name="TextBox 27"/>
+          <p:cNvSpPr txBox="1"/>
+          <p:nvPr/>
+        </p:nvSpPr>
+        <p:spPr>
+          <a:xfrm>
+            <a:off x="7018541" y="3496276"/>
+            <a:ext cx="668773" cy="369332"/>
+          </a:xfrm>
+          <a:prstGeom prst="rect">
+            <a:avLst/>
+          </a:prstGeom>
+          <a:noFill/>
+        </p:spPr>
+        <p:txBody>
+          <a:bodyPr wrap="none" rtlCol="0">
+            <a:spAutoFit/>
+          </a:bodyPr>
+          <a:lstStyle/>
+          <a:p>
+            <a:r>
+              <a:rPr lang="en-US" altLang="ko-KR" dirty="0" smtClean="0"/>
+              <a:t>27</a:t>
+            </a:r>
+            <a:r>
+              <a:rPr lang="ko-KR" altLang="en-US" dirty="0" smtClean="0"/>
+              <a:t>개</a:t>
+            </a:r>
+            <a:endParaRPr lang="ko-KR" altLang="en-US" dirty="0"/>
+          </a:p>
+        </p:txBody>
+      </p:sp>
+      <p:sp>
+        <p:nvSpPr>
+          <p:cNvPr id="29" name="TextBox 28"/>
+          <p:cNvSpPr txBox="1"/>
+          <p:nvPr/>
+        </p:nvSpPr>
+        <p:spPr>
+          <a:xfrm>
+            <a:off x="7018541" y="4309765"/>
+            <a:ext cx="668773" cy="369332"/>
+          </a:xfrm>
+          <a:prstGeom prst="rect">
+            <a:avLst/>
+          </a:prstGeom>
+          <a:noFill/>
+        </p:spPr>
+        <p:txBody>
+          <a:bodyPr wrap="none" rtlCol="0">
+            <a:spAutoFit/>
+          </a:bodyPr>
+          <a:lstStyle/>
+          <a:p>
+            <a:r>
+              <a:rPr lang="en-US" altLang="ko-KR" dirty="0" smtClean="0"/>
+              <a:t>27</a:t>
+            </a:r>
+            <a:r>
+              <a:rPr lang="ko-KR" altLang="en-US" dirty="0" smtClean="0"/>
+              <a:t>개</a:t>
+            </a:r>
+            <a:endParaRPr lang="ko-KR" altLang="en-US" dirty="0"/>
           </a:p>
         </p:txBody>
       </p:sp>
